--- a/emissions.pptx
+++ b/emissions.pptx
@@ -4,10 +4,25 @@
   <p:sldMasterIdLst>
     <p:sldMasterId id="2147483648" r:id="rId1"/>
   </p:sldMasterIdLst>
+  <p:notesMasterIdLst>
+    <p:notesMasterId r:id="rId17"/>
+  </p:notesMasterIdLst>
   <p:sldIdLst>
     <p:sldId id="256" r:id="rId2"/>
-    <p:sldId id="257" r:id="rId3"/>
-    <p:sldId id="258" r:id="rId4"/>
+    <p:sldId id="258" r:id="rId3"/>
+    <p:sldId id="257" r:id="rId4"/>
+    <p:sldId id="259" r:id="rId5"/>
+    <p:sldId id="262" r:id="rId6"/>
+    <p:sldId id="263" r:id="rId7"/>
+    <p:sldId id="264" r:id="rId8"/>
+    <p:sldId id="270" r:id="rId9"/>
+    <p:sldId id="269" r:id="rId10"/>
+    <p:sldId id="275" r:id="rId11"/>
+    <p:sldId id="271" r:id="rId12"/>
+    <p:sldId id="273" r:id="rId13"/>
+    <p:sldId id="267" r:id="rId14"/>
+    <p:sldId id="276" r:id="rId15"/>
+    <p:sldId id="279" r:id="rId16"/>
   </p:sldIdLst>
   <p:sldSz cx="12192000" cy="6858000"/>
   <p:notesSz cx="6858000" cy="9144000"/>
@@ -114,6 +129,442 @@
 </p:presentation>
 </file>
 
+<file path=ppt/notesMasters/notesMaster1.xml><?xml version="1.0" encoding="utf-8"?>
+<p:notesMaster xmlns:a="http://schemas.openxmlformats.org/drawingml/2006/main" xmlns:r="http://schemas.openxmlformats.org/officeDocument/2006/relationships" xmlns:p="http://schemas.openxmlformats.org/presentationml/2006/main">
+  <p:cSld>
+    <p:bg>
+      <p:bgRef idx="1001">
+        <a:schemeClr val="bg1"/>
+      </p:bgRef>
+    </p:bg>
+    <p:spTree>
+      <p:nvGrpSpPr>
+        <p:cNvPr id="1" name=""/>
+        <p:cNvGrpSpPr/>
+        <p:nvPr/>
+      </p:nvGrpSpPr>
+      <p:grpSpPr>
+        <a:xfrm>
+          <a:off x="0" y="0"/>
+          <a:ext cx="0" cy="0"/>
+          <a:chOff x="0" y="0"/>
+          <a:chExt cx="0" cy="0"/>
+        </a:xfrm>
+      </p:grpSpPr>
+      <p:sp>
+        <p:nvSpPr>
+          <p:cNvPr id="2" name="Header Placeholder 1"/>
+          <p:cNvSpPr>
+            <a:spLocks noGrp="1"/>
+          </p:cNvSpPr>
+          <p:nvPr>
+            <p:ph type="hdr" sz="quarter"/>
+          </p:nvPr>
+        </p:nvSpPr>
+        <p:spPr>
+          <a:xfrm>
+            <a:off x="0" y="0"/>
+            <a:ext cx="2971800" cy="458788"/>
+          </a:xfrm>
+          <a:prstGeom prst="rect">
+            <a:avLst/>
+          </a:prstGeom>
+        </p:spPr>
+        <p:txBody>
+          <a:bodyPr vert="horz" lIns="91440" tIns="45720" rIns="91440" bIns="45720" rtlCol="0"/>
+          <a:lstStyle>
+            <a:lvl1pPr algn="l">
+              <a:defRPr sz="1200"/>
+            </a:lvl1pPr>
+          </a:lstStyle>
+          <a:p>
+            <a:endParaRPr lang="en-US"/>
+          </a:p>
+        </p:txBody>
+      </p:sp>
+      <p:sp>
+        <p:nvSpPr>
+          <p:cNvPr id="3" name="Date Placeholder 2"/>
+          <p:cNvSpPr>
+            <a:spLocks noGrp="1"/>
+          </p:cNvSpPr>
+          <p:nvPr>
+            <p:ph type="dt" idx="1"/>
+          </p:nvPr>
+        </p:nvSpPr>
+        <p:spPr>
+          <a:xfrm>
+            <a:off x="3884613" y="0"/>
+            <a:ext cx="2971800" cy="458788"/>
+          </a:xfrm>
+          <a:prstGeom prst="rect">
+            <a:avLst/>
+          </a:prstGeom>
+        </p:spPr>
+        <p:txBody>
+          <a:bodyPr vert="horz" lIns="91440" tIns="45720" rIns="91440" bIns="45720" rtlCol="0"/>
+          <a:lstStyle>
+            <a:lvl1pPr algn="r">
+              <a:defRPr sz="1200"/>
+            </a:lvl1pPr>
+          </a:lstStyle>
+          <a:p>
+            <a:fld id="{2833F858-A5CC-0241-930C-13468FDFD3F4}" type="datetimeFigureOut">
+              <a:rPr lang="en-US" smtClean="0"/>
+              <a:t>8/30/22</a:t>
+            </a:fld>
+            <a:endParaRPr lang="en-US"/>
+          </a:p>
+        </p:txBody>
+      </p:sp>
+      <p:sp>
+        <p:nvSpPr>
+          <p:cNvPr id="4" name="Slide Image Placeholder 3"/>
+          <p:cNvSpPr>
+            <a:spLocks noGrp="1" noRot="1" noChangeAspect="1"/>
+          </p:cNvSpPr>
+          <p:nvPr>
+            <p:ph type="sldImg" idx="2"/>
+          </p:nvPr>
+        </p:nvSpPr>
+        <p:spPr>
+          <a:xfrm>
+            <a:off x="685800" y="1143000"/>
+            <a:ext cx="5486400" cy="3086100"/>
+          </a:xfrm>
+          <a:prstGeom prst="rect">
+            <a:avLst/>
+          </a:prstGeom>
+          <a:noFill/>
+          <a:ln w="12700">
+            <a:solidFill>
+              <a:prstClr val="black"/>
+            </a:solidFill>
+          </a:ln>
+        </p:spPr>
+        <p:txBody>
+          <a:bodyPr vert="horz" lIns="91440" tIns="45720" rIns="91440" bIns="45720" rtlCol="0" anchor="ctr"/>
+          <a:lstStyle/>
+          <a:p>
+            <a:endParaRPr lang="en-US"/>
+          </a:p>
+        </p:txBody>
+      </p:sp>
+      <p:sp>
+        <p:nvSpPr>
+          <p:cNvPr id="5" name="Notes Placeholder 4"/>
+          <p:cNvSpPr>
+            <a:spLocks noGrp="1"/>
+          </p:cNvSpPr>
+          <p:nvPr>
+            <p:ph type="body" sz="quarter" idx="3"/>
+          </p:nvPr>
+        </p:nvSpPr>
+        <p:spPr>
+          <a:xfrm>
+            <a:off x="685800" y="4400550"/>
+            <a:ext cx="5486400" cy="3600450"/>
+          </a:xfrm>
+          <a:prstGeom prst="rect">
+            <a:avLst/>
+          </a:prstGeom>
+        </p:spPr>
+        <p:txBody>
+          <a:bodyPr vert="horz" lIns="91440" tIns="45720" rIns="91440" bIns="45720" rtlCol="0"/>
+          <a:lstStyle/>
+          <a:p>
+            <a:pPr lvl="0"/>
+            <a:r>
+              <a:rPr lang="en-US"/>
+              <a:t>Click to edit Master text styles</a:t>
+            </a:r>
+          </a:p>
+          <a:p>
+            <a:pPr lvl="1"/>
+            <a:r>
+              <a:rPr lang="en-US"/>
+              <a:t>Second level</a:t>
+            </a:r>
+          </a:p>
+          <a:p>
+            <a:pPr lvl="2"/>
+            <a:r>
+              <a:rPr lang="en-US"/>
+              <a:t>Third level</a:t>
+            </a:r>
+          </a:p>
+          <a:p>
+            <a:pPr lvl="3"/>
+            <a:r>
+              <a:rPr lang="en-US"/>
+              <a:t>Fourth level</a:t>
+            </a:r>
+          </a:p>
+          <a:p>
+            <a:pPr lvl="4"/>
+            <a:r>
+              <a:rPr lang="en-US"/>
+              <a:t>Fifth level</a:t>
+            </a:r>
+          </a:p>
+        </p:txBody>
+      </p:sp>
+      <p:sp>
+        <p:nvSpPr>
+          <p:cNvPr id="6" name="Footer Placeholder 5"/>
+          <p:cNvSpPr>
+            <a:spLocks noGrp="1"/>
+          </p:cNvSpPr>
+          <p:nvPr>
+            <p:ph type="ftr" sz="quarter" idx="4"/>
+          </p:nvPr>
+        </p:nvSpPr>
+        <p:spPr>
+          <a:xfrm>
+            <a:off x="0" y="8685213"/>
+            <a:ext cx="2971800" cy="458787"/>
+          </a:xfrm>
+          <a:prstGeom prst="rect">
+            <a:avLst/>
+          </a:prstGeom>
+        </p:spPr>
+        <p:txBody>
+          <a:bodyPr vert="horz" lIns="91440" tIns="45720" rIns="91440" bIns="45720" rtlCol="0" anchor="b"/>
+          <a:lstStyle>
+            <a:lvl1pPr algn="l">
+              <a:defRPr sz="1200"/>
+            </a:lvl1pPr>
+          </a:lstStyle>
+          <a:p>
+            <a:endParaRPr lang="en-US"/>
+          </a:p>
+        </p:txBody>
+      </p:sp>
+      <p:sp>
+        <p:nvSpPr>
+          <p:cNvPr id="7" name="Slide Number Placeholder 6"/>
+          <p:cNvSpPr>
+            <a:spLocks noGrp="1"/>
+          </p:cNvSpPr>
+          <p:nvPr>
+            <p:ph type="sldNum" sz="quarter" idx="5"/>
+          </p:nvPr>
+        </p:nvSpPr>
+        <p:spPr>
+          <a:xfrm>
+            <a:off x="3884613" y="8685213"/>
+            <a:ext cx="2971800" cy="458787"/>
+          </a:xfrm>
+          <a:prstGeom prst="rect">
+            <a:avLst/>
+          </a:prstGeom>
+        </p:spPr>
+        <p:txBody>
+          <a:bodyPr vert="horz" lIns="91440" tIns="45720" rIns="91440" bIns="45720" rtlCol="0" anchor="b"/>
+          <a:lstStyle>
+            <a:lvl1pPr algn="r">
+              <a:defRPr sz="1200"/>
+            </a:lvl1pPr>
+          </a:lstStyle>
+          <a:p>
+            <a:fld id="{2979C74B-135E-304E-BE56-D6FF4B826ECA}" type="slidenum">
+              <a:rPr lang="en-US" smtClean="0"/>
+              <a:t>‹#›</a:t>
+            </a:fld>
+            <a:endParaRPr lang="en-US"/>
+          </a:p>
+        </p:txBody>
+      </p:sp>
+    </p:spTree>
+    <p:extLst>
+      <p:ext uri="{BB962C8B-B14F-4D97-AF65-F5344CB8AC3E}">
+        <p14:creationId xmlns:p14="http://schemas.microsoft.com/office/powerpoint/2010/main" val="1212294970"/>
+      </p:ext>
+    </p:extLst>
+  </p:cSld>
+  <p:clrMap bg1="lt1" tx1="dk1" bg2="lt2" tx2="dk2" accent1="accent1" accent2="accent2" accent3="accent3" accent4="accent4" accent5="accent5" accent6="accent6" hlink="hlink" folHlink="folHlink"/>
+  <p:notesStyle>
+    <a:lvl1pPr marL="0" algn="l" defTabSz="914400" rtl="0" eaLnBrk="1" latinLnBrk="0" hangingPunct="1">
+      <a:defRPr sz="1200" kern="1200">
+        <a:solidFill>
+          <a:schemeClr val="tx1"/>
+        </a:solidFill>
+        <a:latin typeface="+mn-lt"/>
+        <a:ea typeface="+mn-ea"/>
+        <a:cs typeface="+mn-cs"/>
+      </a:defRPr>
+    </a:lvl1pPr>
+    <a:lvl2pPr marL="457200" algn="l" defTabSz="914400" rtl="0" eaLnBrk="1" latinLnBrk="0" hangingPunct="1">
+      <a:defRPr sz="1200" kern="1200">
+        <a:solidFill>
+          <a:schemeClr val="tx1"/>
+        </a:solidFill>
+        <a:latin typeface="+mn-lt"/>
+        <a:ea typeface="+mn-ea"/>
+        <a:cs typeface="+mn-cs"/>
+      </a:defRPr>
+    </a:lvl2pPr>
+    <a:lvl3pPr marL="914400" algn="l" defTabSz="914400" rtl="0" eaLnBrk="1" latinLnBrk="0" hangingPunct="1">
+      <a:defRPr sz="1200" kern="1200">
+        <a:solidFill>
+          <a:schemeClr val="tx1"/>
+        </a:solidFill>
+        <a:latin typeface="+mn-lt"/>
+        <a:ea typeface="+mn-ea"/>
+        <a:cs typeface="+mn-cs"/>
+      </a:defRPr>
+    </a:lvl3pPr>
+    <a:lvl4pPr marL="1371600" algn="l" defTabSz="914400" rtl="0" eaLnBrk="1" latinLnBrk="0" hangingPunct="1">
+      <a:defRPr sz="1200" kern="1200">
+        <a:solidFill>
+          <a:schemeClr val="tx1"/>
+        </a:solidFill>
+        <a:latin typeface="+mn-lt"/>
+        <a:ea typeface="+mn-ea"/>
+        <a:cs typeface="+mn-cs"/>
+      </a:defRPr>
+    </a:lvl4pPr>
+    <a:lvl5pPr marL="1828800" algn="l" defTabSz="914400" rtl="0" eaLnBrk="1" latinLnBrk="0" hangingPunct="1">
+      <a:defRPr sz="1200" kern="1200">
+        <a:solidFill>
+          <a:schemeClr val="tx1"/>
+        </a:solidFill>
+        <a:latin typeface="+mn-lt"/>
+        <a:ea typeface="+mn-ea"/>
+        <a:cs typeface="+mn-cs"/>
+      </a:defRPr>
+    </a:lvl5pPr>
+    <a:lvl6pPr marL="2286000" algn="l" defTabSz="914400" rtl="0" eaLnBrk="1" latinLnBrk="0" hangingPunct="1">
+      <a:defRPr sz="1200" kern="1200">
+        <a:solidFill>
+          <a:schemeClr val="tx1"/>
+        </a:solidFill>
+        <a:latin typeface="+mn-lt"/>
+        <a:ea typeface="+mn-ea"/>
+        <a:cs typeface="+mn-cs"/>
+      </a:defRPr>
+    </a:lvl6pPr>
+    <a:lvl7pPr marL="2743200" algn="l" defTabSz="914400" rtl="0" eaLnBrk="1" latinLnBrk="0" hangingPunct="1">
+      <a:defRPr sz="1200" kern="1200">
+        <a:solidFill>
+          <a:schemeClr val="tx1"/>
+        </a:solidFill>
+        <a:latin typeface="+mn-lt"/>
+        <a:ea typeface="+mn-ea"/>
+        <a:cs typeface="+mn-cs"/>
+      </a:defRPr>
+    </a:lvl7pPr>
+    <a:lvl8pPr marL="3200400" algn="l" defTabSz="914400" rtl="0" eaLnBrk="1" latinLnBrk="0" hangingPunct="1">
+      <a:defRPr sz="1200" kern="1200">
+        <a:solidFill>
+          <a:schemeClr val="tx1"/>
+        </a:solidFill>
+        <a:latin typeface="+mn-lt"/>
+        <a:ea typeface="+mn-ea"/>
+        <a:cs typeface="+mn-cs"/>
+      </a:defRPr>
+    </a:lvl8pPr>
+    <a:lvl9pPr marL="3657600" algn="l" defTabSz="914400" rtl="0" eaLnBrk="1" latinLnBrk="0" hangingPunct="1">
+      <a:defRPr sz="1200" kern="1200">
+        <a:solidFill>
+          <a:schemeClr val="tx1"/>
+        </a:solidFill>
+        <a:latin typeface="+mn-lt"/>
+        <a:ea typeface="+mn-ea"/>
+        <a:cs typeface="+mn-cs"/>
+      </a:defRPr>
+    </a:lvl9pPr>
+  </p:notesStyle>
+</p:notesMaster>
+</file>
+
+<file path=ppt/notesSlides/notesSlide1.xml><?xml version="1.0" encoding="utf-8"?>
+<p:notes xmlns:a="http://schemas.openxmlformats.org/drawingml/2006/main" xmlns:r="http://schemas.openxmlformats.org/officeDocument/2006/relationships" xmlns:p="http://schemas.openxmlformats.org/presentationml/2006/main">
+  <p:cSld>
+    <p:spTree>
+      <p:nvGrpSpPr>
+        <p:cNvPr id="1" name=""/>
+        <p:cNvGrpSpPr/>
+        <p:nvPr/>
+      </p:nvGrpSpPr>
+      <p:grpSpPr>
+        <a:xfrm>
+          <a:off x="0" y="0"/>
+          <a:ext cx="0" cy="0"/>
+          <a:chOff x="0" y="0"/>
+          <a:chExt cx="0" cy="0"/>
+        </a:xfrm>
+      </p:grpSpPr>
+      <p:sp>
+        <p:nvSpPr>
+          <p:cNvPr id="2" name="Slide Image Placeholder 1"/>
+          <p:cNvSpPr>
+            <a:spLocks noGrp="1" noRot="1" noChangeAspect="1"/>
+          </p:cNvSpPr>
+          <p:nvPr>
+            <p:ph type="sldImg"/>
+          </p:nvPr>
+        </p:nvSpPr>
+        <p:spPr/>
+      </p:sp>
+      <p:sp>
+        <p:nvSpPr>
+          <p:cNvPr id="3" name="Notes Placeholder 2"/>
+          <p:cNvSpPr>
+            <a:spLocks noGrp="1"/>
+          </p:cNvSpPr>
+          <p:nvPr>
+            <p:ph type="body" idx="1"/>
+          </p:nvPr>
+        </p:nvSpPr>
+        <p:spPr/>
+        <p:txBody>
+          <a:bodyPr/>
+          <a:lstStyle/>
+          <a:p>
+            <a:r>
+              <a:rPr lang="en-US" dirty="0"/>
+              <a:t>	</a:t>
+            </a:r>
+          </a:p>
+        </p:txBody>
+      </p:sp>
+      <p:sp>
+        <p:nvSpPr>
+          <p:cNvPr id="4" name="Slide Number Placeholder 3"/>
+          <p:cNvSpPr>
+            <a:spLocks noGrp="1"/>
+          </p:cNvSpPr>
+          <p:nvPr>
+            <p:ph type="sldNum" sz="quarter" idx="5"/>
+          </p:nvPr>
+        </p:nvSpPr>
+        <p:spPr/>
+        <p:txBody>
+          <a:bodyPr/>
+          <a:lstStyle/>
+          <a:p>
+            <a:fld id="{8A6DB037-B142-DE4B-B536-2EC20E39AE72}" type="slidenum">
+              <a:rPr lang="en-US" smtClean="0"/>
+              <a:t>11</a:t>
+            </a:fld>
+            <a:endParaRPr lang="en-US"/>
+          </a:p>
+        </p:txBody>
+      </p:sp>
+    </p:spTree>
+    <p:extLst>
+      <p:ext uri="{BB962C8B-B14F-4D97-AF65-F5344CB8AC3E}">
+        <p14:creationId xmlns:p14="http://schemas.microsoft.com/office/powerpoint/2010/main" val="4190127474"/>
+      </p:ext>
+    </p:extLst>
+  </p:cSld>
+  <p:clrMapOvr>
+    <a:masterClrMapping/>
+  </p:clrMapOvr>
+</p:notes>
+</file>
+
 <file path=ppt/slideLayouts/slideLayout1.xml><?xml version="1.0" encoding="utf-8"?>
 <p:sldLayout xmlns:a="http://schemas.openxmlformats.org/drawingml/2006/main" xmlns:r="http://schemas.openxmlformats.org/officeDocument/2006/relationships" xmlns:p="http://schemas.openxmlformats.org/presentationml/2006/main" type="title" preserve="1">
   <p:cSld name="Title Slide">
@@ -136,7 +587,7 @@
           <p:cNvPr id="2" name="Title 1">
             <a:extLst>
               <a:ext uri="{FF2B5EF4-FFF2-40B4-BE49-F238E27FC236}">
-                <a16:creationId xmlns:a16="http://schemas.microsoft.com/office/drawing/2014/main" id="{54134579-F990-A96D-FAFD-2E458F5C8018}"/>
+                <a16:creationId xmlns:a16="http://schemas.microsoft.com/office/drawing/2014/main" id="{F98727E5-D1E9-9501-6E6F-1909B6BC9447}"/>
               </a:ext>
             </a:extLst>
           </p:cNvPr>
@@ -173,7 +624,7 @@
           <p:cNvPr id="3" name="Subtitle 2">
             <a:extLst>
               <a:ext uri="{FF2B5EF4-FFF2-40B4-BE49-F238E27FC236}">
-                <a16:creationId xmlns:a16="http://schemas.microsoft.com/office/drawing/2014/main" id="{639165C8-EB65-B569-FF79-0EF9A4C8C053}"/>
+                <a16:creationId xmlns:a16="http://schemas.microsoft.com/office/drawing/2014/main" id="{BE5F892E-7458-A65E-337F-43104157B142}"/>
               </a:ext>
             </a:extLst>
           </p:cNvPr>
@@ -243,7 +694,7 @@
           <p:cNvPr id="4" name="Date Placeholder 3">
             <a:extLst>
               <a:ext uri="{FF2B5EF4-FFF2-40B4-BE49-F238E27FC236}">
-                <a16:creationId xmlns:a16="http://schemas.microsoft.com/office/drawing/2014/main" id="{35F52D9A-5575-5DB5-F376-78EAF260A10A}"/>
+                <a16:creationId xmlns:a16="http://schemas.microsoft.com/office/drawing/2014/main" id="{CE05D116-7091-26F2-BBDB-0D59C0A2F7A7}"/>
               </a:ext>
             </a:extLst>
           </p:cNvPr>
@@ -259,9 +710,9 @@
           <a:bodyPr/>
           <a:lstStyle/>
           <a:p>
-            <a:fld id="{A61BADD5-3830-5A4E-B146-B4C6CF9EF5FC}" type="datetimeFigureOut">
+            <a:fld id="{D352267B-0977-D048-B9DE-479132D7BC8E}" type="datetimeFigureOut">
               <a:rPr lang="en-US" smtClean="0"/>
-              <a:t>8/5/22</a:t>
+              <a:t>8/30/22</a:t>
             </a:fld>
             <a:endParaRPr lang="en-US"/>
           </a:p>
@@ -272,7 +723,7 @@
           <p:cNvPr id="5" name="Footer Placeholder 4">
             <a:extLst>
               <a:ext uri="{FF2B5EF4-FFF2-40B4-BE49-F238E27FC236}">
-                <a16:creationId xmlns:a16="http://schemas.microsoft.com/office/drawing/2014/main" id="{D7C0E489-EEA3-11EF-BA91-A99AEFB3D507}"/>
+                <a16:creationId xmlns:a16="http://schemas.microsoft.com/office/drawing/2014/main" id="{80D8642F-646B-C3BA-9098-E67F2577BDCC}"/>
               </a:ext>
             </a:extLst>
           </p:cNvPr>
@@ -297,7 +748,7 @@
           <p:cNvPr id="6" name="Slide Number Placeholder 5">
             <a:extLst>
               <a:ext uri="{FF2B5EF4-FFF2-40B4-BE49-F238E27FC236}">
-                <a16:creationId xmlns:a16="http://schemas.microsoft.com/office/drawing/2014/main" id="{E3406DD5-F9D1-54C9-A9CE-BED5EB29F280}"/>
+                <a16:creationId xmlns:a16="http://schemas.microsoft.com/office/drawing/2014/main" id="{D67E9437-D0F1-BC9C-A43B-D1E23913913C}"/>
               </a:ext>
             </a:extLst>
           </p:cNvPr>
@@ -313,7 +764,7 @@
           <a:bodyPr/>
           <a:lstStyle/>
           <a:p>
-            <a:fld id="{68862BCC-B52A-0C49-A214-77A4364F9245}" type="slidenum">
+            <a:fld id="{0DDDC3A5-46DE-7D40-B47B-9D45C4338DBB}" type="slidenum">
               <a:rPr lang="en-US" smtClean="0"/>
               <a:t>‹#›</a:t>
             </a:fld>
@@ -324,7 +775,7 @@
     </p:spTree>
     <p:extLst>
       <p:ext uri="{BB962C8B-B14F-4D97-AF65-F5344CB8AC3E}">
-        <p14:creationId xmlns:p14="http://schemas.microsoft.com/office/powerpoint/2010/main" val="3209363270"/>
+        <p14:creationId xmlns:p14="http://schemas.microsoft.com/office/powerpoint/2010/main" val="196287356"/>
       </p:ext>
     </p:extLst>
   </p:cSld>
@@ -356,7 +807,7 @@
           <p:cNvPr id="2" name="Title 1">
             <a:extLst>
               <a:ext uri="{FF2B5EF4-FFF2-40B4-BE49-F238E27FC236}">
-                <a16:creationId xmlns:a16="http://schemas.microsoft.com/office/drawing/2014/main" id="{B05BD392-69DA-FF92-47E2-799AADE6572C}"/>
+                <a16:creationId xmlns:a16="http://schemas.microsoft.com/office/drawing/2014/main" id="{F96DFA1B-1EDD-B216-C952-661C04D011FD}"/>
               </a:ext>
             </a:extLst>
           </p:cNvPr>
@@ -384,7 +835,7 @@
           <p:cNvPr id="3" name="Vertical Text Placeholder 2">
             <a:extLst>
               <a:ext uri="{FF2B5EF4-FFF2-40B4-BE49-F238E27FC236}">
-                <a16:creationId xmlns:a16="http://schemas.microsoft.com/office/drawing/2014/main" id="{B4129359-52B4-0B31-381D-13900A743F49}"/>
+                <a16:creationId xmlns:a16="http://schemas.microsoft.com/office/drawing/2014/main" id="{9E4953F0-D99A-F743-AEBF-23A8C6CA74F2}"/>
               </a:ext>
             </a:extLst>
           </p:cNvPr>
@@ -441,7 +892,7 @@
           <p:cNvPr id="4" name="Date Placeholder 3">
             <a:extLst>
               <a:ext uri="{FF2B5EF4-FFF2-40B4-BE49-F238E27FC236}">
-                <a16:creationId xmlns:a16="http://schemas.microsoft.com/office/drawing/2014/main" id="{D82C3787-2870-2686-6EEB-D8EE651BAD04}"/>
+                <a16:creationId xmlns:a16="http://schemas.microsoft.com/office/drawing/2014/main" id="{3F546E72-36D4-746B-7E86-3572873458ED}"/>
               </a:ext>
             </a:extLst>
           </p:cNvPr>
@@ -457,9 +908,9 @@
           <a:bodyPr/>
           <a:lstStyle/>
           <a:p>
-            <a:fld id="{A61BADD5-3830-5A4E-B146-B4C6CF9EF5FC}" type="datetimeFigureOut">
+            <a:fld id="{D352267B-0977-D048-B9DE-479132D7BC8E}" type="datetimeFigureOut">
               <a:rPr lang="en-US" smtClean="0"/>
-              <a:t>8/5/22</a:t>
+              <a:t>8/30/22</a:t>
             </a:fld>
             <a:endParaRPr lang="en-US"/>
           </a:p>
@@ -470,7 +921,7 @@
           <p:cNvPr id="5" name="Footer Placeholder 4">
             <a:extLst>
               <a:ext uri="{FF2B5EF4-FFF2-40B4-BE49-F238E27FC236}">
-                <a16:creationId xmlns:a16="http://schemas.microsoft.com/office/drawing/2014/main" id="{05E89EEF-747B-29FC-9133-4DA567D1C09A}"/>
+                <a16:creationId xmlns:a16="http://schemas.microsoft.com/office/drawing/2014/main" id="{DEE9B488-0BBA-A8E0-3DC9-289A7F3D811B}"/>
               </a:ext>
             </a:extLst>
           </p:cNvPr>
@@ -495,7 +946,7 @@
           <p:cNvPr id="6" name="Slide Number Placeholder 5">
             <a:extLst>
               <a:ext uri="{FF2B5EF4-FFF2-40B4-BE49-F238E27FC236}">
-                <a16:creationId xmlns:a16="http://schemas.microsoft.com/office/drawing/2014/main" id="{B331C674-ABC1-F57F-B8AD-C9F98A088F03}"/>
+                <a16:creationId xmlns:a16="http://schemas.microsoft.com/office/drawing/2014/main" id="{BC945C19-5A80-FF74-D571-7BE104ABE6D0}"/>
               </a:ext>
             </a:extLst>
           </p:cNvPr>
@@ -511,7 +962,7 @@
           <a:bodyPr/>
           <a:lstStyle/>
           <a:p>
-            <a:fld id="{68862BCC-B52A-0C49-A214-77A4364F9245}" type="slidenum">
+            <a:fld id="{0DDDC3A5-46DE-7D40-B47B-9D45C4338DBB}" type="slidenum">
               <a:rPr lang="en-US" smtClean="0"/>
               <a:t>‹#›</a:t>
             </a:fld>
@@ -522,7 +973,7 @@
     </p:spTree>
     <p:extLst>
       <p:ext uri="{BB962C8B-B14F-4D97-AF65-F5344CB8AC3E}">
-        <p14:creationId xmlns:p14="http://schemas.microsoft.com/office/powerpoint/2010/main" val="1777081875"/>
+        <p14:creationId xmlns:p14="http://schemas.microsoft.com/office/powerpoint/2010/main" val="1400907565"/>
       </p:ext>
     </p:extLst>
   </p:cSld>
@@ -554,7 +1005,7 @@
           <p:cNvPr id="2" name="Vertical Title 1">
             <a:extLst>
               <a:ext uri="{FF2B5EF4-FFF2-40B4-BE49-F238E27FC236}">
-                <a16:creationId xmlns:a16="http://schemas.microsoft.com/office/drawing/2014/main" id="{683DE182-F662-4E37-384F-74175CE0C0BB}"/>
+                <a16:creationId xmlns:a16="http://schemas.microsoft.com/office/drawing/2014/main" id="{CBF2C870-E43F-74C4-70F3-6AAC3FD7BA61}"/>
               </a:ext>
             </a:extLst>
           </p:cNvPr>
@@ -587,7 +1038,7 @@
           <p:cNvPr id="3" name="Vertical Text Placeholder 2">
             <a:extLst>
               <a:ext uri="{FF2B5EF4-FFF2-40B4-BE49-F238E27FC236}">
-                <a16:creationId xmlns:a16="http://schemas.microsoft.com/office/drawing/2014/main" id="{16CA6736-8C2E-316D-19F1-D3C688B4F3DB}"/>
+                <a16:creationId xmlns:a16="http://schemas.microsoft.com/office/drawing/2014/main" id="{7BE33748-0D4B-C1A8-552B-1C6EF2469FBF}"/>
               </a:ext>
             </a:extLst>
           </p:cNvPr>
@@ -649,7 +1100,7 @@
           <p:cNvPr id="4" name="Date Placeholder 3">
             <a:extLst>
               <a:ext uri="{FF2B5EF4-FFF2-40B4-BE49-F238E27FC236}">
-                <a16:creationId xmlns:a16="http://schemas.microsoft.com/office/drawing/2014/main" id="{A871FA46-D001-E875-81B4-DF25B48D5078}"/>
+                <a16:creationId xmlns:a16="http://schemas.microsoft.com/office/drawing/2014/main" id="{70000BE5-7704-7524-268B-089593D3A757}"/>
               </a:ext>
             </a:extLst>
           </p:cNvPr>
@@ -665,9 +1116,9 @@
           <a:bodyPr/>
           <a:lstStyle/>
           <a:p>
-            <a:fld id="{A61BADD5-3830-5A4E-B146-B4C6CF9EF5FC}" type="datetimeFigureOut">
+            <a:fld id="{D352267B-0977-D048-B9DE-479132D7BC8E}" type="datetimeFigureOut">
               <a:rPr lang="en-US" smtClean="0"/>
-              <a:t>8/5/22</a:t>
+              <a:t>8/30/22</a:t>
             </a:fld>
             <a:endParaRPr lang="en-US"/>
           </a:p>
@@ -678,7 +1129,7 @@
           <p:cNvPr id="5" name="Footer Placeholder 4">
             <a:extLst>
               <a:ext uri="{FF2B5EF4-FFF2-40B4-BE49-F238E27FC236}">
-                <a16:creationId xmlns:a16="http://schemas.microsoft.com/office/drawing/2014/main" id="{D80A44C3-67CA-274B-8E9F-FA53E0A3B71A}"/>
+                <a16:creationId xmlns:a16="http://schemas.microsoft.com/office/drawing/2014/main" id="{6419B302-AABB-B05B-2307-F95186DDDD22}"/>
               </a:ext>
             </a:extLst>
           </p:cNvPr>
@@ -703,7 +1154,7 @@
           <p:cNvPr id="6" name="Slide Number Placeholder 5">
             <a:extLst>
               <a:ext uri="{FF2B5EF4-FFF2-40B4-BE49-F238E27FC236}">
-                <a16:creationId xmlns:a16="http://schemas.microsoft.com/office/drawing/2014/main" id="{4055C125-9554-6079-A789-850B4344234B}"/>
+                <a16:creationId xmlns:a16="http://schemas.microsoft.com/office/drawing/2014/main" id="{9EA95869-EBB5-DEBA-B6E4-0279D2CB8BA8}"/>
               </a:ext>
             </a:extLst>
           </p:cNvPr>
@@ -719,7 +1170,7 @@
           <a:bodyPr/>
           <a:lstStyle/>
           <a:p>
-            <a:fld id="{68862BCC-B52A-0C49-A214-77A4364F9245}" type="slidenum">
+            <a:fld id="{0DDDC3A5-46DE-7D40-B47B-9D45C4338DBB}" type="slidenum">
               <a:rPr lang="en-US" smtClean="0"/>
               <a:t>‹#›</a:t>
             </a:fld>
@@ -730,7 +1181,7 @@
     </p:spTree>
     <p:extLst>
       <p:ext uri="{BB962C8B-B14F-4D97-AF65-F5344CB8AC3E}">
-        <p14:creationId xmlns:p14="http://schemas.microsoft.com/office/powerpoint/2010/main" val="2782045108"/>
+        <p14:creationId xmlns:p14="http://schemas.microsoft.com/office/powerpoint/2010/main" val="50515545"/>
       </p:ext>
     </p:extLst>
   </p:cSld>
@@ -762,7 +1213,7 @@
           <p:cNvPr id="2" name="Title 1">
             <a:extLst>
               <a:ext uri="{FF2B5EF4-FFF2-40B4-BE49-F238E27FC236}">
-                <a16:creationId xmlns:a16="http://schemas.microsoft.com/office/drawing/2014/main" id="{E7BFB5CC-7CF2-18CE-1FD3-8AED79CC35E5}"/>
+                <a16:creationId xmlns:a16="http://schemas.microsoft.com/office/drawing/2014/main" id="{FFEFB9A4-DC77-0DCC-E49F-475FFB1A6B12}"/>
               </a:ext>
             </a:extLst>
           </p:cNvPr>
@@ -790,7 +1241,7 @@
           <p:cNvPr id="3" name="Content Placeholder 2">
             <a:extLst>
               <a:ext uri="{FF2B5EF4-FFF2-40B4-BE49-F238E27FC236}">
-                <a16:creationId xmlns:a16="http://schemas.microsoft.com/office/drawing/2014/main" id="{331C4D13-48FE-5E26-3B7B-38C76D86B557}"/>
+                <a16:creationId xmlns:a16="http://schemas.microsoft.com/office/drawing/2014/main" id="{F152B85D-CA50-FE5D-C454-54CC7C51B41E}"/>
               </a:ext>
             </a:extLst>
           </p:cNvPr>
@@ -847,7 +1298,7 @@
           <p:cNvPr id="4" name="Date Placeholder 3">
             <a:extLst>
               <a:ext uri="{FF2B5EF4-FFF2-40B4-BE49-F238E27FC236}">
-                <a16:creationId xmlns:a16="http://schemas.microsoft.com/office/drawing/2014/main" id="{C24E3FD2-B34B-499A-6654-578FAF118D45}"/>
+                <a16:creationId xmlns:a16="http://schemas.microsoft.com/office/drawing/2014/main" id="{42D0CEF2-E081-DE41-565B-E7109E99DF2F}"/>
               </a:ext>
             </a:extLst>
           </p:cNvPr>
@@ -863,9 +1314,9 @@
           <a:bodyPr/>
           <a:lstStyle/>
           <a:p>
-            <a:fld id="{A61BADD5-3830-5A4E-B146-B4C6CF9EF5FC}" type="datetimeFigureOut">
+            <a:fld id="{D352267B-0977-D048-B9DE-479132D7BC8E}" type="datetimeFigureOut">
               <a:rPr lang="en-US" smtClean="0"/>
-              <a:t>8/5/22</a:t>
+              <a:t>8/30/22</a:t>
             </a:fld>
             <a:endParaRPr lang="en-US"/>
           </a:p>
@@ -876,7 +1327,7 @@
           <p:cNvPr id="5" name="Footer Placeholder 4">
             <a:extLst>
               <a:ext uri="{FF2B5EF4-FFF2-40B4-BE49-F238E27FC236}">
-                <a16:creationId xmlns:a16="http://schemas.microsoft.com/office/drawing/2014/main" id="{4598844D-378B-858B-F065-0EF20BBDB9D7}"/>
+                <a16:creationId xmlns:a16="http://schemas.microsoft.com/office/drawing/2014/main" id="{E2552067-A3FB-C19E-5701-C58652CEA5B6}"/>
               </a:ext>
             </a:extLst>
           </p:cNvPr>
@@ -901,7 +1352,7 @@
           <p:cNvPr id="6" name="Slide Number Placeholder 5">
             <a:extLst>
               <a:ext uri="{FF2B5EF4-FFF2-40B4-BE49-F238E27FC236}">
-                <a16:creationId xmlns:a16="http://schemas.microsoft.com/office/drawing/2014/main" id="{F4C3EE90-CE05-A3D6-8DFC-B58FFFA15C2D}"/>
+                <a16:creationId xmlns:a16="http://schemas.microsoft.com/office/drawing/2014/main" id="{8345E44D-B314-5A07-5B9D-5A9C26692CC5}"/>
               </a:ext>
             </a:extLst>
           </p:cNvPr>
@@ -917,7 +1368,7 @@
           <a:bodyPr/>
           <a:lstStyle/>
           <a:p>
-            <a:fld id="{68862BCC-B52A-0C49-A214-77A4364F9245}" type="slidenum">
+            <a:fld id="{0DDDC3A5-46DE-7D40-B47B-9D45C4338DBB}" type="slidenum">
               <a:rPr lang="en-US" smtClean="0"/>
               <a:t>‹#›</a:t>
             </a:fld>
@@ -928,7 +1379,7 @@
     </p:spTree>
     <p:extLst>
       <p:ext uri="{BB962C8B-B14F-4D97-AF65-F5344CB8AC3E}">
-        <p14:creationId xmlns:p14="http://schemas.microsoft.com/office/powerpoint/2010/main" val="1582114113"/>
+        <p14:creationId xmlns:p14="http://schemas.microsoft.com/office/powerpoint/2010/main" val="1362276854"/>
       </p:ext>
     </p:extLst>
   </p:cSld>
@@ -960,7 +1411,7 @@
           <p:cNvPr id="2" name="Title 1">
             <a:extLst>
               <a:ext uri="{FF2B5EF4-FFF2-40B4-BE49-F238E27FC236}">
-                <a16:creationId xmlns:a16="http://schemas.microsoft.com/office/drawing/2014/main" id="{62018CA2-560C-5FBF-A12D-62F1D669CA8D}"/>
+                <a16:creationId xmlns:a16="http://schemas.microsoft.com/office/drawing/2014/main" id="{6B38B0C6-68DA-4153-90E5-556DD4186449}"/>
               </a:ext>
             </a:extLst>
           </p:cNvPr>
@@ -997,7 +1448,7 @@
           <p:cNvPr id="3" name="Text Placeholder 2">
             <a:extLst>
               <a:ext uri="{FF2B5EF4-FFF2-40B4-BE49-F238E27FC236}">
-                <a16:creationId xmlns:a16="http://schemas.microsoft.com/office/drawing/2014/main" id="{15C77D23-83A1-0E0D-E1EA-033F32144C4D}"/>
+                <a16:creationId xmlns:a16="http://schemas.microsoft.com/office/drawing/2014/main" id="{D9C62209-B645-58E3-C3E8-78D128DAA6AC}"/>
               </a:ext>
             </a:extLst>
           </p:cNvPr>
@@ -1122,7 +1573,7 @@
           <p:cNvPr id="4" name="Date Placeholder 3">
             <a:extLst>
               <a:ext uri="{FF2B5EF4-FFF2-40B4-BE49-F238E27FC236}">
-                <a16:creationId xmlns:a16="http://schemas.microsoft.com/office/drawing/2014/main" id="{CC902571-4B3F-2FA4-AF0D-71C9A6E41A6A}"/>
+                <a16:creationId xmlns:a16="http://schemas.microsoft.com/office/drawing/2014/main" id="{9EA929E3-73A5-433A-C933-A11A3F31E992}"/>
               </a:ext>
             </a:extLst>
           </p:cNvPr>
@@ -1138,9 +1589,9 @@
           <a:bodyPr/>
           <a:lstStyle/>
           <a:p>
-            <a:fld id="{A61BADD5-3830-5A4E-B146-B4C6CF9EF5FC}" type="datetimeFigureOut">
+            <a:fld id="{D352267B-0977-D048-B9DE-479132D7BC8E}" type="datetimeFigureOut">
               <a:rPr lang="en-US" smtClean="0"/>
-              <a:t>8/5/22</a:t>
+              <a:t>8/30/22</a:t>
             </a:fld>
             <a:endParaRPr lang="en-US"/>
           </a:p>
@@ -1151,7 +1602,7 @@
           <p:cNvPr id="5" name="Footer Placeholder 4">
             <a:extLst>
               <a:ext uri="{FF2B5EF4-FFF2-40B4-BE49-F238E27FC236}">
-                <a16:creationId xmlns:a16="http://schemas.microsoft.com/office/drawing/2014/main" id="{690CADAC-FC40-AA29-21D6-59D8179B9F72}"/>
+                <a16:creationId xmlns:a16="http://schemas.microsoft.com/office/drawing/2014/main" id="{5CF8B140-2D47-0DCB-97EB-681AA3503E7A}"/>
               </a:ext>
             </a:extLst>
           </p:cNvPr>
@@ -1176,7 +1627,7 @@
           <p:cNvPr id="6" name="Slide Number Placeholder 5">
             <a:extLst>
               <a:ext uri="{FF2B5EF4-FFF2-40B4-BE49-F238E27FC236}">
-                <a16:creationId xmlns:a16="http://schemas.microsoft.com/office/drawing/2014/main" id="{85D6CB25-7DC9-5AFF-AE3A-AB017DBF0394}"/>
+                <a16:creationId xmlns:a16="http://schemas.microsoft.com/office/drawing/2014/main" id="{2E9979DF-42AA-D8A0-D9A0-F0FF6EE9904E}"/>
               </a:ext>
             </a:extLst>
           </p:cNvPr>
@@ -1192,7 +1643,7 @@
           <a:bodyPr/>
           <a:lstStyle/>
           <a:p>
-            <a:fld id="{68862BCC-B52A-0C49-A214-77A4364F9245}" type="slidenum">
+            <a:fld id="{0DDDC3A5-46DE-7D40-B47B-9D45C4338DBB}" type="slidenum">
               <a:rPr lang="en-US" smtClean="0"/>
               <a:t>‹#›</a:t>
             </a:fld>
@@ -1203,7 +1654,7 @@
     </p:spTree>
     <p:extLst>
       <p:ext uri="{BB962C8B-B14F-4D97-AF65-F5344CB8AC3E}">
-        <p14:creationId xmlns:p14="http://schemas.microsoft.com/office/powerpoint/2010/main" val="2964460372"/>
+        <p14:creationId xmlns:p14="http://schemas.microsoft.com/office/powerpoint/2010/main" val="1949928782"/>
       </p:ext>
     </p:extLst>
   </p:cSld>
@@ -1235,7 +1686,7 @@
           <p:cNvPr id="2" name="Title 1">
             <a:extLst>
               <a:ext uri="{FF2B5EF4-FFF2-40B4-BE49-F238E27FC236}">
-                <a16:creationId xmlns:a16="http://schemas.microsoft.com/office/drawing/2014/main" id="{20978D02-B403-0042-D4E9-34BE75F7BFE5}"/>
+                <a16:creationId xmlns:a16="http://schemas.microsoft.com/office/drawing/2014/main" id="{B3490B58-4B52-38C6-401C-5EF7CFFB1C72}"/>
               </a:ext>
             </a:extLst>
           </p:cNvPr>
@@ -1263,7 +1714,7 @@
           <p:cNvPr id="3" name="Content Placeholder 2">
             <a:extLst>
               <a:ext uri="{FF2B5EF4-FFF2-40B4-BE49-F238E27FC236}">
-                <a16:creationId xmlns:a16="http://schemas.microsoft.com/office/drawing/2014/main" id="{2ACE8A40-1C20-2F7F-8E44-374B05D8CCB5}"/>
+                <a16:creationId xmlns:a16="http://schemas.microsoft.com/office/drawing/2014/main" id="{8F7DE2B7-6587-D4D0-3F8A-47F7F93CD10B}"/>
               </a:ext>
             </a:extLst>
           </p:cNvPr>
@@ -1325,7 +1776,7 @@
           <p:cNvPr id="4" name="Content Placeholder 3">
             <a:extLst>
               <a:ext uri="{FF2B5EF4-FFF2-40B4-BE49-F238E27FC236}">
-                <a16:creationId xmlns:a16="http://schemas.microsoft.com/office/drawing/2014/main" id="{F849BCA5-C978-A2B3-0A55-DE340BE08DB0}"/>
+                <a16:creationId xmlns:a16="http://schemas.microsoft.com/office/drawing/2014/main" id="{0C68F0E5-3420-E6D2-6215-26855A9D337D}"/>
               </a:ext>
             </a:extLst>
           </p:cNvPr>
@@ -1387,7 +1838,7 @@
           <p:cNvPr id="5" name="Date Placeholder 4">
             <a:extLst>
               <a:ext uri="{FF2B5EF4-FFF2-40B4-BE49-F238E27FC236}">
-                <a16:creationId xmlns:a16="http://schemas.microsoft.com/office/drawing/2014/main" id="{83A37033-5A43-68E6-27A4-5AB791A39EBB}"/>
+                <a16:creationId xmlns:a16="http://schemas.microsoft.com/office/drawing/2014/main" id="{D1F9BAA5-8BAA-A96F-0BB9-A76B5F2A380C}"/>
               </a:ext>
             </a:extLst>
           </p:cNvPr>
@@ -1403,9 +1854,9 @@
           <a:bodyPr/>
           <a:lstStyle/>
           <a:p>
-            <a:fld id="{A61BADD5-3830-5A4E-B146-B4C6CF9EF5FC}" type="datetimeFigureOut">
+            <a:fld id="{D352267B-0977-D048-B9DE-479132D7BC8E}" type="datetimeFigureOut">
               <a:rPr lang="en-US" smtClean="0"/>
-              <a:t>8/5/22</a:t>
+              <a:t>8/30/22</a:t>
             </a:fld>
             <a:endParaRPr lang="en-US"/>
           </a:p>
@@ -1416,7 +1867,7 @@
           <p:cNvPr id="6" name="Footer Placeholder 5">
             <a:extLst>
               <a:ext uri="{FF2B5EF4-FFF2-40B4-BE49-F238E27FC236}">
-                <a16:creationId xmlns:a16="http://schemas.microsoft.com/office/drawing/2014/main" id="{BCF0F479-9AEA-0FE2-2666-422EEEE95CD1}"/>
+                <a16:creationId xmlns:a16="http://schemas.microsoft.com/office/drawing/2014/main" id="{2F014E9E-AFCF-67E7-20B7-C4226845C6DA}"/>
               </a:ext>
             </a:extLst>
           </p:cNvPr>
@@ -1441,7 +1892,7 @@
           <p:cNvPr id="7" name="Slide Number Placeholder 6">
             <a:extLst>
               <a:ext uri="{FF2B5EF4-FFF2-40B4-BE49-F238E27FC236}">
-                <a16:creationId xmlns:a16="http://schemas.microsoft.com/office/drawing/2014/main" id="{9F24FBA2-F13C-8FBA-2B8F-882E6D18B52A}"/>
+                <a16:creationId xmlns:a16="http://schemas.microsoft.com/office/drawing/2014/main" id="{8731CCD1-E3A7-43E4-975B-106F17AE3ACF}"/>
               </a:ext>
             </a:extLst>
           </p:cNvPr>
@@ -1457,7 +1908,7 @@
           <a:bodyPr/>
           <a:lstStyle/>
           <a:p>
-            <a:fld id="{68862BCC-B52A-0C49-A214-77A4364F9245}" type="slidenum">
+            <a:fld id="{0DDDC3A5-46DE-7D40-B47B-9D45C4338DBB}" type="slidenum">
               <a:rPr lang="en-US" smtClean="0"/>
               <a:t>‹#›</a:t>
             </a:fld>
@@ -1468,7 +1919,7 @@
     </p:spTree>
     <p:extLst>
       <p:ext uri="{BB962C8B-B14F-4D97-AF65-F5344CB8AC3E}">
-        <p14:creationId xmlns:p14="http://schemas.microsoft.com/office/powerpoint/2010/main" val="1404106051"/>
+        <p14:creationId xmlns:p14="http://schemas.microsoft.com/office/powerpoint/2010/main" val="468008952"/>
       </p:ext>
     </p:extLst>
   </p:cSld>
@@ -1500,7 +1951,7 @@
           <p:cNvPr id="2" name="Title 1">
             <a:extLst>
               <a:ext uri="{FF2B5EF4-FFF2-40B4-BE49-F238E27FC236}">
-                <a16:creationId xmlns:a16="http://schemas.microsoft.com/office/drawing/2014/main" id="{38F20018-4DBA-1FB9-8A74-CCD210C3E1DD}"/>
+                <a16:creationId xmlns:a16="http://schemas.microsoft.com/office/drawing/2014/main" id="{1B49FE86-46D6-5868-8C2B-D6766D30AD76}"/>
               </a:ext>
             </a:extLst>
           </p:cNvPr>
@@ -1533,7 +1984,7 @@
           <p:cNvPr id="3" name="Text Placeholder 2">
             <a:extLst>
               <a:ext uri="{FF2B5EF4-FFF2-40B4-BE49-F238E27FC236}">
-                <a16:creationId xmlns:a16="http://schemas.microsoft.com/office/drawing/2014/main" id="{F54A0B9B-D5FC-FD7B-B09B-1E4B39A527FF}"/>
+                <a16:creationId xmlns:a16="http://schemas.microsoft.com/office/drawing/2014/main" id="{491AE417-402D-8A5F-346C-607854ABD894}"/>
               </a:ext>
             </a:extLst>
           </p:cNvPr>
@@ -1604,7 +2055,7 @@
           <p:cNvPr id="4" name="Content Placeholder 3">
             <a:extLst>
               <a:ext uri="{FF2B5EF4-FFF2-40B4-BE49-F238E27FC236}">
-                <a16:creationId xmlns:a16="http://schemas.microsoft.com/office/drawing/2014/main" id="{B63EF88A-8D79-89BA-ACC4-342759E78078}"/>
+                <a16:creationId xmlns:a16="http://schemas.microsoft.com/office/drawing/2014/main" id="{AB0AFB26-4F21-64D6-EFBF-A69BE6B0AE60}"/>
               </a:ext>
             </a:extLst>
           </p:cNvPr>
@@ -1666,7 +2117,7 @@
           <p:cNvPr id="5" name="Text Placeholder 4">
             <a:extLst>
               <a:ext uri="{FF2B5EF4-FFF2-40B4-BE49-F238E27FC236}">
-                <a16:creationId xmlns:a16="http://schemas.microsoft.com/office/drawing/2014/main" id="{4336179D-7DE1-ECBF-9B2F-22A18AF670C7}"/>
+                <a16:creationId xmlns:a16="http://schemas.microsoft.com/office/drawing/2014/main" id="{84082A26-3064-A39E-2B64-63F51E081E4F}"/>
               </a:ext>
             </a:extLst>
           </p:cNvPr>
@@ -1737,7 +2188,7 @@
           <p:cNvPr id="6" name="Content Placeholder 5">
             <a:extLst>
               <a:ext uri="{FF2B5EF4-FFF2-40B4-BE49-F238E27FC236}">
-                <a16:creationId xmlns:a16="http://schemas.microsoft.com/office/drawing/2014/main" id="{B602CC07-CB7F-7DE1-F287-5D773F8AECC4}"/>
+                <a16:creationId xmlns:a16="http://schemas.microsoft.com/office/drawing/2014/main" id="{D89A2ECD-07BA-92D0-2FCC-7D2953E6F423}"/>
               </a:ext>
             </a:extLst>
           </p:cNvPr>
@@ -1799,7 +2250,7 @@
           <p:cNvPr id="7" name="Date Placeholder 6">
             <a:extLst>
               <a:ext uri="{FF2B5EF4-FFF2-40B4-BE49-F238E27FC236}">
-                <a16:creationId xmlns:a16="http://schemas.microsoft.com/office/drawing/2014/main" id="{21C52799-7399-2DF4-8FE8-A876E9BE08F1}"/>
+                <a16:creationId xmlns:a16="http://schemas.microsoft.com/office/drawing/2014/main" id="{F468553D-1A5D-C10B-FE89-D8B73738E4D3}"/>
               </a:ext>
             </a:extLst>
           </p:cNvPr>
@@ -1815,9 +2266,9 @@
           <a:bodyPr/>
           <a:lstStyle/>
           <a:p>
-            <a:fld id="{A61BADD5-3830-5A4E-B146-B4C6CF9EF5FC}" type="datetimeFigureOut">
+            <a:fld id="{D352267B-0977-D048-B9DE-479132D7BC8E}" type="datetimeFigureOut">
               <a:rPr lang="en-US" smtClean="0"/>
-              <a:t>8/5/22</a:t>
+              <a:t>8/30/22</a:t>
             </a:fld>
             <a:endParaRPr lang="en-US"/>
           </a:p>
@@ -1828,7 +2279,7 @@
           <p:cNvPr id="8" name="Footer Placeholder 7">
             <a:extLst>
               <a:ext uri="{FF2B5EF4-FFF2-40B4-BE49-F238E27FC236}">
-                <a16:creationId xmlns:a16="http://schemas.microsoft.com/office/drawing/2014/main" id="{F3875490-7F67-0002-E657-6E8F60D62839}"/>
+                <a16:creationId xmlns:a16="http://schemas.microsoft.com/office/drawing/2014/main" id="{50B55BA6-21D4-CCFB-534F-145A35B4D110}"/>
               </a:ext>
             </a:extLst>
           </p:cNvPr>
@@ -1853,7 +2304,7 @@
           <p:cNvPr id="9" name="Slide Number Placeholder 8">
             <a:extLst>
               <a:ext uri="{FF2B5EF4-FFF2-40B4-BE49-F238E27FC236}">
-                <a16:creationId xmlns:a16="http://schemas.microsoft.com/office/drawing/2014/main" id="{6CBB619C-9FFE-CE16-BA02-A1B2F6742738}"/>
+                <a16:creationId xmlns:a16="http://schemas.microsoft.com/office/drawing/2014/main" id="{FED5E693-654B-E4FD-185B-2AF61059DB6D}"/>
               </a:ext>
             </a:extLst>
           </p:cNvPr>
@@ -1869,7 +2320,7 @@
           <a:bodyPr/>
           <a:lstStyle/>
           <a:p>
-            <a:fld id="{68862BCC-B52A-0C49-A214-77A4364F9245}" type="slidenum">
+            <a:fld id="{0DDDC3A5-46DE-7D40-B47B-9D45C4338DBB}" type="slidenum">
               <a:rPr lang="en-US" smtClean="0"/>
               <a:t>‹#›</a:t>
             </a:fld>
@@ -1880,7 +2331,7 @@
     </p:spTree>
     <p:extLst>
       <p:ext uri="{BB962C8B-B14F-4D97-AF65-F5344CB8AC3E}">
-        <p14:creationId xmlns:p14="http://schemas.microsoft.com/office/powerpoint/2010/main" val="2574875572"/>
+        <p14:creationId xmlns:p14="http://schemas.microsoft.com/office/powerpoint/2010/main" val="4209530482"/>
       </p:ext>
     </p:extLst>
   </p:cSld>
@@ -1912,7 +2363,7 @@
           <p:cNvPr id="2" name="Title 1">
             <a:extLst>
               <a:ext uri="{FF2B5EF4-FFF2-40B4-BE49-F238E27FC236}">
-                <a16:creationId xmlns:a16="http://schemas.microsoft.com/office/drawing/2014/main" id="{6B9A6D9A-1FA1-A592-D7A0-B7C144100D58}"/>
+                <a16:creationId xmlns:a16="http://schemas.microsoft.com/office/drawing/2014/main" id="{7F5A65FF-5D56-9C2A-B310-56D7AF2F6EFF}"/>
               </a:ext>
             </a:extLst>
           </p:cNvPr>
@@ -1940,7 +2391,7 @@
           <p:cNvPr id="3" name="Date Placeholder 2">
             <a:extLst>
               <a:ext uri="{FF2B5EF4-FFF2-40B4-BE49-F238E27FC236}">
-                <a16:creationId xmlns:a16="http://schemas.microsoft.com/office/drawing/2014/main" id="{B6AFFD18-994D-A612-6385-58E296890AED}"/>
+                <a16:creationId xmlns:a16="http://schemas.microsoft.com/office/drawing/2014/main" id="{B7E11F84-9E31-9EAF-67D8-4902C1F42D04}"/>
               </a:ext>
             </a:extLst>
           </p:cNvPr>
@@ -1956,9 +2407,9 @@
           <a:bodyPr/>
           <a:lstStyle/>
           <a:p>
-            <a:fld id="{A61BADD5-3830-5A4E-B146-B4C6CF9EF5FC}" type="datetimeFigureOut">
+            <a:fld id="{D352267B-0977-D048-B9DE-479132D7BC8E}" type="datetimeFigureOut">
               <a:rPr lang="en-US" smtClean="0"/>
-              <a:t>8/5/22</a:t>
+              <a:t>8/30/22</a:t>
             </a:fld>
             <a:endParaRPr lang="en-US"/>
           </a:p>
@@ -1969,7 +2420,7 @@
           <p:cNvPr id="4" name="Footer Placeholder 3">
             <a:extLst>
               <a:ext uri="{FF2B5EF4-FFF2-40B4-BE49-F238E27FC236}">
-                <a16:creationId xmlns:a16="http://schemas.microsoft.com/office/drawing/2014/main" id="{A67E78FF-DD45-C0CF-C122-7ED4A56BCCD5}"/>
+                <a16:creationId xmlns:a16="http://schemas.microsoft.com/office/drawing/2014/main" id="{408527B1-E9B3-5A33-A209-118648458B85}"/>
               </a:ext>
             </a:extLst>
           </p:cNvPr>
@@ -1994,7 +2445,7 @@
           <p:cNvPr id="5" name="Slide Number Placeholder 4">
             <a:extLst>
               <a:ext uri="{FF2B5EF4-FFF2-40B4-BE49-F238E27FC236}">
-                <a16:creationId xmlns:a16="http://schemas.microsoft.com/office/drawing/2014/main" id="{C2FC7A3D-E58B-A07F-0770-5001FB47A3CB}"/>
+                <a16:creationId xmlns:a16="http://schemas.microsoft.com/office/drawing/2014/main" id="{B61AD16A-1D86-2DF5-4084-5C88D230AEFD}"/>
               </a:ext>
             </a:extLst>
           </p:cNvPr>
@@ -2010,7 +2461,7 @@
           <a:bodyPr/>
           <a:lstStyle/>
           <a:p>
-            <a:fld id="{68862BCC-B52A-0C49-A214-77A4364F9245}" type="slidenum">
+            <a:fld id="{0DDDC3A5-46DE-7D40-B47B-9D45C4338DBB}" type="slidenum">
               <a:rPr lang="en-US" smtClean="0"/>
               <a:t>‹#›</a:t>
             </a:fld>
@@ -2021,7 +2472,7 @@
     </p:spTree>
     <p:extLst>
       <p:ext uri="{BB962C8B-B14F-4D97-AF65-F5344CB8AC3E}">
-        <p14:creationId xmlns:p14="http://schemas.microsoft.com/office/powerpoint/2010/main" val="2394195584"/>
+        <p14:creationId xmlns:p14="http://schemas.microsoft.com/office/powerpoint/2010/main" val="3018319643"/>
       </p:ext>
     </p:extLst>
   </p:cSld>
@@ -2053,7 +2504,7 @@
           <p:cNvPr id="2" name="Date Placeholder 1">
             <a:extLst>
               <a:ext uri="{FF2B5EF4-FFF2-40B4-BE49-F238E27FC236}">
-                <a16:creationId xmlns:a16="http://schemas.microsoft.com/office/drawing/2014/main" id="{20D5D791-0812-C9EF-6BA6-402A5C17820D}"/>
+                <a16:creationId xmlns:a16="http://schemas.microsoft.com/office/drawing/2014/main" id="{C287261D-FCA8-0F94-B7F0-78B39875F1AF}"/>
               </a:ext>
             </a:extLst>
           </p:cNvPr>
@@ -2069,9 +2520,9 @@
           <a:bodyPr/>
           <a:lstStyle/>
           <a:p>
-            <a:fld id="{A61BADD5-3830-5A4E-B146-B4C6CF9EF5FC}" type="datetimeFigureOut">
+            <a:fld id="{D352267B-0977-D048-B9DE-479132D7BC8E}" type="datetimeFigureOut">
               <a:rPr lang="en-US" smtClean="0"/>
-              <a:t>8/5/22</a:t>
+              <a:t>8/30/22</a:t>
             </a:fld>
             <a:endParaRPr lang="en-US"/>
           </a:p>
@@ -2082,7 +2533,7 @@
           <p:cNvPr id="3" name="Footer Placeholder 2">
             <a:extLst>
               <a:ext uri="{FF2B5EF4-FFF2-40B4-BE49-F238E27FC236}">
-                <a16:creationId xmlns:a16="http://schemas.microsoft.com/office/drawing/2014/main" id="{71BB7381-A0F7-F887-D3D6-381F97D323BE}"/>
+                <a16:creationId xmlns:a16="http://schemas.microsoft.com/office/drawing/2014/main" id="{CC7EE5AD-E0CD-BDD4-217F-40FF1DB79B4D}"/>
               </a:ext>
             </a:extLst>
           </p:cNvPr>
@@ -2107,7 +2558,7 @@
           <p:cNvPr id="4" name="Slide Number Placeholder 3">
             <a:extLst>
               <a:ext uri="{FF2B5EF4-FFF2-40B4-BE49-F238E27FC236}">
-                <a16:creationId xmlns:a16="http://schemas.microsoft.com/office/drawing/2014/main" id="{AB0ECC6B-C45A-E521-D984-38A64B66441A}"/>
+                <a16:creationId xmlns:a16="http://schemas.microsoft.com/office/drawing/2014/main" id="{4800D432-005B-FBEA-2CB0-E7C98B7E10F8}"/>
               </a:ext>
             </a:extLst>
           </p:cNvPr>
@@ -2123,7 +2574,7 @@
           <a:bodyPr/>
           <a:lstStyle/>
           <a:p>
-            <a:fld id="{68862BCC-B52A-0C49-A214-77A4364F9245}" type="slidenum">
+            <a:fld id="{0DDDC3A5-46DE-7D40-B47B-9D45C4338DBB}" type="slidenum">
               <a:rPr lang="en-US" smtClean="0"/>
               <a:t>‹#›</a:t>
             </a:fld>
@@ -2134,7 +2585,7 @@
     </p:spTree>
     <p:extLst>
       <p:ext uri="{BB962C8B-B14F-4D97-AF65-F5344CB8AC3E}">
-        <p14:creationId xmlns:p14="http://schemas.microsoft.com/office/powerpoint/2010/main" val="3388457951"/>
+        <p14:creationId xmlns:p14="http://schemas.microsoft.com/office/powerpoint/2010/main" val="3023461329"/>
       </p:ext>
     </p:extLst>
   </p:cSld>
@@ -2166,7 +2617,7 @@
           <p:cNvPr id="2" name="Title 1">
             <a:extLst>
               <a:ext uri="{FF2B5EF4-FFF2-40B4-BE49-F238E27FC236}">
-                <a16:creationId xmlns:a16="http://schemas.microsoft.com/office/drawing/2014/main" id="{11367A60-4E23-58C3-B698-6B357FD07A79}"/>
+                <a16:creationId xmlns:a16="http://schemas.microsoft.com/office/drawing/2014/main" id="{0510EB1E-80D8-9A57-1EF0-EACC45C7B8C6}"/>
               </a:ext>
             </a:extLst>
           </p:cNvPr>
@@ -2203,7 +2654,7 @@
           <p:cNvPr id="3" name="Content Placeholder 2">
             <a:extLst>
               <a:ext uri="{FF2B5EF4-FFF2-40B4-BE49-F238E27FC236}">
-                <a16:creationId xmlns:a16="http://schemas.microsoft.com/office/drawing/2014/main" id="{CC626DDE-06EB-D375-AB89-7958906B881C}"/>
+                <a16:creationId xmlns:a16="http://schemas.microsoft.com/office/drawing/2014/main" id="{7B2C2E15-8122-5A61-B662-3044414B98C3}"/>
               </a:ext>
             </a:extLst>
           </p:cNvPr>
@@ -2293,7 +2744,7 @@
           <p:cNvPr id="4" name="Text Placeholder 3">
             <a:extLst>
               <a:ext uri="{FF2B5EF4-FFF2-40B4-BE49-F238E27FC236}">
-                <a16:creationId xmlns:a16="http://schemas.microsoft.com/office/drawing/2014/main" id="{B42B496A-7E09-7896-1837-F8CD60FD8659}"/>
+                <a16:creationId xmlns:a16="http://schemas.microsoft.com/office/drawing/2014/main" id="{5F9D46FE-DC60-9FC9-1AB6-38B5C90F5A69}"/>
               </a:ext>
             </a:extLst>
           </p:cNvPr>
@@ -2364,7 +2815,7 @@
           <p:cNvPr id="5" name="Date Placeholder 4">
             <a:extLst>
               <a:ext uri="{FF2B5EF4-FFF2-40B4-BE49-F238E27FC236}">
-                <a16:creationId xmlns:a16="http://schemas.microsoft.com/office/drawing/2014/main" id="{136E2122-760F-5500-C1B6-0A2086135BB9}"/>
+                <a16:creationId xmlns:a16="http://schemas.microsoft.com/office/drawing/2014/main" id="{0B8A627E-5111-917A-C632-5D53F4A319DD}"/>
               </a:ext>
             </a:extLst>
           </p:cNvPr>
@@ -2380,9 +2831,9 @@
           <a:bodyPr/>
           <a:lstStyle/>
           <a:p>
-            <a:fld id="{A61BADD5-3830-5A4E-B146-B4C6CF9EF5FC}" type="datetimeFigureOut">
+            <a:fld id="{D352267B-0977-D048-B9DE-479132D7BC8E}" type="datetimeFigureOut">
               <a:rPr lang="en-US" smtClean="0"/>
-              <a:t>8/5/22</a:t>
+              <a:t>8/30/22</a:t>
             </a:fld>
             <a:endParaRPr lang="en-US"/>
           </a:p>
@@ -2393,7 +2844,7 @@
           <p:cNvPr id="6" name="Footer Placeholder 5">
             <a:extLst>
               <a:ext uri="{FF2B5EF4-FFF2-40B4-BE49-F238E27FC236}">
-                <a16:creationId xmlns:a16="http://schemas.microsoft.com/office/drawing/2014/main" id="{B0BC6D63-A5D6-7774-EA3C-811EB7DEDCC0}"/>
+                <a16:creationId xmlns:a16="http://schemas.microsoft.com/office/drawing/2014/main" id="{22E8743E-688E-C480-7588-5206A1642CD9}"/>
               </a:ext>
             </a:extLst>
           </p:cNvPr>
@@ -2418,7 +2869,7 @@
           <p:cNvPr id="7" name="Slide Number Placeholder 6">
             <a:extLst>
               <a:ext uri="{FF2B5EF4-FFF2-40B4-BE49-F238E27FC236}">
-                <a16:creationId xmlns:a16="http://schemas.microsoft.com/office/drawing/2014/main" id="{86DE4EC3-B57D-4F39-B345-2EA59916813C}"/>
+                <a16:creationId xmlns:a16="http://schemas.microsoft.com/office/drawing/2014/main" id="{8102499C-F266-17A1-B83B-42CC2B4C17E2}"/>
               </a:ext>
             </a:extLst>
           </p:cNvPr>
@@ -2434,7 +2885,7 @@
           <a:bodyPr/>
           <a:lstStyle/>
           <a:p>
-            <a:fld id="{68862BCC-B52A-0C49-A214-77A4364F9245}" type="slidenum">
+            <a:fld id="{0DDDC3A5-46DE-7D40-B47B-9D45C4338DBB}" type="slidenum">
               <a:rPr lang="en-US" smtClean="0"/>
               <a:t>‹#›</a:t>
             </a:fld>
@@ -2445,7 +2896,7 @@
     </p:spTree>
     <p:extLst>
       <p:ext uri="{BB962C8B-B14F-4D97-AF65-F5344CB8AC3E}">
-        <p14:creationId xmlns:p14="http://schemas.microsoft.com/office/powerpoint/2010/main" val="3390695731"/>
+        <p14:creationId xmlns:p14="http://schemas.microsoft.com/office/powerpoint/2010/main" val="166423540"/>
       </p:ext>
     </p:extLst>
   </p:cSld>
@@ -2477,7 +2928,7 @@
           <p:cNvPr id="2" name="Title 1">
             <a:extLst>
               <a:ext uri="{FF2B5EF4-FFF2-40B4-BE49-F238E27FC236}">
-                <a16:creationId xmlns:a16="http://schemas.microsoft.com/office/drawing/2014/main" id="{DB35DA7B-F70F-7A79-4783-273405910E1C}"/>
+                <a16:creationId xmlns:a16="http://schemas.microsoft.com/office/drawing/2014/main" id="{4FC4B8D9-F354-0198-43D9-E5A39C20F2A7}"/>
               </a:ext>
             </a:extLst>
           </p:cNvPr>
@@ -2514,7 +2965,7 @@
           <p:cNvPr id="3" name="Picture Placeholder 2">
             <a:extLst>
               <a:ext uri="{FF2B5EF4-FFF2-40B4-BE49-F238E27FC236}">
-                <a16:creationId xmlns:a16="http://schemas.microsoft.com/office/drawing/2014/main" id="{B8D9752A-CF1F-8581-F17D-E131E0A3F1CA}"/>
+                <a16:creationId xmlns:a16="http://schemas.microsoft.com/office/drawing/2014/main" id="{E21B610D-71ED-A6D3-B79C-08EEF9C8C168}"/>
               </a:ext>
             </a:extLst>
           </p:cNvPr>
@@ -2581,7 +3032,7 @@
           <p:cNvPr id="4" name="Text Placeholder 3">
             <a:extLst>
               <a:ext uri="{FF2B5EF4-FFF2-40B4-BE49-F238E27FC236}">
-                <a16:creationId xmlns:a16="http://schemas.microsoft.com/office/drawing/2014/main" id="{20F5DEF5-9D53-11A1-BCCB-8C27581C7530}"/>
+                <a16:creationId xmlns:a16="http://schemas.microsoft.com/office/drawing/2014/main" id="{E50D9C2B-0AAA-7240-B69F-F395DDF9BF4B}"/>
               </a:ext>
             </a:extLst>
           </p:cNvPr>
@@ -2652,7 +3103,7 @@
           <p:cNvPr id="5" name="Date Placeholder 4">
             <a:extLst>
               <a:ext uri="{FF2B5EF4-FFF2-40B4-BE49-F238E27FC236}">
-                <a16:creationId xmlns:a16="http://schemas.microsoft.com/office/drawing/2014/main" id="{29D40C71-90B4-149B-FD69-1DFAAAD17520}"/>
+                <a16:creationId xmlns:a16="http://schemas.microsoft.com/office/drawing/2014/main" id="{252862B9-4116-CD71-E66A-B62335977CC5}"/>
               </a:ext>
             </a:extLst>
           </p:cNvPr>
@@ -2668,9 +3119,9 @@
           <a:bodyPr/>
           <a:lstStyle/>
           <a:p>
-            <a:fld id="{A61BADD5-3830-5A4E-B146-B4C6CF9EF5FC}" type="datetimeFigureOut">
+            <a:fld id="{D352267B-0977-D048-B9DE-479132D7BC8E}" type="datetimeFigureOut">
               <a:rPr lang="en-US" smtClean="0"/>
-              <a:t>8/5/22</a:t>
+              <a:t>8/30/22</a:t>
             </a:fld>
             <a:endParaRPr lang="en-US"/>
           </a:p>
@@ -2681,7 +3132,7 @@
           <p:cNvPr id="6" name="Footer Placeholder 5">
             <a:extLst>
               <a:ext uri="{FF2B5EF4-FFF2-40B4-BE49-F238E27FC236}">
-                <a16:creationId xmlns:a16="http://schemas.microsoft.com/office/drawing/2014/main" id="{9C901BFF-4C44-A15B-95B9-E77B750C3F14}"/>
+                <a16:creationId xmlns:a16="http://schemas.microsoft.com/office/drawing/2014/main" id="{980A581B-38B1-7B3E-8DF8-947710540994}"/>
               </a:ext>
             </a:extLst>
           </p:cNvPr>
@@ -2706,7 +3157,7 @@
           <p:cNvPr id="7" name="Slide Number Placeholder 6">
             <a:extLst>
               <a:ext uri="{FF2B5EF4-FFF2-40B4-BE49-F238E27FC236}">
-                <a16:creationId xmlns:a16="http://schemas.microsoft.com/office/drawing/2014/main" id="{B280315B-54D1-AAE2-3058-D2E148CF1CEE}"/>
+                <a16:creationId xmlns:a16="http://schemas.microsoft.com/office/drawing/2014/main" id="{FB9E0AD8-DF20-FF90-F147-47812BB70CE1}"/>
               </a:ext>
             </a:extLst>
           </p:cNvPr>
@@ -2722,7 +3173,7 @@
           <a:bodyPr/>
           <a:lstStyle/>
           <a:p>
-            <a:fld id="{68862BCC-B52A-0C49-A214-77A4364F9245}" type="slidenum">
+            <a:fld id="{0DDDC3A5-46DE-7D40-B47B-9D45C4338DBB}" type="slidenum">
               <a:rPr lang="en-US" smtClean="0"/>
               <a:t>‹#›</a:t>
             </a:fld>
@@ -2733,7 +3184,7 @@
     </p:spTree>
     <p:extLst>
       <p:ext uri="{BB962C8B-B14F-4D97-AF65-F5344CB8AC3E}">
-        <p14:creationId xmlns:p14="http://schemas.microsoft.com/office/powerpoint/2010/main" val="686051883"/>
+        <p14:creationId xmlns:p14="http://schemas.microsoft.com/office/powerpoint/2010/main" val="918343902"/>
       </p:ext>
     </p:extLst>
   </p:cSld>
@@ -2770,7 +3221,7 @@
           <p:cNvPr id="2" name="Title Placeholder 1">
             <a:extLst>
               <a:ext uri="{FF2B5EF4-FFF2-40B4-BE49-F238E27FC236}">
-                <a16:creationId xmlns:a16="http://schemas.microsoft.com/office/drawing/2014/main" id="{974D887F-1BF6-AC93-032B-5EC8313D6F3B}"/>
+                <a16:creationId xmlns:a16="http://schemas.microsoft.com/office/drawing/2014/main" id="{A400EABE-D473-EB46-68B7-B743AAA62EAB}"/>
               </a:ext>
             </a:extLst>
           </p:cNvPr>
@@ -2808,7 +3259,7 @@
           <p:cNvPr id="3" name="Text Placeholder 2">
             <a:extLst>
               <a:ext uri="{FF2B5EF4-FFF2-40B4-BE49-F238E27FC236}">
-                <a16:creationId xmlns:a16="http://schemas.microsoft.com/office/drawing/2014/main" id="{B12F55E6-4C5B-8046-D8A6-2194FE043B56}"/>
+                <a16:creationId xmlns:a16="http://schemas.microsoft.com/office/drawing/2014/main" id="{9CAD56AA-946C-7043-B8E2-DADEDDAA5006}"/>
               </a:ext>
             </a:extLst>
           </p:cNvPr>
@@ -2875,7 +3326,7 @@
           <p:cNvPr id="4" name="Date Placeholder 3">
             <a:extLst>
               <a:ext uri="{FF2B5EF4-FFF2-40B4-BE49-F238E27FC236}">
-                <a16:creationId xmlns:a16="http://schemas.microsoft.com/office/drawing/2014/main" id="{EB24158A-B90B-0916-9BE8-B826FD568A17}"/>
+                <a16:creationId xmlns:a16="http://schemas.microsoft.com/office/drawing/2014/main" id="{392D2062-A19E-F05C-7089-7D6E35889A90}"/>
               </a:ext>
             </a:extLst>
           </p:cNvPr>
@@ -2909,9 +3360,9 @@
             </a:lvl1pPr>
           </a:lstStyle>
           <a:p>
-            <a:fld id="{A61BADD5-3830-5A4E-B146-B4C6CF9EF5FC}" type="datetimeFigureOut">
+            <a:fld id="{D352267B-0977-D048-B9DE-479132D7BC8E}" type="datetimeFigureOut">
               <a:rPr lang="en-US" smtClean="0"/>
-              <a:t>8/5/22</a:t>
+              <a:t>8/30/22</a:t>
             </a:fld>
             <a:endParaRPr lang="en-US"/>
           </a:p>
@@ -2922,7 +3373,7 @@
           <p:cNvPr id="5" name="Footer Placeholder 4">
             <a:extLst>
               <a:ext uri="{FF2B5EF4-FFF2-40B4-BE49-F238E27FC236}">
-                <a16:creationId xmlns:a16="http://schemas.microsoft.com/office/drawing/2014/main" id="{7E35F9FA-3E64-3332-3E49-5622512AAAC4}"/>
+                <a16:creationId xmlns:a16="http://schemas.microsoft.com/office/drawing/2014/main" id="{86057489-05C9-3A31-3EBD-C9AE2D73AE86}"/>
               </a:ext>
             </a:extLst>
           </p:cNvPr>
@@ -2965,7 +3416,7 @@
           <p:cNvPr id="6" name="Slide Number Placeholder 5">
             <a:extLst>
               <a:ext uri="{FF2B5EF4-FFF2-40B4-BE49-F238E27FC236}">
-                <a16:creationId xmlns:a16="http://schemas.microsoft.com/office/drawing/2014/main" id="{8AF623F9-96CA-0887-3E2E-B32FEDA4AD6D}"/>
+                <a16:creationId xmlns:a16="http://schemas.microsoft.com/office/drawing/2014/main" id="{DA543A08-DD66-2541-FFDF-556692739F4E}"/>
               </a:ext>
             </a:extLst>
           </p:cNvPr>
@@ -2999,7 +3450,7 @@
             </a:lvl1pPr>
           </a:lstStyle>
           <a:p>
-            <a:fld id="{68862BCC-B52A-0C49-A214-77A4364F9245}" type="slidenum">
+            <a:fld id="{0DDDC3A5-46DE-7D40-B47B-9D45C4338DBB}" type="slidenum">
               <a:rPr lang="en-US" smtClean="0"/>
               <a:t>‹#›</a:t>
             </a:fld>
@@ -3010,7 +3461,7 @@
     </p:spTree>
     <p:extLst>
       <p:ext uri="{BB962C8B-B14F-4D97-AF65-F5344CB8AC3E}">
-        <p14:creationId xmlns:p14="http://schemas.microsoft.com/office/powerpoint/2010/main" val="1490936792"/>
+        <p14:creationId xmlns:p14="http://schemas.microsoft.com/office/powerpoint/2010/main" val="3897429768"/>
       </p:ext>
     </p:extLst>
   </p:cSld>
@@ -3333,7 +3784,7 @@
           <p:cNvPr id="2" name="Title 1">
             <a:extLst>
               <a:ext uri="{FF2B5EF4-FFF2-40B4-BE49-F238E27FC236}">
-                <a16:creationId xmlns:a16="http://schemas.microsoft.com/office/drawing/2014/main" id="{707ECA20-7EFF-376E-D011-8D5EE9029295}"/>
+                <a16:creationId xmlns:a16="http://schemas.microsoft.com/office/drawing/2014/main" id="{12D833D6-E47D-9A1E-60E0-045941BC3390}"/>
               </a:ext>
             </a:extLst>
           </p:cNvPr>
@@ -3346,48 +3797,14 @@
         </p:nvSpPr>
         <p:spPr/>
         <p:txBody>
-          <a:bodyPr/>
-          <a:lstStyle/>
-          <a:p>
-            <a:r>
-              <a:rPr lang="en-US" dirty="0"/>
-              <a:t>Adding emissions information to LCDMPC</a:t>
-            </a:r>
-          </a:p>
-        </p:txBody>
-      </p:sp>
-      <p:sp>
-        <p:nvSpPr>
-          <p:cNvPr id="3" name="Subtitle 2">
-            <a:extLst>
-              <a:ext uri="{FF2B5EF4-FFF2-40B4-BE49-F238E27FC236}">
-                <a16:creationId xmlns:a16="http://schemas.microsoft.com/office/drawing/2014/main" id="{A0A1C4EB-BE3E-FD0D-AE81-720B3D7AD925}"/>
-              </a:ext>
-            </a:extLst>
-          </p:cNvPr>
-          <p:cNvSpPr>
-            <a:spLocks noGrp="1"/>
-          </p:cNvSpPr>
-          <p:nvPr>
-            <p:ph type="subTitle" idx="1"/>
-          </p:nvPr>
-        </p:nvSpPr>
-        <p:spPr/>
-        <p:txBody>
-          <a:bodyPr/>
-          <a:lstStyle/>
-          <a:p>
-            <a:r>
-              <a:rPr lang="en-US" dirty="0"/>
-              <a:t>August 3</a:t>
-            </a:r>
-            <a:r>
-              <a:rPr lang="en-US" baseline="30000" dirty="0"/>
-              <a:t>rd</a:t>
-            </a:r>
-            <a:r>
-              <a:rPr lang="en-US" dirty="0"/>
-              <a:t> 2022</a:t>
+          <a:bodyPr>
+            <a:normAutofit/>
+          </a:bodyPr>
+          <a:lstStyle/>
+          <a:p>
+            <a:r>
+              <a:rPr lang="en-US" sz="4800" dirty="0"/>
+              <a:t>Minimizing Emissions in LC-DMPC</a:t>
             </a:r>
           </a:p>
         </p:txBody>
@@ -3395,7 +3812,912 @@
     </p:spTree>
     <p:extLst>
       <p:ext uri="{BB962C8B-B14F-4D97-AF65-F5344CB8AC3E}">
-        <p14:creationId xmlns:p14="http://schemas.microsoft.com/office/powerpoint/2010/main" val="1263933808"/>
+        <p14:creationId xmlns:p14="http://schemas.microsoft.com/office/powerpoint/2010/main" val="3417555623"/>
+      </p:ext>
+    </p:extLst>
+  </p:cSld>
+  <p:clrMapOvr>
+    <a:masterClrMapping/>
+  </p:clrMapOvr>
+</p:sld>
+</file>
+
+<file path=ppt/slides/slide10.xml><?xml version="1.0" encoding="utf-8"?>
+<p:sld xmlns:a="http://schemas.openxmlformats.org/drawingml/2006/main" xmlns:r="http://schemas.openxmlformats.org/officeDocument/2006/relationships" xmlns:p="http://schemas.openxmlformats.org/presentationml/2006/main">
+  <p:cSld>
+    <p:spTree>
+      <p:nvGrpSpPr>
+        <p:cNvPr id="1" name=""/>
+        <p:cNvGrpSpPr/>
+        <p:nvPr/>
+      </p:nvGrpSpPr>
+      <p:grpSpPr>
+        <a:xfrm>
+          <a:off x="0" y="0"/>
+          <a:ext cx="0" cy="0"/>
+          <a:chOff x="0" y="0"/>
+          <a:chExt cx="0" cy="0"/>
+        </a:xfrm>
+      </p:grpSpPr>
+      <p:sp>
+        <p:nvSpPr>
+          <p:cNvPr id="2" name="Title 1">
+            <a:extLst>
+              <a:ext uri="{FF2B5EF4-FFF2-40B4-BE49-F238E27FC236}">
+                <a16:creationId xmlns:a16="http://schemas.microsoft.com/office/drawing/2014/main" id="{7C2BD29F-F771-D0B3-D0C5-37DAA6FD4CDC}"/>
+              </a:ext>
+            </a:extLst>
+          </p:cNvPr>
+          <p:cNvSpPr>
+            <a:spLocks noGrp="1"/>
+          </p:cNvSpPr>
+          <p:nvPr>
+            <p:ph type="title"/>
+          </p:nvPr>
+        </p:nvSpPr>
+        <p:spPr>
+          <a:xfrm>
+            <a:off x="473295" y="365124"/>
+            <a:ext cx="4580619" cy="1325563"/>
+          </a:xfrm>
+        </p:spPr>
+        <p:txBody>
+          <a:bodyPr>
+            <a:normAutofit/>
+          </a:bodyPr>
+          <a:lstStyle/>
+          <a:p>
+            <a:r>
+              <a:rPr lang="en-US" sz="3200" dirty="0"/>
+              <a:t>Temperature tracking with varying </a:t>
+            </a:r>
+            <a:r>
+              <a:rPr lang="en-US" sz="3200" dirty="0" err="1"/>
+              <a:t>Q_emissions</a:t>
+            </a:r>
+            <a:endParaRPr lang="en-US" sz="3200" dirty="0"/>
+          </a:p>
+        </p:txBody>
+      </p:sp>
+      <p:sp>
+        <p:nvSpPr>
+          <p:cNvPr id="5" name="Content Placeholder 2">
+            <a:extLst>
+              <a:ext uri="{FF2B5EF4-FFF2-40B4-BE49-F238E27FC236}">
+                <a16:creationId xmlns:a16="http://schemas.microsoft.com/office/drawing/2014/main" id="{D50E1BCC-8787-96DC-14E8-BB9F79D12BE5}"/>
+              </a:ext>
+            </a:extLst>
+          </p:cNvPr>
+          <p:cNvSpPr>
+            <a:spLocks noGrp="1"/>
+          </p:cNvSpPr>
+          <p:nvPr>
+            <p:ph idx="1"/>
+          </p:nvPr>
+        </p:nvSpPr>
+        <p:spPr>
+          <a:xfrm>
+            <a:off x="354106" y="2141537"/>
+            <a:ext cx="5141259" cy="4351338"/>
+          </a:xfrm>
+        </p:spPr>
+        <p:txBody>
+          <a:bodyPr>
+            <a:normAutofit/>
+          </a:bodyPr>
+          <a:lstStyle/>
+          <a:p>
+            <a:r>
+              <a:rPr lang="en-US" dirty="0"/>
+              <a:t>Temp tracking is set to 1e9.</a:t>
+            </a:r>
+          </a:p>
+          <a:p>
+            <a:r>
+              <a:rPr lang="en-US" dirty="0"/>
+              <a:t>As emphasis on emission increases, tracking performance deteriorates.</a:t>
+            </a:r>
+          </a:p>
+          <a:p>
+            <a:r>
+              <a:rPr lang="en-US" dirty="0"/>
+              <a:t>Here, temp ref = 21.65</a:t>
+            </a:r>
+          </a:p>
+        </p:txBody>
+      </p:sp>
+      <p:pic>
+        <p:nvPicPr>
+          <p:cNvPr id="6" name="Picture 5">
+            <a:extLst>
+              <a:ext uri="{FF2B5EF4-FFF2-40B4-BE49-F238E27FC236}">
+                <a16:creationId xmlns:a16="http://schemas.microsoft.com/office/drawing/2014/main" id="{FCEB77E0-7617-8904-A017-9AC3BBDF7162}"/>
+              </a:ext>
+            </a:extLst>
+          </p:cNvPr>
+          <p:cNvPicPr>
+            <a:picLocks noChangeAspect="1"/>
+          </p:cNvPicPr>
+          <p:nvPr/>
+        </p:nvPicPr>
+        <p:blipFill>
+          <a:blip r:embed="rId2"/>
+          <a:stretch>
+            <a:fillRect/>
+          </a:stretch>
+        </p:blipFill>
+        <p:spPr>
+          <a:xfrm>
+            <a:off x="5629122" y="1126762"/>
+            <a:ext cx="6221129" cy="5782334"/>
+          </a:xfrm>
+          <a:prstGeom prst="rect">
+            <a:avLst/>
+          </a:prstGeom>
+        </p:spPr>
+      </p:pic>
+    </p:spTree>
+    <p:extLst>
+      <p:ext uri="{BB962C8B-B14F-4D97-AF65-F5344CB8AC3E}">
+        <p14:creationId xmlns:p14="http://schemas.microsoft.com/office/powerpoint/2010/main" val="815504211"/>
+      </p:ext>
+    </p:extLst>
+  </p:cSld>
+  <p:clrMapOvr>
+    <a:masterClrMapping/>
+  </p:clrMapOvr>
+</p:sld>
+</file>
+
+<file path=ppt/slides/slide11.xml><?xml version="1.0" encoding="utf-8"?>
+<p:sld xmlns:a="http://schemas.openxmlformats.org/drawingml/2006/main" xmlns:r="http://schemas.openxmlformats.org/officeDocument/2006/relationships" xmlns:p="http://schemas.openxmlformats.org/presentationml/2006/main">
+  <p:cSld>
+    <p:spTree>
+      <p:nvGrpSpPr>
+        <p:cNvPr id="1" name=""/>
+        <p:cNvGrpSpPr/>
+        <p:nvPr/>
+      </p:nvGrpSpPr>
+      <p:grpSpPr>
+        <a:xfrm>
+          <a:off x="0" y="0"/>
+          <a:ext cx="0" cy="0"/>
+          <a:chOff x="0" y="0"/>
+          <a:chExt cx="0" cy="0"/>
+        </a:xfrm>
+      </p:grpSpPr>
+      <p:sp>
+        <p:nvSpPr>
+          <p:cNvPr id="2" name="Title 1">
+            <a:extLst>
+              <a:ext uri="{FF2B5EF4-FFF2-40B4-BE49-F238E27FC236}">
+                <a16:creationId xmlns:a16="http://schemas.microsoft.com/office/drawing/2014/main" id="{6F2274C4-B623-6544-4DAA-C4BB975001F5}"/>
+              </a:ext>
+            </a:extLst>
+          </p:cNvPr>
+          <p:cNvSpPr>
+            <a:spLocks noGrp="1"/>
+          </p:cNvSpPr>
+          <p:nvPr>
+            <p:ph type="title"/>
+          </p:nvPr>
+        </p:nvSpPr>
+        <p:spPr/>
+        <p:txBody>
+          <a:bodyPr/>
+          <a:lstStyle/>
+          <a:p>
+            <a:r>
+              <a:rPr lang="en-US" dirty="0"/>
+              <a:t>Emission Minimization ONLY </a:t>
+            </a:r>
+          </a:p>
+        </p:txBody>
+      </p:sp>
+      <p:sp>
+        <p:nvSpPr>
+          <p:cNvPr id="3" name="Content Placeholder 2">
+            <a:extLst>
+              <a:ext uri="{FF2B5EF4-FFF2-40B4-BE49-F238E27FC236}">
+                <a16:creationId xmlns:a16="http://schemas.microsoft.com/office/drawing/2014/main" id="{4753AA4E-78F0-60BA-B0DB-93CEF0DF0E6C}"/>
+              </a:ext>
+            </a:extLst>
+          </p:cNvPr>
+          <p:cNvSpPr>
+            <a:spLocks noGrp="1"/>
+          </p:cNvSpPr>
+          <p:nvPr>
+            <p:ph idx="1"/>
+          </p:nvPr>
+        </p:nvSpPr>
+        <p:spPr>
+          <a:xfrm>
+            <a:off x="838200" y="1825625"/>
+            <a:ext cx="5099705" cy="4351338"/>
+          </a:xfrm>
+        </p:spPr>
+        <p:txBody>
+          <a:bodyPr/>
+          <a:lstStyle/>
+          <a:p>
+            <a:r>
+              <a:rPr lang="en-US" dirty="0" err="1"/>
+              <a:t>Q_emissions</a:t>
+            </a:r>
+            <a:r>
+              <a:rPr lang="en-US" dirty="0"/>
+              <a:t> = 100/0</a:t>
+            </a:r>
+          </a:p>
+          <a:p>
+            <a:r>
+              <a:rPr lang="en-US" dirty="0" err="1"/>
+              <a:t>Q_powertracking</a:t>
+            </a:r>
+            <a:r>
+              <a:rPr lang="en-US" dirty="0"/>
+              <a:t> = 0</a:t>
+            </a:r>
+          </a:p>
+          <a:p>
+            <a:r>
+              <a:rPr lang="en-US" dirty="0" err="1"/>
+              <a:t>Q_temptracking</a:t>
+            </a:r>
+            <a:r>
+              <a:rPr lang="en-US" dirty="0"/>
+              <a:t> = 0</a:t>
+            </a:r>
+          </a:p>
+          <a:p>
+            <a:r>
+              <a:rPr lang="en-US" dirty="0"/>
+              <a:t>Emissions are minimized but tracking is not achieved </a:t>
+            </a:r>
+          </a:p>
+        </p:txBody>
+      </p:sp>
+      <p:pic>
+        <p:nvPicPr>
+          <p:cNvPr id="4" name="Picture 3">
+            <a:extLst>
+              <a:ext uri="{FF2B5EF4-FFF2-40B4-BE49-F238E27FC236}">
+                <a16:creationId xmlns:a16="http://schemas.microsoft.com/office/drawing/2014/main" id="{D9BAC336-D2E4-9907-9003-6E75ADBE3A48}"/>
+              </a:ext>
+            </a:extLst>
+          </p:cNvPr>
+          <p:cNvPicPr>
+            <a:picLocks noChangeAspect="1"/>
+          </p:cNvPicPr>
+          <p:nvPr/>
+        </p:nvPicPr>
+        <p:blipFill>
+          <a:blip r:embed="rId3"/>
+          <a:stretch>
+            <a:fillRect/>
+          </a:stretch>
+        </p:blipFill>
+        <p:spPr>
+          <a:xfrm>
+            <a:off x="6254097" y="1460055"/>
+            <a:ext cx="5099705" cy="5082477"/>
+          </a:xfrm>
+          <a:prstGeom prst="rect">
+            <a:avLst/>
+          </a:prstGeom>
+        </p:spPr>
+      </p:pic>
+    </p:spTree>
+    <p:extLst>
+      <p:ext uri="{BB962C8B-B14F-4D97-AF65-F5344CB8AC3E}">
+        <p14:creationId xmlns:p14="http://schemas.microsoft.com/office/powerpoint/2010/main" val="2987147359"/>
+      </p:ext>
+    </p:extLst>
+  </p:cSld>
+  <p:clrMapOvr>
+    <a:masterClrMapping/>
+  </p:clrMapOvr>
+</p:sld>
+</file>
+
+<file path=ppt/slides/slide12.xml><?xml version="1.0" encoding="utf-8"?>
+<p:sld xmlns:a="http://schemas.openxmlformats.org/drawingml/2006/main" xmlns:r="http://schemas.openxmlformats.org/officeDocument/2006/relationships" xmlns:p="http://schemas.openxmlformats.org/presentationml/2006/main">
+  <p:cSld>
+    <p:spTree>
+      <p:nvGrpSpPr>
+        <p:cNvPr id="1" name=""/>
+        <p:cNvGrpSpPr/>
+        <p:nvPr/>
+      </p:nvGrpSpPr>
+      <p:grpSpPr>
+        <a:xfrm>
+          <a:off x="0" y="0"/>
+          <a:ext cx="0" cy="0"/>
+          <a:chOff x="0" y="0"/>
+          <a:chExt cx="0" cy="0"/>
+        </a:xfrm>
+      </p:grpSpPr>
+      <p:sp>
+        <p:nvSpPr>
+          <p:cNvPr id="2" name="Title 1">
+            <a:extLst>
+              <a:ext uri="{FF2B5EF4-FFF2-40B4-BE49-F238E27FC236}">
+                <a16:creationId xmlns:a16="http://schemas.microsoft.com/office/drawing/2014/main" id="{571F8096-7561-52F9-8703-22EFD6BAB258}"/>
+              </a:ext>
+            </a:extLst>
+          </p:cNvPr>
+          <p:cNvSpPr>
+            <a:spLocks noGrp="1"/>
+          </p:cNvSpPr>
+          <p:nvPr>
+            <p:ph type="title"/>
+          </p:nvPr>
+        </p:nvSpPr>
+        <p:spPr/>
+        <p:txBody>
+          <a:bodyPr/>
+          <a:lstStyle/>
+          <a:p>
+            <a:r>
+              <a:rPr lang="en-US" dirty="0"/>
+              <a:t>Emissions vs Emissions Rate</a:t>
+            </a:r>
+          </a:p>
+        </p:txBody>
+      </p:sp>
+      <p:pic>
+        <p:nvPicPr>
+          <p:cNvPr id="4" name="Content Placeholder 3">
+            <a:extLst>
+              <a:ext uri="{FF2B5EF4-FFF2-40B4-BE49-F238E27FC236}">
+                <a16:creationId xmlns:a16="http://schemas.microsoft.com/office/drawing/2014/main" id="{9128B7F9-6236-5493-7586-6CFDF7BC92DF}"/>
+              </a:ext>
+            </a:extLst>
+          </p:cNvPr>
+          <p:cNvPicPr>
+            <a:picLocks noGrp="1" noChangeAspect="1"/>
+          </p:cNvPicPr>
+          <p:nvPr>
+            <p:ph idx="1"/>
+          </p:nvPr>
+        </p:nvPicPr>
+        <p:blipFill>
+          <a:blip r:embed="rId2"/>
+          <a:stretch>
+            <a:fillRect/>
+          </a:stretch>
+        </p:blipFill>
+        <p:spPr>
+          <a:xfrm>
+            <a:off x="5326587" y="2224664"/>
+            <a:ext cx="6214734" cy="4351338"/>
+          </a:xfrm>
+          <a:prstGeom prst="rect">
+            <a:avLst/>
+          </a:prstGeom>
+        </p:spPr>
+      </p:pic>
+      <p:sp>
+        <p:nvSpPr>
+          <p:cNvPr id="5" name="Content Placeholder 2">
+            <a:extLst>
+              <a:ext uri="{FF2B5EF4-FFF2-40B4-BE49-F238E27FC236}">
+                <a16:creationId xmlns:a16="http://schemas.microsoft.com/office/drawing/2014/main" id="{F99A2A09-4740-0A7B-D075-244CA6050E81}"/>
+              </a:ext>
+            </a:extLst>
+          </p:cNvPr>
+          <p:cNvSpPr txBox="1">
+            <a:spLocks/>
+          </p:cNvSpPr>
+          <p:nvPr/>
+        </p:nvSpPr>
+        <p:spPr>
+          <a:xfrm>
+            <a:off x="291353" y="2067672"/>
+            <a:ext cx="5141259" cy="4351338"/>
+          </a:xfrm>
+          <a:prstGeom prst="rect">
+            <a:avLst/>
+          </a:prstGeom>
+        </p:spPr>
+        <p:txBody>
+          <a:bodyPr vert="horz" lIns="91440" tIns="45720" rIns="91440" bIns="45720" rtlCol="0">
+            <a:normAutofit/>
+          </a:bodyPr>
+          <a:lstStyle>
+            <a:lvl1pPr marL="228600" indent="-228600" algn="l" defTabSz="914400" rtl="0" eaLnBrk="1" latinLnBrk="0" hangingPunct="1">
+              <a:lnSpc>
+                <a:spcPct val="90000"/>
+              </a:lnSpc>
+              <a:spcBef>
+                <a:spcPts val="1000"/>
+              </a:spcBef>
+              <a:buFont typeface="Arial" panose="020B0604020202020204" pitchFamily="34" charset="0"/>
+              <a:buChar char="•"/>
+              <a:defRPr sz="2800" kern="1200">
+                <a:solidFill>
+                  <a:schemeClr val="tx1"/>
+                </a:solidFill>
+                <a:latin typeface="+mn-lt"/>
+                <a:ea typeface="+mn-ea"/>
+                <a:cs typeface="+mn-cs"/>
+              </a:defRPr>
+            </a:lvl1pPr>
+            <a:lvl2pPr marL="685800" indent="-228600" algn="l" defTabSz="914400" rtl="0" eaLnBrk="1" latinLnBrk="0" hangingPunct="1">
+              <a:lnSpc>
+                <a:spcPct val="90000"/>
+              </a:lnSpc>
+              <a:spcBef>
+                <a:spcPts val="500"/>
+              </a:spcBef>
+              <a:buFont typeface="Arial" panose="020B0604020202020204" pitchFamily="34" charset="0"/>
+              <a:buChar char="•"/>
+              <a:defRPr sz="2400" kern="1200">
+                <a:solidFill>
+                  <a:schemeClr val="tx1"/>
+                </a:solidFill>
+                <a:latin typeface="+mn-lt"/>
+                <a:ea typeface="+mn-ea"/>
+                <a:cs typeface="+mn-cs"/>
+              </a:defRPr>
+            </a:lvl2pPr>
+            <a:lvl3pPr marL="1143000" indent="-228600" algn="l" defTabSz="914400" rtl="0" eaLnBrk="1" latinLnBrk="0" hangingPunct="1">
+              <a:lnSpc>
+                <a:spcPct val="90000"/>
+              </a:lnSpc>
+              <a:spcBef>
+                <a:spcPts val="500"/>
+              </a:spcBef>
+              <a:buFont typeface="Arial" panose="020B0604020202020204" pitchFamily="34" charset="0"/>
+              <a:buChar char="•"/>
+              <a:defRPr sz="2000" kern="1200">
+                <a:solidFill>
+                  <a:schemeClr val="tx1"/>
+                </a:solidFill>
+                <a:latin typeface="+mn-lt"/>
+                <a:ea typeface="+mn-ea"/>
+                <a:cs typeface="+mn-cs"/>
+              </a:defRPr>
+            </a:lvl3pPr>
+            <a:lvl4pPr marL="1600200" indent="-228600" algn="l" defTabSz="914400" rtl="0" eaLnBrk="1" latinLnBrk="0" hangingPunct="1">
+              <a:lnSpc>
+                <a:spcPct val="90000"/>
+              </a:lnSpc>
+              <a:spcBef>
+                <a:spcPts val="500"/>
+              </a:spcBef>
+              <a:buFont typeface="Arial" panose="020B0604020202020204" pitchFamily="34" charset="0"/>
+              <a:buChar char="•"/>
+              <a:defRPr sz="1800" kern="1200">
+                <a:solidFill>
+                  <a:schemeClr val="tx1"/>
+                </a:solidFill>
+                <a:latin typeface="+mn-lt"/>
+                <a:ea typeface="+mn-ea"/>
+                <a:cs typeface="+mn-cs"/>
+              </a:defRPr>
+            </a:lvl4pPr>
+            <a:lvl5pPr marL="2057400" indent="-228600" algn="l" defTabSz="914400" rtl="0" eaLnBrk="1" latinLnBrk="0" hangingPunct="1">
+              <a:lnSpc>
+                <a:spcPct val="90000"/>
+              </a:lnSpc>
+              <a:spcBef>
+                <a:spcPts val="500"/>
+              </a:spcBef>
+              <a:buFont typeface="Arial" panose="020B0604020202020204" pitchFamily="34" charset="0"/>
+              <a:buChar char="•"/>
+              <a:defRPr sz="1800" kern="1200">
+                <a:solidFill>
+                  <a:schemeClr val="tx1"/>
+                </a:solidFill>
+                <a:latin typeface="+mn-lt"/>
+                <a:ea typeface="+mn-ea"/>
+                <a:cs typeface="+mn-cs"/>
+              </a:defRPr>
+            </a:lvl5pPr>
+            <a:lvl6pPr marL="2514600" indent="-228600" algn="l" defTabSz="914400" rtl="0" eaLnBrk="1" latinLnBrk="0" hangingPunct="1">
+              <a:lnSpc>
+                <a:spcPct val="90000"/>
+              </a:lnSpc>
+              <a:spcBef>
+                <a:spcPts val="500"/>
+              </a:spcBef>
+              <a:buFont typeface="Arial" panose="020B0604020202020204" pitchFamily="34" charset="0"/>
+              <a:buChar char="•"/>
+              <a:defRPr sz="1800" kern="1200">
+                <a:solidFill>
+                  <a:schemeClr val="tx1"/>
+                </a:solidFill>
+                <a:latin typeface="+mn-lt"/>
+                <a:ea typeface="+mn-ea"/>
+                <a:cs typeface="+mn-cs"/>
+              </a:defRPr>
+            </a:lvl6pPr>
+            <a:lvl7pPr marL="2971800" indent="-228600" algn="l" defTabSz="914400" rtl="0" eaLnBrk="1" latinLnBrk="0" hangingPunct="1">
+              <a:lnSpc>
+                <a:spcPct val="90000"/>
+              </a:lnSpc>
+              <a:spcBef>
+                <a:spcPts val="500"/>
+              </a:spcBef>
+              <a:buFont typeface="Arial" panose="020B0604020202020204" pitchFamily="34" charset="0"/>
+              <a:buChar char="•"/>
+              <a:defRPr sz="1800" kern="1200">
+                <a:solidFill>
+                  <a:schemeClr val="tx1"/>
+                </a:solidFill>
+                <a:latin typeface="+mn-lt"/>
+                <a:ea typeface="+mn-ea"/>
+                <a:cs typeface="+mn-cs"/>
+              </a:defRPr>
+            </a:lvl7pPr>
+            <a:lvl8pPr marL="3429000" indent="-228600" algn="l" defTabSz="914400" rtl="0" eaLnBrk="1" latinLnBrk="0" hangingPunct="1">
+              <a:lnSpc>
+                <a:spcPct val="90000"/>
+              </a:lnSpc>
+              <a:spcBef>
+                <a:spcPts val="500"/>
+              </a:spcBef>
+              <a:buFont typeface="Arial" panose="020B0604020202020204" pitchFamily="34" charset="0"/>
+              <a:buChar char="•"/>
+              <a:defRPr sz="1800" kern="1200">
+                <a:solidFill>
+                  <a:schemeClr val="tx1"/>
+                </a:solidFill>
+                <a:latin typeface="+mn-lt"/>
+                <a:ea typeface="+mn-ea"/>
+                <a:cs typeface="+mn-cs"/>
+              </a:defRPr>
+            </a:lvl8pPr>
+            <a:lvl9pPr marL="3886200" indent="-228600" algn="l" defTabSz="914400" rtl="0" eaLnBrk="1" latinLnBrk="0" hangingPunct="1">
+              <a:lnSpc>
+                <a:spcPct val="90000"/>
+              </a:lnSpc>
+              <a:spcBef>
+                <a:spcPts val="500"/>
+              </a:spcBef>
+              <a:buFont typeface="Arial" panose="020B0604020202020204" pitchFamily="34" charset="0"/>
+              <a:buChar char="•"/>
+              <a:defRPr sz="1800" kern="1200">
+                <a:solidFill>
+                  <a:schemeClr val="tx1"/>
+                </a:solidFill>
+                <a:latin typeface="+mn-lt"/>
+                <a:ea typeface="+mn-ea"/>
+                <a:cs typeface="+mn-cs"/>
+              </a:defRPr>
+            </a:lvl9pPr>
+          </a:lstStyle>
+          <a:p>
+            <a:r>
+              <a:rPr lang="en-US" dirty="0"/>
+              <a:t>A little counter-intuitive as the emissions should have reduced with emissions rate.</a:t>
+            </a:r>
+          </a:p>
+          <a:p>
+            <a:r>
+              <a:rPr lang="en-US" dirty="0"/>
+              <a:t>Maybe power supersedes the effect of emission rate?</a:t>
+            </a:r>
+          </a:p>
+        </p:txBody>
+      </p:sp>
+    </p:spTree>
+    <p:extLst>
+      <p:ext uri="{BB962C8B-B14F-4D97-AF65-F5344CB8AC3E}">
+        <p14:creationId xmlns:p14="http://schemas.microsoft.com/office/powerpoint/2010/main" val="862103753"/>
+      </p:ext>
+    </p:extLst>
+  </p:cSld>
+  <p:clrMapOvr>
+    <a:masterClrMapping/>
+  </p:clrMapOvr>
+</p:sld>
+</file>
+
+<file path=ppt/slides/slide13.xml><?xml version="1.0" encoding="utf-8"?>
+<p:sld xmlns:a="http://schemas.openxmlformats.org/drawingml/2006/main" xmlns:r="http://schemas.openxmlformats.org/officeDocument/2006/relationships" xmlns:p="http://schemas.openxmlformats.org/presentationml/2006/main">
+  <p:cSld>
+    <p:spTree>
+      <p:nvGrpSpPr>
+        <p:cNvPr id="1" name=""/>
+        <p:cNvGrpSpPr/>
+        <p:nvPr/>
+      </p:nvGrpSpPr>
+      <p:grpSpPr>
+        <a:xfrm>
+          <a:off x="0" y="0"/>
+          <a:ext cx="0" cy="0"/>
+          <a:chOff x="0" y="0"/>
+          <a:chExt cx="0" cy="0"/>
+        </a:xfrm>
+      </p:grpSpPr>
+      <p:sp>
+        <p:nvSpPr>
+          <p:cNvPr id="2" name="Title 1">
+            <a:extLst>
+              <a:ext uri="{FF2B5EF4-FFF2-40B4-BE49-F238E27FC236}">
+                <a16:creationId xmlns:a16="http://schemas.microsoft.com/office/drawing/2014/main" id="{D9FD4E03-E364-4A3C-24A5-579383C0B8C4}"/>
+              </a:ext>
+            </a:extLst>
+          </p:cNvPr>
+          <p:cNvSpPr>
+            <a:spLocks noGrp="1"/>
+          </p:cNvSpPr>
+          <p:nvPr>
+            <p:ph type="title"/>
+          </p:nvPr>
+        </p:nvSpPr>
+        <p:spPr/>
+        <p:txBody>
+          <a:bodyPr/>
+          <a:lstStyle/>
+          <a:p>
+            <a:r>
+              <a:rPr lang="en-US" dirty="0"/>
+              <a:t>Updating Q on the fly</a:t>
+            </a:r>
+          </a:p>
+        </p:txBody>
+      </p:sp>
+      <p:sp>
+        <p:nvSpPr>
+          <p:cNvPr id="3" name="Content Placeholder 2">
+            <a:extLst>
+              <a:ext uri="{FF2B5EF4-FFF2-40B4-BE49-F238E27FC236}">
+                <a16:creationId xmlns:a16="http://schemas.microsoft.com/office/drawing/2014/main" id="{D6519803-47F6-DF3C-1509-108835A940BA}"/>
+              </a:ext>
+            </a:extLst>
+          </p:cNvPr>
+          <p:cNvSpPr>
+            <a:spLocks noGrp="1"/>
+          </p:cNvSpPr>
+          <p:nvPr>
+            <p:ph idx="1"/>
+          </p:nvPr>
+        </p:nvSpPr>
+        <p:spPr/>
+        <p:txBody>
+          <a:bodyPr/>
+          <a:lstStyle/>
+          <a:p>
+            <a:r>
+              <a:rPr lang="en-US" dirty="0"/>
+              <a:t>Need a formal way of tuning the Q matrix</a:t>
+            </a:r>
+          </a:p>
+          <a:p>
+            <a:r>
+              <a:rPr lang="en-US" dirty="0"/>
+              <a:t>We do observe some trends in the plots when we tune the Q matrix but seems like the parameter sweep is an expensive approach especially when dealing with multi-objective problems.</a:t>
+            </a:r>
+          </a:p>
+          <a:p>
+            <a:r>
+              <a:rPr lang="en-US" dirty="0"/>
+              <a:t>Bayesian optimization to the rescue? </a:t>
+            </a:r>
+          </a:p>
+          <a:p>
+            <a:r>
+              <a:rPr lang="en-US" dirty="0"/>
+              <a:t>Will require a forecast of the grid reference signal. </a:t>
+            </a:r>
+          </a:p>
+          <a:p>
+            <a:endParaRPr lang="en-US" dirty="0"/>
+          </a:p>
+          <a:p>
+            <a:endParaRPr lang="en-US" dirty="0"/>
+          </a:p>
+          <a:p>
+            <a:endParaRPr lang="en-US" dirty="0"/>
+          </a:p>
+        </p:txBody>
+      </p:sp>
+    </p:spTree>
+    <p:extLst>
+      <p:ext uri="{BB962C8B-B14F-4D97-AF65-F5344CB8AC3E}">
+        <p14:creationId xmlns:p14="http://schemas.microsoft.com/office/powerpoint/2010/main" val="3842998391"/>
+      </p:ext>
+    </p:extLst>
+  </p:cSld>
+  <p:clrMapOvr>
+    <a:masterClrMapping/>
+  </p:clrMapOvr>
+</p:sld>
+</file>
+
+<file path=ppt/slides/slide14.xml><?xml version="1.0" encoding="utf-8"?>
+<p:sld xmlns:a="http://schemas.openxmlformats.org/drawingml/2006/main" xmlns:r="http://schemas.openxmlformats.org/officeDocument/2006/relationships" xmlns:p="http://schemas.openxmlformats.org/presentationml/2006/main">
+  <p:cSld>
+    <p:spTree>
+      <p:nvGrpSpPr>
+        <p:cNvPr id="1" name=""/>
+        <p:cNvGrpSpPr/>
+        <p:nvPr/>
+      </p:nvGrpSpPr>
+      <p:grpSpPr>
+        <a:xfrm>
+          <a:off x="0" y="0"/>
+          <a:ext cx="0" cy="0"/>
+          <a:chOff x="0" y="0"/>
+          <a:chExt cx="0" cy="0"/>
+        </a:xfrm>
+      </p:grpSpPr>
+      <p:sp>
+        <p:nvSpPr>
+          <p:cNvPr id="2" name="Title 1">
+            <a:extLst>
+              <a:ext uri="{FF2B5EF4-FFF2-40B4-BE49-F238E27FC236}">
+                <a16:creationId xmlns:a16="http://schemas.microsoft.com/office/drawing/2014/main" id="{9D74D7F3-908D-ACEB-183C-9DF131E4565F}"/>
+              </a:ext>
+            </a:extLst>
+          </p:cNvPr>
+          <p:cNvSpPr>
+            <a:spLocks noGrp="1"/>
+          </p:cNvSpPr>
+          <p:nvPr>
+            <p:ph type="title"/>
+          </p:nvPr>
+        </p:nvSpPr>
+        <p:spPr>
+          <a:xfrm>
+            <a:off x="529281" y="2342206"/>
+            <a:ext cx="4488152" cy="1325563"/>
+          </a:xfrm>
+        </p:spPr>
+        <p:txBody>
+          <a:bodyPr>
+            <a:normAutofit fontScale="90000"/>
+          </a:bodyPr>
+          <a:lstStyle/>
+          <a:p>
+            <a:r>
+              <a:rPr lang="en-US" dirty="0"/>
+              <a:t>Bayesian Optimization using </a:t>
+            </a:r>
+            <a:r>
+              <a:rPr lang="en-US" dirty="0" err="1"/>
+              <a:t>bayes_opt</a:t>
+            </a:r>
+            <a:endParaRPr lang="en-US" dirty="0"/>
+          </a:p>
+        </p:txBody>
+      </p:sp>
+      <p:pic>
+        <p:nvPicPr>
+          <p:cNvPr id="5" name="Content Placeholder 4" descr="Text&#10;&#10;Description automatically generated">
+            <a:extLst>
+              <a:ext uri="{FF2B5EF4-FFF2-40B4-BE49-F238E27FC236}">
+                <a16:creationId xmlns:a16="http://schemas.microsoft.com/office/drawing/2014/main" id="{585A354C-39A2-2B4D-CBD4-4CE2EBDC71E8}"/>
+              </a:ext>
+            </a:extLst>
+          </p:cNvPr>
+          <p:cNvPicPr>
+            <a:picLocks noGrp="1" noChangeAspect="1"/>
+          </p:cNvPicPr>
+          <p:nvPr>
+            <p:ph idx="1"/>
+          </p:nvPr>
+        </p:nvPicPr>
+        <p:blipFill>
+          <a:blip r:embed="rId2"/>
+          <a:stretch>
+            <a:fillRect/>
+          </a:stretch>
+        </p:blipFill>
+        <p:spPr>
+          <a:xfrm>
+            <a:off x="5326352" y="201097"/>
+            <a:ext cx="6500328" cy="6455805"/>
+          </a:xfrm>
+        </p:spPr>
+      </p:pic>
+    </p:spTree>
+    <p:extLst>
+      <p:ext uri="{BB962C8B-B14F-4D97-AF65-F5344CB8AC3E}">
+        <p14:creationId xmlns:p14="http://schemas.microsoft.com/office/powerpoint/2010/main" val="231476419"/>
+      </p:ext>
+    </p:extLst>
+  </p:cSld>
+  <p:clrMapOvr>
+    <a:masterClrMapping/>
+  </p:clrMapOvr>
+</p:sld>
+</file>
+
+<file path=ppt/slides/slide15.xml><?xml version="1.0" encoding="utf-8"?>
+<p:sld xmlns:a="http://schemas.openxmlformats.org/drawingml/2006/main" xmlns:r="http://schemas.openxmlformats.org/officeDocument/2006/relationships" xmlns:p="http://schemas.openxmlformats.org/presentationml/2006/main">
+  <p:cSld>
+    <p:spTree>
+      <p:nvGrpSpPr>
+        <p:cNvPr id="1" name=""/>
+        <p:cNvGrpSpPr/>
+        <p:nvPr/>
+      </p:nvGrpSpPr>
+      <p:grpSpPr>
+        <a:xfrm>
+          <a:off x="0" y="0"/>
+          <a:ext cx="0" cy="0"/>
+          <a:chOff x="0" y="0"/>
+          <a:chExt cx="0" cy="0"/>
+        </a:xfrm>
+      </p:grpSpPr>
+      <p:sp>
+        <p:nvSpPr>
+          <p:cNvPr id="2" name="Title 1">
+            <a:extLst>
+              <a:ext uri="{FF2B5EF4-FFF2-40B4-BE49-F238E27FC236}">
+                <a16:creationId xmlns:a16="http://schemas.microsoft.com/office/drawing/2014/main" id="{9D74D7F3-908D-ACEB-183C-9DF131E4565F}"/>
+              </a:ext>
+            </a:extLst>
+          </p:cNvPr>
+          <p:cNvSpPr>
+            <a:spLocks noGrp="1"/>
+          </p:cNvSpPr>
+          <p:nvPr>
+            <p:ph type="title"/>
+          </p:nvPr>
+        </p:nvSpPr>
+        <p:spPr>
+          <a:xfrm>
+            <a:off x="492211" y="562833"/>
+            <a:ext cx="4488152" cy="1325563"/>
+          </a:xfrm>
+        </p:spPr>
+        <p:txBody>
+          <a:bodyPr>
+            <a:normAutofit fontScale="90000"/>
+          </a:bodyPr>
+          <a:lstStyle/>
+          <a:p>
+            <a:r>
+              <a:rPr lang="en-US" dirty="0"/>
+              <a:t>Bayesian Optimization using </a:t>
+            </a:r>
+            <a:r>
+              <a:rPr lang="en-US" dirty="0" err="1"/>
+              <a:t>bayes_opt</a:t>
+            </a:r>
+            <a:endParaRPr lang="en-US" dirty="0"/>
+          </a:p>
+        </p:txBody>
+      </p:sp>
+      <p:pic>
+        <p:nvPicPr>
+          <p:cNvPr id="4" name="Picture 3" descr="Graphical user interface, text&#10;&#10;Description automatically generated">
+            <a:extLst>
+              <a:ext uri="{FF2B5EF4-FFF2-40B4-BE49-F238E27FC236}">
+                <a16:creationId xmlns:a16="http://schemas.microsoft.com/office/drawing/2014/main" id="{1FEB1165-FF47-9938-6EF8-A90393DF821C}"/>
+              </a:ext>
+            </a:extLst>
+          </p:cNvPr>
+          <p:cNvPicPr>
+            <a:picLocks noChangeAspect="1"/>
+          </p:cNvPicPr>
+          <p:nvPr/>
+        </p:nvPicPr>
+        <p:blipFill>
+          <a:blip r:embed="rId2"/>
+          <a:stretch>
+            <a:fillRect/>
+          </a:stretch>
+        </p:blipFill>
+        <p:spPr>
+          <a:xfrm>
+            <a:off x="412750" y="2698749"/>
+            <a:ext cx="10856612" cy="1858089"/>
+          </a:xfrm>
+          <a:prstGeom prst="rect">
+            <a:avLst/>
+          </a:prstGeom>
+        </p:spPr>
+      </p:pic>
+    </p:spTree>
+    <p:extLst>
+      <p:ext uri="{BB962C8B-B14F-4D97-AF65-F5344CB8AC3E}">
+        <p14:creationId xmlns:p14="http://schemas.microsoft.com/office/powerpoint/2010/main" val="365081259"/>
       </p:ext>
     </p:extLst>
   </p:cSld>
@@ -3514,6 +4836,82 @@
           </a:prstGeom>
         </p:spPr>
       </p:pic>
+      <p:cxnSp>
+        <p:nvCxnSpPr>
+          <p:cNvPr id="4" name="Straight Arrow Connector 3">
+            <a:extLst>
+              <a:ext uri="{FF2B5EF4-FFF2-40B4-BE49-F238E27FC236}">
+                <a16:creationId xmlns:a16="http://schemas.microsoft.com/office/drawing/2014/main" id="{1BE55E5F-084D-12F8-D788-F171F3C272A8}"/>
+              </a:ext>
+            </a:extLst>
+          </p:cNvPr>
+          <p:cNvCxnSpPr>
+            <a:cxnSpLocks/>
+          </p:cNvCxnSpPr>
+          <p:nvPr/>
+        </p:nvCxnSpPr>
+        <p:spPr>
+          <a:xfrm>
+            <a:off x="1556951" y="5980670"/>
+            <a:ext cx="1470454" cy="0"/>
+          </a:xfrm>
+          <a:prstGeom prst="straightConnector1">
+            <a:avLst/>
+          </a:prstGeom>
+          <a:ln w="50800">
+            <a:tailEnd type="triangle"/>
+          </a:ln>
+        </p:spPr>
+        <p:style>
+          <a:lnRef idx="1">
+            <a:schemeClr val="accent1"/>
+          </a:lnRef>
+          <a:fillRef idx="0">
+            <a:schemeClr val="accent1"/>
+          </a:fillRef>
+          <a:effectRef idx="0">
+            <a:schemeClr val="accent1"/>
+          </a:effectRef>
+          <a:fontRef idx="minor">
+            <a:schemeClr val="tx1"/>
+          </a:fontRef>
+        </p:style>
+      </p:cxnSp>
+      <p:sp>
+        <p:nvSpPr>
+          <p:cNvPr id="6" name="TextBox 5">
+            <a:extLst>
+              <a:ext uri="{FF2B5EF4-FFF2-40B4-BE49-F238E27FC236}">
+                <a16:creationId xmlns:a16="http://schemas.microsoft.com/office/drawing/2014/main" id="{BA28B886-BDF2-A977-D20A-A3E2662763F1}"/>
+              </a:ext>
+            </a:extLst>
+          </p:cNvPr>
+          <p:cNvSpPr txBox="1"/>
+          <p:nvPr/>
+        </p:nvSpPr>
+        <p:spPr>
+          <a:xfrm>
+            <a:off x="1229075" y="5456840"/>
+            <a:ext cx="2028761" cy="369332"/>
+          </a:xfrm>
+          <a:prstGeom prst="rect">
+            <a:avLst/>
+          </a:prstGeom>
+          <a:noFill/>
+        </p:spPr>
+        <p:txBody>
+          <a:bodyPr wrap="none" rtlCol="0">
+            <a:spAutoFit/>
+          </a:bodyPr>
+          <a:lstStyle/>
+          <a:p>
+            <a:r>
+              <a:rPr lang="en-US" dirty="0"/>
+              <a:t>Add as disturbance </a:t>
+            </a:r>
+          </a:p>
+        </p:txBody>
+      </p:sp>
     </p:spTree>
     <p:extLst>
       <p:ext uri="{BB962C8B-B14F-4D97-AF65-F5344CB8AC3E}">
@@ -3549,7 +4947,7 @@
           <p:cNvPr id="2" name="Title 1">
             <a:extLst>
               <a:ext uri="{FF2B5EF4-FFF2-40B4-BE49-F238E27FC236}">
-                <a16:creationId xmlns:a16="http://schemas.microsoft.com/office/drawing/2014/main" id="{DB9536DC-D0F3-E7D6-E0B9-B98894912253}"/>
+                <a16:creationId xmlns:a16="http://schemas.microsoft.com/office/drawing/2014/main" id="{F16F3139-88AC-DE70-EEA3-C8654097CA59}"/>
               </a:ext>
             </a:extLst>
           </p:cNvPr>
@@ -3560,29 +4958,25 @@
             <p:ph type="title"/>
           </p:nvPr>
         </p:nvSpPr>
-        <p:spPr>
-          <a:xfrm>
-            <a:off x="190931" y="207080"/>
-            <a:ext cx="10515600" cy="1325563"/>
-          </a:xfrm>
-        </p:spPr>
+        <p:spPr/>
         <p:txBody>
           <a:bodyPr/>
           <a:lstStyle/>
           <a:p>
             <a:r>
-              <a:rPr lang="en-US" dirty="0"/>
-              <a:t>Tracking with and without emissions</a:t>
-            </a:r>
+              <a:rPr lang="en-US"/>
+              <a:t>Formulation – Vanilla LC-DMPC</a:t>
+            </a:r>
+            <a:endParaRPr lang="en-US" dirty="0"/>
           </a:p>
         </p:txBody>
       </p:sp>
       <p:pic>
         <p:nvPicPr>
-          <p:cNvPr id="5" name="Content Placeholder 4" descr="Graphical user interface&#10;&#10;Description automatically generated with medium confidence">
-            <a:extLst>
-              <a:ext uri="{FF2B5EF4-FFF2-40B4-BE49-F238E27FC236}">
-                <a16:creationId xmlns:a16="http://schemas.microsoft.com/office/drawing/2014/main" id="{534AA59A-287E-75EB-5C40-C9ABD3D64C69}"/>
+          <p:cNvPr id="5" name="Content Placeholder 4" descr="Text, letter&#10;&#10;Description automatically generated">
+            <a:extLst>
+              <a:ext uri="{FF2B5EF4-FFF2-40B4-BE49-F238E27FC236}">
+                <a16:creationId xmlns:a16="http://schemas.microsoft.com/office/drawing/2014/main" id="{148359E4-17B9-7C1D-E66A-E33104409B8F}"/>
               </a:ext>
             </a:extLst>
           </p:cNvPr>
@@ -3601,17 +4995,104 @@
         </p:blipFill>
         <p:spPr>
           <a:xfrm>
-            <a:off x="190931" y="2031999"/>
-            <a:ext cx="6024277" cy="3818115"/>
+            <a:off x="1769166" y="2084422"/>
+            <a:ext cx="8077200" cy="2501900"/>
+          </a:xfrm>
+        </p:spPr>
+      </p:pic>
+    </p:spTree>
+    <p:extLst>
+      <p:ext uri="{BB962C8B-B14F-4D97-AF65-F5344CB8AC3E}">
+        <p14:creationId xmlns:p14="http://schemas.microsoft.com/office/powerpoint/2010/main" val="3873002399"/>
+      </p:ext>
+    </p:extLst>
+  </p:cSld>
+  <p:clrMapOvr>
+    <a:masterClrMapping/>
+  </p:clrMapOvr>
+</p:sld>
+</file>
+
+<file path=ppt/slides/slide4.xml><?xml version="1.0" encoding="utf-8"?>
+<p:sld xmlns:a="http://schemas.openxmlformats.org/drawingml/2006/main" xmlns:r="http://schemas.openxmlformats.org/officeDocument/2006/relationships" xmlns:p="http://schemas.openxmlformats.org/presentationml/2006/main">
+  <p:cSld>
+    <p:spTree>
+      <p:nvGrpSpPr>
+        <p:cNvPr id="1" name=""/>
+        <p:cNvGrpSpPr/>
+        <p:nvPr/>
+      </p:nvGrpSpPr>
+      <p:grpSpPr>
+        <a:xfrm>
+          <a:off x="0" y="0"/>
+          <a:ext cx="0" cy="0"/>
+          <a:chOff x="0" y="0"/>
+          <a:chExt cx="0" cy="0"/>
+        </a:xfrm>
+      </p:grpSpPr>
+      <p:sp>
+        <p:nvSpPr>
+          <p:cNvPr id="2" name="Title 1">
+            <a:extLst>
+              <a:ext uri="{FF2B5EF4-FFF2-40B4-BE49-F238E27FC236}">
+                <a16:creationId xmlns:a16="http://schemas.microsoft.com/office/drawing/2014/main" id="{F16F3139-88AC-DE70-EEA3-C8654097CA59}"/>
+              </a:ext>
+            </a:extLst>
+          </p:cNvPr>
+          <p:cNvSpPr>
+            <a:spLocks noGrp="1"/>
+          </p:cNvSpPr>
+          <p:nvPr>
+            <p:ph type="title"/>
+          </p:nvPr>
+        </p:nvSpPr>
+        <p:spPr/>
+        <p:txBody>
+          <a:bodyPr/>
+          <a:lstStyle/>
+          <a:p>
+            <a:r>
+              <a:rPr lang="en-US" dirty="0"/>
+              <a:t>Formulation – LC-DMPC with emissions</a:t>
+            </a:r>
+          </a:p>
+        </p:txBody>
+      </p:sp>
+      <p:pic>
+        <p:nvPicPr>
+          <p:cNvPr id="7" name="Content Placeholder 6">
+            <a:extLst>
+              <a:ext uri="{FF2B5EF4-FFF2-40B4-BE49-F238E27FC236}">
+                <a16:creationId xmlns:a16="http://schemas.microsoft.com/office/drawing/2014/main" id="{973F568F-324E-029E-C594-B06A0B18CED3}"/>
+              </a:ext>
+            </a:extLst>
+          </p:cNvPr>
+          <p:cNvPicPr>
+            <a:picLocks noGrp="1" noChangeAspect="1"/>
+          </p:cNvPicPr>
+          <p:nvPr>
+            <p:ph idx="1"/>
+          </p:nvPr>
+        </p:nvPicPr>
+        <p:blipFill>
+          <a:blip r:embed="rId2"/>
+          <a:stretch>
+            <a:fillRect/>
+          </a:stretch>
+        </p:blipFill>
+        <p:spPr>
+          <a:xfrm>
+            <a:off x="2241550" y="1690688"/>
+            <a:ext cx="7708900" cy="2489200"/>
           </a:xfrm>
         </p:spPr>
       </p:pic>
       <p:pic>
         <p:nvPicPr>
-          <p:cNvPr id="7" name="Picture 6" descr="Graphical user interface&#10;&#10;Description automatically generated">
-            <a:extLst>
-              <a:ext uri="{FF2B5EF4-FFF2-40B4-BE49-F238E27FC236}">
-                <a16:creationId xmlns:a16="http://schemas.microsoft.com/office/drawing/2014/main" id="{77D75553-28D0-29A0-19D8-A5B345251CB7}"/>
+          <p:cNvPr id="10" name="Picture 9">
+            <a:extLst>
+              <a:ext uri="{FF2B5EF4-FFF2-40B4-BE49-F238E27FC236}">
+                <a16:creationId xmlns:a16="http://schemas.microsoft.com/office/drawing/2014/main" id="{7FFEEB46-27C8-4FAE-92EE-F1E7D204B5A3}"/>
               </a:ext>
             </a:extLst>
           </p:cNvPr>
@@ -3628,66 +5109,993 @@
         </p:blipFill>
         <p:spPr>
           <a:xfrm>
-            <a:off x="6262385" y="2106305"/>
-            <a:ext cx="5907037" cy="3743809"/>
+            <a:off x="2496065" y="4799012"/>
+            <a:ext cx="7543800" cy="736600"/>
           </a:xfrm>
           <a:prstGeom prst="rect">
             <a:avLst/>
           </a:prstGeom>
         </p:spPr>
       </p:pic>
+    </p:spTree>
+    <p:extLst>
+      <p:ext uri="{BB962C8B-B14F-4D97-AF65-F5344CB8AC3E}">
+        <p14:creationId xmlns:p14="http://schemas.microsoft.com/office/powerpoint/2010/main" val="2635638579"/>
+      </p:ext>
+    </p:extLst>
+  </p:cSld>
+  <p:clrMapOvr>
+    <a:masterClrMapping/>
+  </p:clrMapOvr>
+</p:sld>
+</file>
+
+<file path=ppt/slides/slide5.xml><?xml version="1.0" encoding="utf-8"?>
+<p:sld xmlns:a="http://schemas.openxmlformats.org/drawingml/2006/main" xmlns:r="http://schemas.openxmlformats.org/officeDocument/2006/relationships" xmlns:p="http://schemas.openxmlformats.org/presentationml/2006/main">
+  <p:cSld>
+    <p:spTree>
+      <p:nvGrpSpPr>
+        <p:cNvPr id="1" name=""/>
+        <p:cNvGrpSpPr/>
+        <p:nvPr/>
+      </p:nvGrpSpPr>
+      <p:grpSpPr>
+        <a:xfrm>
+          <a:off x="0" y="0"/>
+          <a:ext cx="0" cy="0"/>
+          <a:chOff x="0" y="0"/>
+          <a:chExt cx="0" cy="0"/>
+        </a:xfrm>
+      </p:grpSpPr>
+      <p:sp>
+        <p:nvSpPr>
+          <p:cNvPr id="2" name="Title 1">
+            <a:extLst>
+              <a:ext uri="{FF2B5EF4-FFF2-40B4-BE49-F238E27FC236}">
+                <a16:creationId xmlns:a16="http://schemas.microsoft.com/office/drawing/2014/main" id="{540107A2-BB4A-419B-FC71-907A6D3F2DD7}"/>
+              </a:ext>
+            </a:extLst>
+          </p:cNvPr>
+          <p:cNvSpPr>
+            <a:spLocks noGrp="1"/>
+          </p:cNvSpPr>
+          <p:nvPr>
+            <p:ph type="title"/>
+          </p:nvPr>
+        </p:nvSpPr>
+        <p:spPr/>
+        <p:txBody>
+          <a:bodyPr/>
+          <a:lstStyle/>
+          <a:p>
+            <a:r>
+              <a:rPr lang="en-US" dirty="0"/>
+              <a:t>Q matrix structure</a:t>
+            </a:r>
+          </a:p>
+        </p:txBody>
+      </p:sp>
+      <p:pic>
+        <p:nvPicPr>
+          <p:cNvPr id="1026" name="Picture 2" descr="LQR Controller with Kalman Estimator Applied to UAV Longitudinal Dynamics">
+            <a:extLst>
+              <a:ext uri="{FF2B5EF4-FFF2-40B4-BE49-F238E27FC236}">
+                <a16:creationId xmlns:a16="http://schemas.microsoft.com/office/drawing/2014/main" id="{1C6BBA1C-ADE0-D6EE-5441-4F42100ECED1}"/>
+              </a:ext>
+            </a:extLst>
+          </p:cNvPr>
+          <p:cNvPicPr>
+            <a:picLocks noChangeAspect="1" noChangeArrowheads="1"/>
+          </p:cNvPicPr>
+          <p:nvPr/>
+        </p:nvPicPr>
+        <p:blipFill>
+          <a:blip r:embed="rId2">
+            <a:extLst>
+              <a:ext uri="{28A0092B-C50C-407E-A947-70E740481C1C}">
+                <a14:useLocalDpi xmlns:a14="http://schemas.microsoft.com/office/drawing/2010/main" val="0"/>
+              </a:ext>
+            </a:extLst>
+          </a:blip>
+          <a:srcRect/>
+          <a:stretch>
+            <a:fillRect/>
+          </a:stretch>
+        </p:blipFill>
+        <p:spPr bwMode="auto">
+          <a:xfrm>
+            <a:off x="3711122" y="2870994"/>
+            <a:ext cx="3594100" cy="2260600"/>
+          </a:xfrm>
+          <a:prstGeom prst="rect">
+            <a:avLst/>
+          </a:prstGeom>
+          <a:noFill/>
+          <a:extLst>
+            <a:ext uri="{909E8E84-426E-40DD-AFC4-6F175D3DCCD1}">
+              <a14:hiddenFill xmlns:a14="http://schemas.microsoft.com/office/drawing/2010/main">
+                <a:solidFill>
+                  <a:srgbClr val="FFFFFF"/>
+                </a:solidFill>
+              </a14:hiddenFill>
+            </a:ext>
+          </a:extLst>
+        </p:spPr>
+      </p:pic>
+      <p:sp>
+        <p:nvSpPr>
+          <p:cNvPr id="4" name="Rectangle 3">
+            <a:extLst>
+              <a:ext uri="{FF2B5EF4-FFF2-40B4-BE49-F238E27FC236}">
+                <a16:creationId xmlns:a16="http://schemas.microsoft.com/office/drawing/2014/main" id="{0B64D474-707F-0715-487B-A6653054139B}"/>
+              </a:ext>
+            </a:extLst>
+          </p:cNvPr>
+          <p:cNvSpPr/>
+          <p:nvPr/>
+        </p:nvSpPr>
+        <p:spPr>
+          <a:xfrm>
+            <a:off x="4365171" y="2960914"/>
+            <a:ext cx="272143" cy="272143"/>
+          </a:xfrm>
+          <a:prstGeom prst="rect">
+            <a:avLst/>
+          </a:prstGeom>
+          <a:solidFill>
+            <a:schemeClr val="bg1"/>
+          </a:solidFill>
+          <a:ln>
+            <a:noFill/>
+          </a:ln>
+          <a:effectLst/>
+        </p:spPr>
+        <p:style>
+          <a:lnRef idx="2">
+            <a:schemeClr val="accent6"/>
+          </a:lnRef>
+          <a:fillRef idx="1">
+            <a:schemeClr val="lt1"/>
+          </a:fillRef>
+          <a:effectRef idx="0">
+            <a:schemeClr val="accent6"/>
+          </a:effectRef>
+          <a:fontRef idx="minor">
+            <a:schemeClr val="dk1"/>
+          </a:fontRef>
+        </p:style>
+        <p:txBody>
+          <a:bodyPr rtlCol="0" anchor="ctr"/>
+          <a:lstStyle/>
+          <a:p>
+            <a:pPr algn="ctr"/>
+            <a:endParaRPr lang="en-US" dirty="0"/>
+          </a:p>
+        </p:txBody>
+      </p:sp>
+      <p:sp>
+        <p:nvSpPr>
+          <p:cNvPr id="5" name="Rectangle 4">
+            <a:extLst>
+              <a:ext uri="{FF2B5EF4-FFF2-40B4-BE49-F238E27FC236}">
+                <a16:creationId xmlns:a16="http://schemas.microsoft.com/office/drawing/2014/main" id="{2088CADF-D7C7-22FB-8186-0FC852229EFA}"/>
+              </a:ext>
+            </a:extLst>
+          </p:cNvPr>
+          <p:cNvSpPr/>
+          <p:nvPr/>
+        </p:nvSpPr>
+        <p:spPr>
+          <a:xfrm>
+            <a:off x="4724400" y="3401785"/>
+            <a:ext cx="272143" cy="272143"/>
+          </a:xfrm>
+          <a:prstGeom prst="rect">
+            <a:avLst/>
+          </a:prstGeom>
+          <a:solidFill>
+            <a:schemeClr val="bg1"/>
+          </a:solidFill>
+          <a:ln>
+            <a:noFill/>
+          </a:ln>
+          <a:effectLst/>
+        </p:spPr>
+        <p:style>
+          <a:lnRef idx="2">
+            <a:schemeClr val="accent6"/>
+          </a:lnRef>
+          <a:fillRef idx="1">
+            <a:schemeClr val="lt1"/>
+          </a:fillRef>
+          <a:effectRef idx="0">
+            <a:schemeClr val="accent6"/>
+          </a:effectRef>
+          <a:fontRef idx="minor">
+            <a:schemeClr val="dk1"/>
+          </a:fontRef>
+        </p:style>
+        <p:txBody>
+          <a:bodyPr rtlCol="0" anchor="ctr"/>
+          <a:lstStyle/>
+          <a:p>
+            <a:pPr algn="ctr"/>
+            <a:endParaRPr lang="en-US" dirty="0"/>
+          </a:p>
+        </p:txBody>
+      </p:sp>
+      <p:sp>
+        <p:nvSpPr>
+          <p:cNvPr id="7" name="Rectangle 6">
+            <a:extLst>
+              <a:ext uri="{FF2B5EF4-FFF2-40B4-BE49-F238E27FC236}">
+                <a16:creationId xmlns:a16="http://schemas.microsoft.com/office/drawing/2014/main" id="{5F5B43DE-89F3-818F-91BD-326E3296075D}"/>
+              </a:ext>
+            </a:extLst>
+          </p:cNvPr>
+          <p:cNvSpPr/>
+          <p:nvPr/>
+        </p:nvSpPr>
+        <p:spPr>
+          <a:xfrm>
+            <a:off x="5148944" y="3865222"/>
+            <a:ext cx="272143" cy="272143"/>
+          </a:xfrm>
+          <a:prstGeom prst="rect">
+            <a:avLst/>
+          </a:prstGeom>
+          <a:solidFill>
+            <a:schemeClr val="bg1"/>
+          </a:solidFill>
+          <a:ln>
+            <a:noFill/>
+          </a:ln>
+          <a:effectLst/>
+        </p:spPr>
+        <p:style>
+          <a:lnRef idx="2">
+            <a:schemeClr val="accent6"/>
+          </a:lnRef>
+          <a:fillRef idx="1">
+            <a:schemeClr val="lt1"/>
+          </a:fillRef>
+          <a:effectRef idx="0">
+            <a:schemeClr val="accent6"/>
+          </a:effectRef>
+          <a:fontRef idx="minor">
+            <a:schemeClr val="dk1"/>
+          </a:fontRef>
+        </p:style>
+        <p:txBody>
+          <a:bodyPr rtlCol="0" anchor="ctr"/>
+          <a:lstStyle/>
+          <a:p>
+            <a:pPr algn="ctr"/>
+            <a:endParaRPr lang="en-US" dirty="0"/>
+          </a:p>
+        </p:txBody>
+      </p:sp>
+      <p:sp>
+        <p:nvSpPr>
+          <p:cNvPr id="8" name="Rectangle 7">
+            <a:extLst>
+              <a:ext uri="{FF2B5EF4-FFF2-40B4-BE49-F238E27FC236}">
+                <a16:creationId xmlns:a16="http://schemas.microsoft.com/office/drawing/2014/main" id="{3C67B54F-890A-6D1E-C8DD-E7D25737AB91}"/>
+              </a:ext>
+            </a:extLst>
+          </p:cNvPr>
+          <p:cNvSpPr/>
+          <p:nvPr/>
+        </p:nvSpPr>
+        <p:spPr>
+          <a:xfrm>
+            <a:off x="5606143" y="4294413"/>
+            <a:ext cx="979714" cy="272143"/>
+          </a:xfrm>
+          <a:prstGeom prst="rect">
+            <a:avLst/>
+          </a:prstGeom>
+          <a:solidFill>
+            <a:schemeClr val="bg1"/>
+          </a:solidFill>
+          <a:ln>
+            <a:noFill/>
+          </a:ln>
+          <a:effectLst/>
+        </p:spPr>
+        <p:style>
+          <a:lnRef idx="2">
+            <a:schemeClr val="accent6"/>
+          </a:lnRef>
+          <a:fillRef idx="1">
+            <a:schemeClr val="lt1"/>
+          </a:fillRef>
+          <a:effectRef idx="0">
+            <a:schemeClr val="accent6"/>
+          </a:effectRef>
+          <a:fontRef idx="minor">
+            <a:schemeClr val="dk1"/>
+          </a:fontRef>
+        </p:style>
+        <p:txBody>
+          <a:bodyPr rtlCol="0" anchor="ctr"/>
+          <a:lstStyle/>
+          <a:p>
+            <a:pPr algn="ctr"/>
+            <a:endParaRPr lang="en-US" dirty="0"/>
+          </a:p>
+        </p:txBody>
+      </p:sp>
+      <p:sp>
+        <p:nvSpPr>
+          <p:cNvPr id="10" name="Rectangle 9">
+            <a:extLst>
+              <a:ext uri="{FF2B5EF4-FFF2-40B4-BE49-F238E27FC236}">
+                <a16:creationId xmlns:a16="http://schemas.microsoft.com/office/drawing/2014/main" id="{6EDD9B00-DEF4-4B44-57B7-5205E6FF3DB6}"/>
+              </a:ext>
+            </a:extLst>
+          </p:cNvPr>
+          <p:cNvSpPr/>
+          <p:nvPr/>
+        </p:nvSpPr>
+        <p:spPr>
+          <a:xfrm flipV="1">
+            <a:off x="6765925" y="4702628"/>
+            <a:ext cx="272143" cy="321922"/>
+          </a:xfrm>
+          <a:prstGeom prst="rect">
+            <a:avLst/>
+          </a:prstGeom>
+          <a:solidFill>
+            <a:schemeClr val="bg1"/>
+          </a:solidFill>
+          <a:ln>
+            <a:noFill/>
+          </a:ln>
+          <a:effectLst/>
+        </p:spPr>
+        <p:style>
+          <a:lnRef idx="2">
+            <a:schemeClr val="accent6"/>
+          </a:lnRef>
+          <a:fillRef idx="1">
+            <a:schemeClr val="lt1"/>
+          </a:fillRef>
+          <a:effectRef idx="0">
+            <a:schemeClr val="accent6"/>
+          </a:effectRef>
+          <a:fontRef idx="minor">
+            <a:schemeClr val="dk1"/>
+          </a:fontRef>
+        </p:style>
+        <p:txBody>
+          <a:bodyPr rtlCol="0" anchor="ctr"/>
+          <a:lstStyle/>
+          <a:p>
+            <a:pPr algn="ctr"/>
+            <a:endParaRPr lang="en-US" dirty="0"/>
+          </a:p>
+        </p:txBody>
+      </p:sp>
+      <mc:AlternateContent xmlns:mc="http://schemas.openxmlformats.org/markup-compatibility/2006" xmlns:a14="http://schemas.microsoft.com/office/drawing/2010/main">
+        <mc:Choice Requires="a14">
+          <p:sp>
+            <p:nvSpPr>
+              <p:cNvPr id="11" name="TextBox 10">
+                <a:extLst>
+                  <a:ext uri="{FF2B5EF4-FFF2-40B4-BE49-F238E27FC236}">
+                    <a16:creationId xmlns:a16="http://schemas.microsoft.com/office/drawing/2014/main" id="{48E9B062-86EE-1916-AD26-095740441BEB}"/>
+                  </a:ext>
+                </a:extLst>
+              </p:cNvPr>
+              <p:cNvSpPr txBox="1"/>
+              <p:nvPr/>
+            </p:nvSpPr>
+            <p:spPr>
+              <a:xfrm>
+                <a:off x="4125683" y="2934793"/>
+                <a:ext cx="783773" cy="324384"/>
+              </a:xfrm>
+              <a:prstGeom prst="rect">
+                <a:avLst/>
+              </a:prstGeom>
+              <a:noFill/>
+            </p:spPr>
+            <p:txBody>
+              <a:bodyPr wrap="square" rtlCol="0">
+                <a:spAutoFit/>
+              </a:bodyPr>
+              <a:lstStyle/>
+              <a:p>
+                <a:pPr/>
+                <a14:m>
+                  <m:oMathPara xmlns:m="http://schemas.openxmlformats.org/officeDocument/2006/math">
+                    <m:oMathParaPr>
+                      <m:jc m:val="centerGroup"/>
+                    </m:oMathParaPr>
+                    <m:oMath xmlns:m="http://schemas.openxmlformats.org/officeDocument/2006/math">
+                      <m:sSub>
+                        <m:sSubPr>
+                          <m:ctrlPr>
+                            <a:rPr lang="en-US" sz="1400" i="1" smtClean="0">
+                              <a:latin typeface="Cambria Math" panose="02040503050406030204" pitchFamily="18" charset="0"/>
+                            </a:rPr>
+                          </m:ctrlPr>
+                        </m:sSubPr>
+                        <m:e>
+                          <m:r>
+                            <a:rPr lang="en-US" sz="1400" b="0" i="1" smtClean="0">
+                              <a:latin typeface="Cambria Math" panose="02040503050406030204" pitchFamily="18" charset="0"/>
+                            </a:rPr>
+                            <m:t>𝑞</m:t>
+                          </m:r>
+                        </m:e>
+                        <m:sub>
+                          <m:r>
+                            <a:rPr lang="en-US" sz="1400" b="0" i="1" smtClean="0">
+                              <a:latin typeface="Cambria Math" panose="02040503050406030204" pitchFamily="18" charset="0"/>
+                            </a:rPr>
+                            <m:t>𝑡𝑒𝑚𝑝</m:t>
+                          </m:r>
+                        </m:sub>
+                      </m:sSub>
+                    </m:oMath>
+                  </m:oMathPara>
+                </a14:m>
+                <a:endParaRPr lang="en-US" sz="1400" dirty="0"/>
+              </a:p>
+            </p:txBody>
+          </p:sp>
+        </mc:Choice>
+        <mc:Fallback xmlns="">
+          <p:sp>
+            <p:nvSpPr>
+              <p:cNvPr id="11" name="TextBox 10">
+                <a:extLst>
+                  <a:ext uri="{FF2B5EF4-FFF2-40B4-BE49-F238E27FC236}">
+                    <a16:creationId xmlns:a16="http://schemas.microsoft.com/office/drawing/2014/main" id="{48E9B062-86EE-1916-AD26-095740441BEB}"/>
+                  </a:ext>
+                </a:extLst>
+              </p:cNvPr>
+              <p:cNvSpPr txBox="1">
+                <a:spLocks noRot="1" noChangeAspect="1" noMove="1" noResize="1" noEditPoints="1" noAdjustHandles="1" noChangeArrowheads="1" noChangeShapeType="1" noTextEdit="1"/>
+              </p:cNvSpPr>
+              <p:nvPr/>
+            </p:nvSpPr>
+            <p:spPr>
+              <a:xfrm>
+                <a:off x="4125683" y="2934793"/>
+                <a:ext cx="783773" cy="324384"/>
+              </a:xfrm>
+              <a:prstGeom prst="rect">
+                <a:avLst/>
+              </a:prstGeom>
+              <a:blipFill>
+                <a:blip r:embed="rId3"/>
+                <a:stretch>
+                  <a:fillRect/>
+                </a:stretch>
+              </a:blipFill>
+            </p:spPr>
+            <p:txBody>
+              <a:bodyPr/>
+              <a:lstStyle/>
+              <a:p>
+                <a:r>
+                  <a:rPr lang="en-US">
+                    <a:noFill/>
+                  </a:rPr>
+                  <a:t> </a:t>
+                </a:r>
+              </a:p>
+            </p:txBody>
+          </p:sp>
+        </mc:Fallback>
+      </mc:AlternateContent>
+      <mc:AlternateContent xmlns:mc="http://schemas.openxmlformats.org/markup-compatibility/2006" xmlns:a14="http://schemas.microsoft.com/office/drawing/2010/main">
+        <mc:Choice Requires="a14">
+          <p:sp>
+            <p:nvSpPr>
+              <p:cNvPr id="12" name="TextBox 11">
+                <a:extLst>
+                  <a:ext uri="{FF2B5EF4-FFF2-40B4-BE49-F238E27FC236}">
+                    <a16:creationId xmlns:a16="http://schemas.microsoft.com/office/drawing/2014/main" id="{A90C5514-8F81-EAA6-F285-FDAF3E04EBA7}"/>
+                  </a:ext>
+                </a:extLst>
+              </p:cNvPr>
+              <p:cNvSpPr txBox="1"/>
+              <p:nvPr/>
+            </p:nvSpPr>
+            <p:spPr>
+              <a:xfrm>
+                <a:off x="4501242" y="3333862"/>
+                <a:ext cx="783773" cy="324384"/>
+              </a:xfrm>
+              <a:prstGeom prst="rect">
+                <a:avLst/>
+              </a:prstGeom>
+              <a:noFill/>
+            </p:spPr>
+            <p:txBody>
+              <a:bodyPr wrap="square" rtlCol="0">
+                <a:spAutoFit/>
+              </a:bodyPr>
+              <a:lstStyle/>
+              <a:p>
+                <a:pPr/>
+                <a14:m>
+                  <m:oMathPara xmlns:m="http://schemas.openxmlformats.org/officeDocument/2006/math">
+                    <m:oMathParaPr>
+                      <m:jc m:val="centerGroup"/>
+                    </m:oMathParaPr>
+                    <m:oMath xmlns:m="http://schemas.openxmlformats.org/officeDocument/2006/math">
+                      <m:sSub>
+                        <m:sSubPr>
+                          <m:ctrlPr>
+                            <a:rPr lang="en-US" sz="1400" i="1" smtClean="0">
+                              <a:latin typeface="Cambria Math" panose="02040503050406030204" pitchFamily="18" charset="0"/>
+                            </a:rPr>
+                          </m:ctrlPr>
+                        </m:sSubPr>
+                        <m:e>
+                          <m:r>
+                            <a:rPr lang="en-US" sz="1400" b="0" i="1" smtClean="0">
+                              <a:latin typeface="Cambria Math" panose="02040503050406030204" pitchFamily="18" charset="0"/>
+                            </a:rPr>
+                            <m:t>𝑞</m:t>
+                          </m:r>
+                        </m:e>
+                        <m:sub>
+                          <m:r>
+                            <a:rPr lang="en-US" sz="1400" b="0" i="1" smtClean="0">
+                              <a:latin typeface="Cambria Math" panose="02040503050406030204" pitchFamily="18" charset="0"/>
+                            </a:rPr>
+                            <m:t>𝑎𝑏𝑠</m:t>
+                          </m:r>
+                          <m:r>
+                            <a:rPr lang="en-US" sz="1400" b="0" i="1" smtClean="0">
+                              <a:latin typeface="Cambria Math" panose="02040503050406030204" pitchFamily="18" charset="0"/>
+                            </a:rPr>
+                            <m:t>_</m:t>
+                          </m:r>
+                          <m:r>
+                            <a:rPr lang="en-US" sz="1400" b="0" i="1" smtClean="0">
+                              <a:latin typeface="Cambria Math" panose="02040503050406030204" pitchFamily="18" charset="0"/>
+                            </a:rPr>
+                            <m:t>𝑝</m:t>
+                          </m:r>
+                        </m:sub>
+                      </m:sSub>
+                    </m:oMath>
+                  </m:oMathPara>
+                </a14:m>
+                <a:endParaRPr lang="en-US" sz="1400" dirty="0"/>
+              </a:p>
+            </p:txBody>
+          </p:sp>
+        </mc:Choice>
+        <mc:Fallback xmlns="">
+          <p:sp>
+            <p:nvSpPr>
+              <p:cNvPr id="12" name="TextBox 11">
+                <a:extLst>
+                  <a:ext uri="{FF2B5EF4-FFF2-40B4-BE49-F238E27FC236}">
+                    <a16:creationId xmlns:a16="http://schemas.microsoft.com/office/drawing/2014/main" id="{A90C5514-8F81-EAA6-F285-FDAF3E04EBA7}"/>
+                  </a:ext>
+                </a:extLst>
+              </p:cNvPr>
+              <p:cNvSpPr txBox="1">
+                <a:spLocks noRot="1" noChangeAspect="1" noMove="1" noResize="1" noEditPoints="1" noAdjustHandles="1" noChangeArrowheads="1" noChangeShapeType="1" noTextEdit="1"/>
+              </p:cNvSpPr>
+              <p:nvPr/>
+            </p:nvSpPr>
+            <p:spPr>
+              <a:xfrm>
+                <a:off x="4501242" y="3333862"/>
+                <a:ext cx="783773" cy="324384"/>
+              </a:xfrm>
+              <a:prstGeom prst="rect">
+                <a:avLst/>
+              </a:prstGeom>
+              <a:blipFill>
+                <a:blip r:embed="rId4"/>
+                <a:stretch>
+                  <a:fillRect b="-7692"/>
+                </a:stretch>
+              </a:blipFill>
+            </p:spPr>
+            <p:txBody>
+              <a:bodyPr/>
+              <a:lstStyle/>
+              <a:p>
+                <a:r>
+                  <a:rPr lang="en-US">
+                    <a:noFill/>
+                  </a:rPr>
+                  <a:t> </a:t>
+                </a:r>
+              </a:p>
+            </p:txBody>
+          </p:sp>
+        </mc:Fallback>
+      </mc:AlternateContent>
+      <mc:AlternateContent xmlns:mc="http://schemas.openxmlformats.org/markup-compatibility/2006" xmlns:a14="http://schemas.microsoft.com/office/drawing/2010/main">
+        <mc:Choice Requires="a14">
+          <p:sp>
+            <p:nvSpPr>
+              <p:cNvPr id="13" name="TextBox 12">
+                <a:extLst>
+                  <a:ext uri="{FF2B5EF4-FFF2-40B4-BE49-F238E27FC236}">
+                    <a16:creationId xmlns:a16="http://schemas.microsoft.com/office/drawing/2014/main" id="{69E0F2DD-3320-AD5A-59A6-44872B048041}"/>
+                  </a:ext>
+                </a:extLst>
+              </p:cNvPr>
+              <p:cNvSpPr txBox="1"/>
+              <p:nvPr/>
+            </p:nvSpPr>
+            <p:spPr>
+              <a:xfrm>
+                <a:off x="4996543" y="3726169"/>
+                <a:ext cx="783773" cy="307777"/>
+              </a:xfrm>
+              <a:prstGeom prst="rect">
+                <a:avLst/>
+              </a:prstGeom>
+              <a:noFill/>
+            </p:spPr>
+            <p:txBody>
+              <a:bodyPr wrap="square" rtlCol="0">
+                <a:spAutoFit/>
+              </a:bodyPr>
+              <a:lstStyle/>
+              <a:p>
+                <a:pPr/>
+                <a14:m>
+                  <m:oMathPara xmlns:m="http://schemas.openxmlformats.org/officeDocument/2006/math">
+                    <m:oMathParaPr>
+                      <m:jc m:val="centerGroup"/>
+                    </m:oMathParaPr>
+                    <m:oMath xmlns:m="http://schemas.openxmlformats.org/officeDocument/2006/math">
+                      <m:sSub>
+                        <m:sSubPr>
+                          <m:ctrlPr>
+                            <a:rPr lang="en-US" sz="1400" i="1" smtClean="0">
+                              <a:latin typeface="Cambria Math" panose="02040503050406030204" pitchFamily="18" charset="0"/>
+                            </a:rPr>
+                          </m:ctrlPr>
+                        </m:sSubPr>
+                        <m:e>
+                          <m:r>
+                            <a:rPr lang="en-US" sz="1400" b="0" i="1" smtClean="0">
+                              <a:latin typeface="Cambria Math" panose="02040503050406030204" pitchFamily="18" charset="0"/>
+                            </a:rPr>
+                            <m:t>𝑞</m:t>
+                          </m:r>
+                        </m:e>
+                        <m:sub>
+                          <m:r>
+                            <a:rPr lang="en-US" sz="1400" b="0" i="1" smtClean="0">
+                              <a:latin typeface="Cambria Math" panose="02040503050406030204" pitchFamily="18" charset="0"/>
+                            </a:rPr>
+                            <m:t>𝑡𝑟𝑎𝑐𝑘</m:t>
+                          </m:r>
+                        </m:sub>
+                      </m:sSub>
+                    </m:oMath>
+                  </m:oMathPara>
+                </a14:m>
+                <a:endParaRPr lang="en-US" sz="1400" dirty="0"/>
+              </a:p>
+            </p:txBody>
+          </p:sp>
+        </mc:Choice>
+        <mc:Fallback xmlns="">
+          <p:sp>
+            <p:nvSpPr>
+              <p:cNvPr id="13" name="TextBox 12">
+                <a:extLst>
+                  <a:ext uri="{FF2B5EF4-FFF2-40B4-BE49-F238E27FC236}">
+                    <a16:creationId xmlns:a16="http://schemas.microsoft.com/office/drawing/2014/main" id="{69E0F2DD-3320-AD5A-59A6-44872B048041}"/>
+                  </a:ext>
+                </a:extLst>
+              </p:cNvPr>
+              <p:cNvSpPr txBox="1">
+                <a:spLocks noRot="1" noChangeAspect="1" noMove="1" noResize="1" noEditPoints="1" noAdjustHandles="1" noChangeArrowheads="1" noChangeShapeType="1" noTextEdit="1"/>
+              </p:cNvSpPr>
+              <p:nvPr/>
+            </p:nvSpPr>
+            <p:spPr>
+              <a:xfrm>
+                <a:off x="4996543" y="3726169"/>
+                <a:ext cx="783773" cy="307777"/>
+              </a:xfrm>
+              <a:prstGeom prst="rect">
+                <a:avLst/>
+              </a:prstGeom>
+              <a:blipFill>
+                <a:blip r:embed="rId5"/>
+                <a:stretch>
+                  <a:fillRect b="-4000"/>
+                </a:stretch>
+              </a:blipFill>
+            </p:spPr>
+            <p:txBody>
+              <a:bodyPr/>
+              <a:lstStyle/>
+              <a:p>
+                <a:r>
+                  <a:rPr lang="en-US">
+                    <a:noFill/>
+                  </a:rPr>
+                  <a:t> </a:t>
+                </a:r>
+              </a:p>
+            </p:txBody>
+          </p:sp>
+        </mc:Fallback>
+      </mc:AlternateContent>
+      <mc:AlternateContent xmlns:mc="http://schemas.openxmlformats.org/markup-compatibility/2006" xmlns:a14="http://schemas.microsoft.com/office/drawing/2010/main">
+        <mc:Choice Requires="a14">
+          <p:sp>
+            <p:nvSpPr>
+              <p:cNvPr id="14" name="TextBox 13">
+                <a:extLst>
+                  <a:ext uri="{FF2B5EF4-FFF2-40B4-BE49-F238E27FC236}">
+                    <a16:creationId xmlns:a16="http://schemas.microsoft.com/office/drawing/2014/main" id="{AEE85564-0B25-6DD6-6F75-70E1C9333F40}"/>
+                  </a:ext>
+                </a:extLst>
+              </p:cNvPr>
+              <p:cNvSpPr txBox="1"/>
+              <p:nvPr/>
+            </p:nvSpPr>
+            <p:spPr>
+              <a:xfrm>
+                <a:off x="5606143" y="4232938"/>
+                <a:ext cx="783773" cy="307777"/>
+              </a:xfrm>
+              <a:prstGeom prst="rect">
+                <a:avLst/>
+              </a:prstGeom>
+              <a:noFill/>
+            </p:spPr>
+            <p:txBody>
+              <a:bodyPr wrap="square" rtlCol="0">
+                <a:spAutoFit/>
+              </a:bodyPr>
+              <a:lstStyle/>
+              <a:p>
+                <a:pPr/>
+                <a14:m>
+                  <m:oMathPara xmlns:m="http://schemas.openxmlformats.org/officeDocument/2006/math">
+                    <m:oMathParaPr>
+                      <m:jc m:val="centerGroup"/>
+                    </m:oMathParaPr>
+                    <m:oMath xmlns:m="http://schemas.openxmlformats.org/officeDocument/2006/math">
+                      <m:sSub>
+                        <m:sSubPr>
+                          <m:ctrlPr>
+                            <a:rPr lang="en-US" sz="1400" i="1" smtClean="0">
+                              <a:latin typeface="Cambria Math" panose="02040503050406030204" pitchFamily="18" charset="0"/>
+                            </a:rPr>
+                          </m:ctrlPr>
+                        </m:sSubPr>
+                        <m:e>
+                          <m:r>
+                            <a:rPr lang="en-US" sz="1400" b="0" i="1" smtClean="0">
+                              <a:latin typeface="Cambria Math" panose="02040503050406030204" pitchFamily="18" charset="0"/>
+                            </a:rPr>
+                            <m:t>𝑞</m:t>
+                          </m:r>
+                        </m:e>
+                        <m:sub>
+                          <m:r>
+                            <a:rPr lang="en-US" sz="1400" b="0" i="1" smtClean="0">
+                              <a:latin typeface="Cambria Math" panose="02040503050406030204" pitchFamily="18" charset="0"/>
+                            </a:rPr>
+                            <m:t>𝑒𝑚𝑖𝑠𝑠𝑖𝑜𝑛𝑠</m:t>
+                          </m:r>
+                        </m:sub>
+                      </m:sSub>
+                    </m:oMath>
+                  </m:oMathPara>
+                </a14:m>
+                <a:endParaRPr lang="en-US" sz="1400" dirty="0"/>
+              </a:p>
+            </p:txBody>
+          </p:sp>
+        </mc:Choice>
+        <mc:Fallback xmlns="">
+          <p:sp>
+            <p:nvSpPr>
+              <p:cNvPr id="14" name="TextBox 13">
+                <a:extLst>
+                  <a:ext uri="{FF2B5EF4-FFF2-40B4-BE49-F238E27FC236}">
+                    <a16:creationId xmlns:a16="http://schemas.microsoft.com/office/drawing/2014/main" id="{AEE85564-0B25-6DD6-6F75-70E1C9333F40}"/>
+                  </a:ext>
+                </a:extLst>
+              </p:cNvPr>
+              <p:cNvSpPr txBox="1">
+                <a:spLocks noRot="1" noChangeAspect="1" noMove="1" noResize="1" noEditPoints="1" noAdjustHandles="1" noChangeArrowheads="1" noChangeShapeType="1" noTextEdit="1"/>
+              </p:cNvSpPr>
+              <p:nvPr/>
+            </p:nvSpPr>
+            <p:spPr>
+              <a:xfrm>
+                <a:off x="5606143" y="4232938"/>
+                <a:ext cx="783773" cy="307777"/>
+              </a:xfrm>
+              <a:prstGeom prst="rect">
+                <a:avLst/>
+              </a:prstGeom>
+              <a:blipFill>
+                <a:blip r:embed="rId6"/>
+                <a:stretch>
+                  <a:fillRect r="-9524" b="-4000"/>
+                </a:stretch>
+              </a:blipFill>
+            </p:spPr>
+            <p:txBody>
+              <a:bodyPr/>
+              <a:lstStyle/>
+              <a:p>
+                <a:r>
+                  <a:rPr lang="en-US">
+                    <a:noFill/>
+                  </a:rPr>
+                  <a:t> </a:t>
+                </a:r>
+              </a:p>
+            </p:txBody>
+          </p:sp>
+        </mc:Fallback>
+      </mc:AlternateContent>
       <p:cxnSp>
         <p:nvCxnSpPr>
-          <p:cNvPr id="12" name="Straight Arrow Connector 11">
-            <a:extLst>
-              <a:ext uri="{FF2B5EF4-FFF2-40B4-BE49-F238E27FC236}">
-                <a16:creationId xmlns:a16="http://schemas.microsoft.com/office/drawing/2014/main" id="{55196DBB-9806-2E4A-4CC9-08ACC8700AE9}"/>
-              </a:ext>
-            </a:extLst>
-          </p:cNvPr>
-          <p:cNvCxnSpPr/>
+          <p:cNvPr id="16" name="Straight Connector 15">
+            <a:extLst>
+              <a:ext uri="{FF2B5EF4-FFF2-40B4-BE49-F238E27FC236}">
+                <a16:creationId xmlns:a16="http://schemas.microsoft.com/office/drawing/2014/main" id="{66444D19-906D-37F1-4B7D-762637ADCCB9}"/>
+              </a:ext>
+            </a:extLst>
+          </p:cNvPr>
+          <p:cNvCxnSpPr>
+            <a:cxnSpLocks/>
+          </p:cNvCxnSpPr>
           <p:nvPr/>
         </p:nvCxnSpPr>
         <p:spPr>
           <a:xfrm>
-            <a:off x="10248181" y="3191774"/>
-            <a:ext cx="0" cy="439947"/>
+            <a:off x="6389916" y="4595584"/>
+            <a:ext cx="512080" cy="424606"/>
           </a:xfrm>
-          <a:prstGeom prst="straightConnector1">
+          <a:prstGeom prst="line">
             <a:avLst/>
           </a:prstGeom>
-          <a:ln>
+          <a:ln w="9525" cap="flat" cmpd="sng" algn="ctr">
             <a:solidFill>
-              <a:schemeClr val="accent4">
-                <a:lumMod val="60000"/>
-                <a:lumOff val="40000"/>
-              </a:schemeClr>
+              <a:schemeClr val="accent2"/>
             </a:solidFill>
-            <a:headEnd type="triangle"/>
-            <a:tailEnd type="triangle"/>
+            <a:prstDash val="dash"/>
+            <a:round/>
+            <a:headEnd type="none" w="med" len="med"/>
+            <a:tailEnd type="none" w="med" len="med"/>
           </a:ln>
         </p:spPr>
         <p:style>
-          <a:lnRef idx="1">
-            <a:schemeClr val="accent4"/>
+          <a:lnRef idx="0">
+            <a:scrgbClr r="0" g="0" b="0"/>
           </a:lnRef>
           <a:fillRef idx="0">
-            <a:schemeClr val="accent4"/>
+            <a:scrgbClr r="0" g="0" b="0"/>
           </a:fillRef>
           <a:effectRef idx="0">
-            <a:schemeClr val="accent4"/>
+            <a:scrgbClr r="0" g="0" b="0"/>
           </a:effectRef>
           <a:fontRef idx="minor">
             <a:schemeClr val="tx1"/>
           </a:fontRef>
         </p:style>
       </p:cxnSp>
-      <p:sp>
-        <p:nvSpPr>
-          <p:cNvPr id="13" name="TextBox 12">
-            <a:extLst>
-              <a:ext uri="{FF2B5EF4-FFF2-40B4-BE49-F238E27FC236}">
-                <a16:creationId xmlns:a16="http://schemas.microsoft.com/office/drawing/2014/main" id="{E290A30E-5C5D-3C01-EB7D-76E5E68039DF}"/>
+    </p:spTree>
+    <p:extLst>
+      <p:ext uri="{BB962C8B-B14F-4D97-AF65-F5344CB8AC3E}">
+        <p14:creationId xmlns:p14="http://schemas.microsoft.com/office/powerpoint/2010/main" val="2557625255"/>
+      </p:ext>
+    </p:extLst>
+  </p:cSld>
+  <p:clrMapOvr>
+    <a:masterClrMapping/>
+  </p:clrMapOvr>
+</p:sld>
+</file>
+
+<file path=ppt/slides/slide6.xml><?xml version="1.0" encoding="utf-8"?>
+<p:sld xmlns:a="http://schemas.openxmlformats.org/drawingml/2006/main" xmlns:r="http://schemas.openxmlformats.org/officeDocument/2006/relationships" xmlns:p="http://schemas.openxmlformats.org/presentationml/2006/main">
+  <p:cSld>
+    <p:spTree>
+      <p:nvGrpSpPr>
+        <p:cNvPr id="1" name=""/>
+        <p:cNvGrpSpPr/>
+        <p:nvPr/>
+      </p:nvGrpSpPr>
+      <p:grpSpPr>
+        <a:xfrm>
+          <a:off x="0" y="0"/>
+          <a:ext cx="0" cy="0"/>
+          <a:chOff x="0" y="0"/>
+          <a:chExt cx="0" cy="0"/>
+        </a:xfrm>
+      </p:grpSpPr>
+      <p:sp>
+        <p:nvSpPr>
+          <p:cNvPr id="2" name="Title 1">
+            <a:extLst>
+              <a:ext uri="{FF2B5EF4-FFF2-40B4-BE49-F238E27FC236}">
+                <a16:creationId xmlns:a16="http://schemas.microsoft.com/office/drawing/2014/main" id="{DCD48FC0-6336-6F77-FDAC-60D48A9B44A5}"/>
+              </a:ext>
+            </a:extLst>
+          </p:cNvPr>
+          <p:cNvSpPr>
+            <a:spLocks noGrp="1"/>
+          </p:cNvSpPr>
+          <p:nvPr>
+            <p:ph type="title"/>
+          </p:nvPr>
+        </p:nvSpPr>
+        <p:spPr>
+          <a:xfrm>
+            <a:off x="1066801" y="839912"/>
+            <a:ext cx="4637314" cy="1902897"/>
+          </a:xfrm>
+        </p:spPr>
+        <p:txBody>
+          <a:bodyPr>
+            <a:normAutofit fontScale="90000"/>
+          </a:bodyPr>
+          <a:lstStyle/>
+          <a:p>
+            <a:r>
+              <a:rPr lang="en-US" dirty="0"/>
+              <a:t>Consequences of minimizing emissions on power tracking performance (no temp tracking) </a:t>
+            </a:r>
+          </a:p>
+        </p:txBody>
+      </p:sp>
+      <p:pic>
+        <p:nvPicPr>
+          <p:cNvPr id="5" name="Content Placeholder 4" descr="Graphical user interface, website&#10;&#10;Description automatically generated with medium confidence">
+            <a:extLst>
+              <a:ext uri="{FF2B5EF4-FFF2-40B4-BE49-F238E27FC236}">
+                <a16:creationId xmlns:a16="http://schemas.microsoft.com/office/drawing/2014/main" id="{FA105F3A-48E4-EF7F-D62D-266E1BB831D9}"/>
+              </a:ext>
+            </a:extLst>
+          </p:cNvPr>
+          <p:cNvPicPr>
+            <a:picLocks noGrp="1" noChangeAspect="1"/>
+          </p:cNvPicPr>
+          <p:nvPr>
+            <p:ph idx="1"/>
+          </p:nvPr>
+        </p:nvPicPr>
+        <p:blipFill>
+          <a:blip r:embed="rId2"/>
+          <a:stretch>
+            <a:fillRect/>
+          </a:stretch>
+        </p:blipFill>
+        <p:spPr>
+          <a:xfrm>
+            <a:off x="5896117" y="685800"/>
+            <a:ext cx="5792491" cy="5715000"/>
+          </a:xfrm>
+        </p:spPr>
+      </p:pic>
+      <p:sp>
+        <p:nvSpPr>
+          <p:cNvPr id="7" name="TextBox 6">
+            <a:extLst>
+              <a:ext uri="{FF2B5EF4-FFF2-40B4-BE49-F238E27FC236}">
+                <a16:creationId xmlns:a16="http://schemas.microsoft.com/office/drawing/2014/main" id="{CEFA1AEA-2E78-6ECE-1229-51034F75907B}"/>
               </a:ext>
             </a:extLst>
           </p:cNvPr>
@@ -3696,8 +6104,8 @@
         </p:nvSpPr>
         <p:spPr>
           <a:xfrm>
-            <a:off x="10248181" y="3296331"/>
-            <a:ext cx="1361270" cy="230832"/>
+            <a:off x="1240565" y="3728967"/>
+            <a:ext cx="3776278" cy="2031325"/>
           </a:xfrm>
           <a:prstGeom prst="rect">
             <a:avLst/>
@@ -3705,36 +6113,134 @@
           <a:noFill/>
         </p:spPr>
         <p:txBody>
-          <a:bodyPr wrap="none" rtlCol="0">
+          <a:bodyPr wrap="square" rtlCol="0">
             <a:spAutoFit/>
           </a:bodyPr>
           <a:lstStyle/>
           <a:p>
             <a:r>
-              <a:rPr lang="en-US" sz="900" dirty="0">
-                <a:ln w="0"/>
-                <a:solidFill>
-                  <a:srgbClr val="FFC000"/>
-                </a:solidFill>
-                <a:effectLst>
-                  <a:outerShdw blurRad="38100" dist="19050" dir="2700000" algn="tl" rotWithShape="0">
-                    <a:schemeClr val="dk1">
-                      <a:alpha val="40000"/>
-                    </a:schemeClr>
-                  </a:outerShdw>
-                </a:effectLst>
-              </a:rPr>
-              <a:t>Tracking error increases </a:t>
-            </a:r>
-          </a:p>
-        </p:txBody>
-      </p:sp>
-      <p:sp>
-        <p:nvSpPr>
-          <p:cNvPr id="16" name="TextBox 15">
-            <a:extLst>
-              <a:ext uri="{FF2B5EF4-FFF2-40B4-BE49-F238E27FC236}">
-                <a16:creationId xmlns:a16="http://schemas.microsoft.com/office/drawing/2014/main" id="{F17C13B3-3E4C-367C-72CC-A190E9F2C675}"/>
+              <a:rPr lang="en-US" dirty="0"/>
+              <a:t>Temperature is comparable. </a:t>
+            </a:r>
+          </a:p>
+          <a:p>
+            <a:endParaRPr lang="en-US" dirty="0"/>
+          </a:p>
+          <a:p>
+            <a:endParaRPr lang="en-US" dirty="0"/>
+          </a:p>
+          <a:p>
+            <a:r>
+              <a:rPr lang="en-US" dirty="0"/>
+              <a:t>Emissions are lowered at the cost of tracking performance.</a:t>
+            </a:r>
+          </a:p>
+          <a:p>
+            <a:endParaRPr lang="en-US" dirty="0"/>
+          </a:p>
+          <a:p>
+            <a:endParaRPr lang="en-US" dirty="0"/>
+          </a:p>
+        </p:txBody>
+      </p:sp>
+    </p:spTree>
+    <p:extLst>
+      <p:ext uri="{BB962C8B-B14F-4D97-AF65-F5344CB8AC3E}">
+        <p14:creationId xmlns:p14="http://schemas.microsoft.com/office/powerpoint/2010/main" val="2254630022"/>
+      </p:ext>
+    </p:extLst>
+  </p:cSld>
+  <p:clrMapOvr>
+    <a:masterClrMapping/>
+  </p:clrMapOvr>
+</p:sld>
+</file>
+
+<file path=ppt/slides/slide7.xml><?xml version="1.0" encoding="utf-8"?>
+<p:sld xmlns:a="http://schemas.openxmlformats.org/drawingml/2006/main" xmlns:r="http://schemas.openxmlformats.org/officeDocument/2006/relationships" xmlns:p="http://schemas.openxmlformats.org/presentationml/2006/main">
+  <p:cSld>
+    <p:spTree>
+      <p:nvGrpSpPr>
+        <p:cNvPr id="1" name=""/>
+        <p:cNvGrpSpPr/>
+        <p:nvPr/>
+      </p:nvGrpSpPr>
+      <p:grpSpPr>
+        <a:xfrm>
+          <a:off x="0" y="0"/>
+          <a:ext cx="0" cy="0"/>
+          <a:chOff x="0" y="0"/>
+          <a:chExt cx="0" cy="0"/>
+        </a:xfrm>
+      </p:grpSpPr>
+      <p:sp>
+        <p:nvSpPr>
+          <p:cNvPr id="2" name="Title 1">
+            <a:extLst>
+              <a:ext uri="{FF2B5EF4-FFF2-40B4-BE49-F238E27FC236}">
+                <a16:creationId xmlns:a16="http://schemas.microsoft.com/office/drawing/2014/main" id="{1C5A284A-D687-14B7-F3AC-1C5EFB3689DD}"/>
+              </a:ext>
+            </a:extLst>
+          </p:cNvPr>
+          <p:cNvSpPr>
+            <a:spLocks noGrp="1"/>
+          </p:cNvSpPr>
+          <p:nvPr>
+            <p:ph type="title"/>
+          </p:nvPr>
+        </p:nvSpPr>
+        <p:spPr>
+          <a:xfrm>
+            <a:off x="838200" y="550182"/>
+            <a:ext cx="10515600" cy="1325563"/>
+          </a:xfrm>
+        </p:spPr>
+        <p:txBody>
+          <a:bodyPr/>
+          <a:lstStyle/>
+          <a:p>
+            <a:r>
+              <a:rPr lang="en-US" dirty="0"/>
+              <a:t>Varying Q</a:t>
+            </a:r>
+          </a:p>
+        </p:txBody>
+      </p:sp>
+      <p:pic>
+        <p:nvPicPr>
+          <p:cNvPr id="7" name="Picture 6">
+            <a:extLst>
+              <a:ext uri="{FF2B5EF4-FFF2-40B4-BE49-F238E27FC236}">
+                <a16:creationId xmlns:a16="http://schemas.microsoft.com/office/drawing/2014/main" id="{DC858F60-86C3-B12C-DD44-752C2297999D}"/>
+              </a:ext>
+            </a:extLst>
+          </p:cNvPr>
+          <p:cNvPicPr>
+            <a:picLocks noChangeAspect="1"/>
+          </p:cNvPicPr>
+          <p:nvPr/>
+        </p:nvPicPr>
+        <p:blipFill rotWithShape="1">
+          <a:blip r:embed="rId2"/>
+          <a:srcRect l="-952" r="1"/>
+          <a:stretch/>
+        </p:blipFill>
+        <p:spPr>
+          <a:xfrm>
+            <a:off x="5239266" y="456208"/>
+            <a:ext cx="6582620" cy="6401792"/>
+          </a:xfrm>
+          <a:prstGeom prst="rect">
+            <a:avLst/>
+          </a:prstGeom>
+        </p:spPr>
+      </p:pic>
+      <p:sp>
+        <p:nvSpPr>
+          <p:cNvPr id="8" name="TextBox 7">
+            <a:extLst>
+              <a:ext uri="{FF2B5EF4-FFF2-40B4-BE49-F238E27FC236}">
+                <a16:creationId xmlns:a16="http://schemas.microsoft.com/office/drawing/2014/main" id="{4D9F4554-497D-DE00-1A30-D6D05E27C611}"/>
               </a:ext>
             </a:extLst>
           </p:cNvPr>
@@ -3743,8 +6249,8 @@
         </p:nvSpPr>
         <p:spPr>
           <a:xfrm>
-            <a:off x="1030644" y="6057836"/>
-            <a:ext cx="4978414" cy="338554"/>
+            <a:off x="1099457" y="2307771"/>
+            <a:ext cx="3287054" cy="923330"/>
           </a:xfrm>
           <a:prstGeom prst="rect">
             <a:avLst/>
@@ -3758,30 +6264,24 @@
           <a:lstStyle/>
           <a:p>
             <a:r>
-              <a:rPr lang="en-US" sz="1600" dirty="0">
-                <a:ln w="0"/>
-                <a:solidFill>
-                  <a:srgbClr val="FFC000"/>
-                </a:solidFill>
-                <a:effectLst>
-                  <a:outerShdw blurRad="38100" dist="19050" dir="2700000" algn="tl" rotWithShape="0">
-                    <a:schemeClr val="dk1">
-                      <a:alpha val="40000"/>
-                    </a:schemeClr>
-                  </a:outerShdw>
-                </a:effectLst>
-              </a:rPr>
-              <a:t>Simulation without considering emissions in the objective</a:t>
-            </a:r>
-          </a:p>
-        </p:txBody>
-      </p:sp>
-      <p:sp>
-        <p:nvSpPr>
-          <p:cNvPr id="17" name="TextBox 16">
-            <a:extLst>
-              <a:ext uri="{FF2B5EF4-FFF2-40B4-BE49-F238E27FC236}">
-                <a16:creationId xmlns:a16="http://schemas.microsoft.com/office/drawing/2014/main" id="{203A9553-488E-9189-3EC4-B15996CFD376}"/>
+              <a:rPr lang="en-US" dirty="0"/>
+              <a:t>As Q increases, tracking worsens.</a:t>
+            </a:r>
+          </a:p>
+          <a:p>
+            <a:endParaRPr lang="en-US" dirty="0"/>
+          </a:p>
+          <a:p>
+            <a:endParaRPr lang="en-US" dirty="0"/>
+          </a:p>
+        </p:txBody>
+      </p:sp>
+      <p:sp>
+        <p:nvSpPr>
+          <p:cNvPr id="3" name="TextBox 2">
+            <a:extLst>
+              <a:ext uri="{FF2B5EF4-FFF2-40B4-BE49-F238E27FC236}">
+                <a16:creationId xmlns:a16="http://schemas.microsoft.com/office/drawing/2014/main" id="{09165B26-62AD-BA35-B627-4F92885262C4}"/>
               </a:ext>
             </a:extLst>
           </p:cNvPr>
@@ -3789,9 +6289,309 @@
           <p:nvPr/>
         </p:nvSpPr>
         <p:spPr>
+          <a:xfrm rot="16200000">
+            <a:off x="4955352" y="2496064"/>
+            <a:ext cx="716693" cy="600164"/>
+          </a:xfrm>
+          <a:prstGeom prst="rect">
+            <a:avLst/>
+          </a:prstGeom>
+          <a:solidFill>
+            <a:schemeClr val="bg1"/>
+          </a:solidFill>
+        </p:spPr>
+        <p:txBody>
+          <a:bodyPr wrap="square" rtlCol="0">
+            <a:spAutoFit/>
+          </a:bodyPr>
+          <a:lstStyle/>
+          <a:p>
+            <a:pPr algn="r"/>
+            <a:r>
+              <a:rPr lang="en-US" sz="1100" dirty="0"/>
+              <a:t>Power tracking error %</a:t>
+            </a:r>
+          </a:p>
+        </p:txBody>
+      </p:sp>
+      <p:sp>
+        <p:nvSpPr>
+          <p:cNvPr id="4" name="TextBox 3">
+            <a:extLst>
+              <a:ext uri="{FF2B5EF4-FFF2-40B4-BE49-F238E27FC236}">
+                <a16:creationId xmlns:a16="http://schemas.microsoft.com/office/drawing/2014/main" id="{B0C24C35-35A6-5A52-60DE-32F19BF592DD}"/>
+              </a:ext>
+            </a:extLst>
+          </p:cNvPr>
+          <p:cNvSpPr txBox="1"/>
+          <p:nvPr/>
+        </p:nvSpPr>
+        <p:spPr>
+          <a:xfrm rot="16200000">
+            <a:off x="4874268" y="4193271"/>
+            <a:ext cx="1333945" cy="261610"/>
+          </a:xfrm>
+          <a:prstGeom prst="rect">
+            <a:avLst/>
+          </a:prstGeom>
+          <a:solidFill>
+            <a:schemeClr val="bg1"/>
+          </a:solidFill>
+        </p:spPr>
+        <p:txBody>
+          <a:bodyPr wrap="square" rtlCol="0">
+            <a:spAutoFit/>
+          </a:bodyPr>
+          <a:lstStyle/>
+          <a:p>
+            <a:pPr algn="r"/>
+            <a:r>
+              <a:rPr lang="en-US" sz="1100" dirty="0"/>
+              <a:t>Temperature (C)</a:t>
+            </a:r>
+          </a:p>
+        </p:txBody>
+      </p:sp>
+      <p:sp>
+        <p:nvSpPr>
+          <p:cNvPr id="5" name="TextBox 4">
+            <a:extLst>
+              <a:ext uri="{FF2B5EF4-FFF2-40B4-BE49-F238E27FC236}">
+                <a16:creationId xmlns:a16="http://schemas.microsoft.com/office/drawing/2014/main" id="{495FD765-D453-B363-3C62-7BEFB3250699}"/>
+              </a:ext>
+            </a:extLst>
+          </p:cNvPr>
+          <p:cNvSpPr txBox="1"/>
+          <p:nvPr/>
+        </p:nvSpPr>
+        <p:spPr>
+          <a:xfrm rot="16200000">
+            <a:off x="4244336" y="5615640"/>
+            <a:ext cx="2223109" cy="261610"/>
+          </a:xfrm>
+          <a:prstGeom prst="rect">
+            <a:avLst/>
+          </a:prstGeom>
+          <a:solidFill>
+            <a:schemeClr val="bg1"/>
+          </a:solidFill>
+        </p:spPr>
+        <p:txBody>
+          <a:bodyPr wrap="square" rtlCol="0">
+            <a:spAutoFit/>
+          </a:bodyPr>
+          <a:lstStyle/>
+          <a:p>
+            <a:pPr algn="r"/>
+            <a:r>
+              <a:rPr lang="en-US" sz="1100" dirty="0"/>
+              <a:t>Emission rate (kg of CO2 /MWh)</a:t>
+            </a:r>
+          </a:p>
+        </p:txBody>
+      </p:sp>
+      <p:sp>
+        <p:nvSpPr>
+          <p:cNvPr id="9" name="TextBox 8">
+            <a:extLst>
+              <a:ext uri="{FF2B5EF4-FFF2-40B4-BE49-F238E27FC236}">
+                <a16:creationId xmlns:a16="http://schemas.microsoft.com/office/drawing/2014/main" id="{EA95A008-6298-E1B7-75AE-EC156FDAE239}"/>
+              </a:ext>
+            </a:extLst>
+          </p:cNvPr>
+          <p:cNvSpPr txBox="1"/>
+          <p:nvPr/>
+        </p:nvSpPr>
+        <p:spPr>
+          <a:xfrm rot="16200000">
+            <a:off x="4504055" y="1346423"/>
+            <a:ext cx="1812761" cy="261610"/>
+          </a:xfrm>
+          <a:prstGeom prst="rect">
+            <a:avLst/>
+          </a:prstGeom>
+          <a:solidFill>
+            <a:schemeClr val="bg1"/>
+          </a:solidFill>
+        </p:spPr>
+        <p:txBody>
+          <a:bodyPr wrap="square" rtlCol="0">
+            <a:spAutoFit/>
+          </a:bodyPr>
+          <a:lstStyle/>
+          <a:p>
+            <a:pPr algn="r"/>
+            <a:r>
+              <a:rPr lang="en-US" sz="1100" dirty="0"/>
+              <a:t>Emissions (kg of CO2)</a:t>
+            </a:r>
+          </a:p>
+        </p:txBody>
+      </p:sp>
+    </p:spTree>
+    <p:extLst>
+      <p:ext uri="{BB962C8B-B14F-4D97-AF65-F5344CB8AC3E}">
+        <p14:creationId xmlns:p14="http://schemas.microsoft.com/office/powerpoint/2010/main" val="1954415319"/>
+      </p:ext>
+    </p:extLst>
+  </p:cSld>
+  <p:clrMapOvr>
+    <a:masterClrMapping/>
+  </p:clrMapOvr>
+</p:sld>
+</file>
+
+<file path=ppt/slides/slide8.xml><?xml version="1.0" encoding="utf-8"?>
+<p:sld xmlns:a="http://schemas.openxmlformats.org/drawingml/2006/main" xmlns:r="http://schemas.openxmlformats.org/officeDocument/2006/relationships" xmlns:p="http://schemas.openxmlformats.org/presentationml/2006/main">
+  <p:cSld>
+    <p:spTree>
+      <p:nvGrpSpPr>
+        <p:cNvPr id="1" name=""/>
+        <p:cNvGrpSpPr/>
+        <p:nvPr/>
+      </p:nvGrpSpPr>
+      <p:grpSpPr>
+        <a:xfrm>
+          <a:off x="0" y="0"/>
+          <a:ext cx="0" cy="0"/>
+          <a:chOff x="0" y="0"/>
+          <a:chExt cx="0" cy="0"/>
+        </a:xfrm>
+      </p:grpSpPr>
+      <p:sp>
+        <p:nvSpPr>
+          <p:cNvPr id="2" name="Title 1">
+            <a:extLst>
+              <a:ext uri="{FF2B5EF4-FFF2-40B4-BE49-F238E27FC236}">
+                <a16:creationId xmlns:a16="http://schemas.microsoft.com/office/drawing/2014/main" id="{6FF9942D-C30E-88FF-64E3-9DFD0FCA8D4E}"/>
+              </a:ext>
+            </a:extLst>
+          </p:cNvPr>
+          <p:cNvSpPr>
+            <a:spLocks noGrp="1"/>
+          </p:cNvSpPr>
+          <p:nvPr>
+            <p:ph type="title"/>
+          </p:nvPr>
+        </p:nvSpPr>
+        <p:spPr>
           <a:xfrm>
-            <a:off x="7001954" y="6016577"/>
-            <a:ext cx="4276299" cy="338554"/>
+            <a:off x="492211" y="414552"/>
+            <a:ext cx="10515600" cy="1325563"/>
+          </a:xfrm>
+        </p:spPr>
+        <p:txBody>
+          <a:bodyPr/>
+          <a:lstStyle/>
+          <a:p>
+            <a:r>
+              <a:rPr lang="en-US" dirty="0"/>
+              <a:t>Temperature Tracking</a:t>
+            </a:r>
+          </a:p>
+        </p:txBody>
+      </p:sp>
+      <p:pic>
+        <p:nvPicPr>
+          <p:cNvPr id="4" name="Picture 3">
+            <a:extLst>
+              <a:ext uri="{FF2B5EF4-FFF2-40B4-BE49-F238E27FC236}">
+                <a16:creationId xmlns:a16="http://schemas.microsoft.com/office/drawing/2014/main" id="{9263D9BF-FF64-2C98-DC4A-6474510364FA}"/>
+              </a:ext>
+            </a:extLst>
+          </p:cNvPr>
+          <p:cNvPicPr>
+            <a:picLocks noChangeAspect="1"/>
+          </p:cNvPicPr>
+          <p:nvPr/>
+        </p:nvPicPr>
+        <p:blipFill>
+          <a:blip r:embed="rId2"/>
+          <a:stretch>
+            <a:fillRect/>
+          </a:stretch>
+        </p:blipFill>
+        <p:spPr>
+          <a:xfrm>
+            <a:off x="5272944" y="2100648"/>
+            <a:ext cx="6411394" cy="3998971"/>
+          </a:xfrm>
+          <a:prstGeom prst="rect">
+            <a:avLst/>
+          </a:prstGeom>
+        </p:spPr>
+      </p:pic>
+      <p:sp>
+        <p:nvSpPr>
+          <p:cNvPr id="3" name="Content Placeholder 2">
+            <a:extLst>
+              <a:ext uri="{FF2B5EF4-FFF2-40B4-BE49-F238E27FC236}">
+                <a16:creationId xmlns:a16="http://schemas.microsoft.com/office/drawing/2014/main" id="{4FFF4AC9-38E6-7B0B-A766-F977150C194D}"/>
+              </a:ext>
+            </a:extLst>
+          </p:cNvPr>
+          <p:cNvSpPr>
+            <a:spLocks noGrp="1"/>
+          </p:cNvSpPr>
+          <p:nvPr>
+            <p:ph idx="1"/>
+          </p:nvPr>
+        </p:nvSpPr>
+        <p:spPr>
+          <a:xfrm>
+            <a:off x="366463" y="2290579"/>
+            <a:ext cx="5141259" cy="4351338"/>
+          </a:xfrm>
+        </p:spPr>
+        <p:txBody>
+          <a:bodyPr>
+            <a:normAutofit/>
+          </a:bodyPr>
+          <a:lstStyle/>
+          <a:p>
+            <a:r>
+              <a:rPr lang="en-US" dirty="0"/>
+              <a:t>Terms </a:t>
+            </a:r>
+            <a:r>
+              <a:rPr lang="en-US" dirty="0" err="1"/>
+              <a:t>wrt</a:t>
+            </a:r>
+            <a:r>
+              <a:rPr lang="en-US" dirty="0"/>
+              <a:t> emissions and power tracking  set to 0</a:t>
+            </a:r>
+          </a:p>
+          <a:p>
+            <a:r>
+              <a:rPr lang="en-US" dirty="0"/>
+              <a:t>The sweet spot is 1e8 – 1e9</a:t>
+            </a:r>
+          </a:p>
+          <a:p>
+            <a:r>
+              <a:rPr lang="en-US" dirty="0"/>
+              <a:t>Reference temperature : 21.65</a:t>
+            </a:r>
+          </a:p>
+        </p:txBody>
+      </p:sp>
+      <p:sp>
+        <p:nvSpPr>
+          <p:cNvPr id="5" name="TextBox 4">
+            <a:extLst>
+              <a:ext uri="{FF2B5EF4-FFF2-40B4-BE49-F238E27FC236}">
+                <a16:creationId xmlns:a16="http://schemas.microsoft.com/office/drawing/2014/main" id="{58C66A5F-9B65-51BC-0F9D-528D36933653}"/>
+              </a:ext>
+            </a:extLst>
+          </p:cNvPr>
+          <p:cNvSpPr txBox="1"/>
+          <p:nvPr/>
+        </p:nvSpPr>
+        <p:spPr>
+          <a:xfrm rot="15996195">
+            <a:off x="11326924" y="3915467"/>
+            <a:ext cx="997225" cy="369332"/>
           </a:xfrm>
           <a:prstGeom prst="rect">
             <a:avLst/>
@@ -3799,34 +6599,533 @@
           <a:noFill/>
         </p:spPr>
         <p:txBody>
-          <a:bodyPr wrap="none" rtlCol="0">
+          <a:bodyPr wrap="square" rtlCol="0">
             <a:spAutoFit/>
           </a:bodyPr>
           <a:lstStyle/>
           <a:p>
             <a:r>
-              <a:rPr lang="en-US" sz="1600" dirty="0">
-                <a:ln w="0"/>
-                <a:solidFill>
-                  <a:srgbClr val="FFC000"/>
-                </a:solidFill>
-                <a:effectLst>
-                  <a:outerShdw blurRad="38100" dist="19050" dir="2700000" algn="tl" rotWithShape="0">
-                    <a:schemeClr val="dk1">
-                      <a:alpha val="40000"/>
-                    </a:schemeClr>
-                  </a:outerShdw>
-                </a:effectLst>
-              </a:rPr>
-              <a:t>Simulation considering emissions in the objective</a:t>
-            </a:r>
+              <a:rPr lang="en-US" dirty="0" err="1"/>
+              <a:t>Q_temp</a:t>
+            </a:r>
+            <a:endParaRPr lang="en-US" dirty="0"/>
           </a:p>
         </p:txBody>
       </p:sp>
     </p:spTree>
     <p:extLst>
       <p:ext uri="{BB962C8B-B14F-4D97-AF65-F5344CB8AC3E}">
-        <p14:creationId xmlns:p14="http://schemas.microsoft.com/office/powerpoint/2010/main" val="562060005"/>
+        <p14:creationId xmlns:p14="http://schemas.microsoft.com/office/powerpoint/2010/main" val="305140671"/>
+      </p:ext>
+    </p:extLst>
+  </p:cSld>
+  <p:clrMapOvr>
+    <a:masterClrMapping/>
+  </p:clrMapOvr>
+</p:sld>
+</file>
+
+<file path=ppt/slides/slide9.xml><?xml version="1.0" encoding="utf-8"?>
+<p:sld xmlns:a="http://schemas.openxmlformats.org/drawingml/2006/main" xmlns:r="http://schemas.openxmlformats.org/officeDocument/2006/relationships" xmlns:p="http://schemas.openxmlformats.org/presentationml/2006/main">
+  <p:cSld>
+    <p:bg>
+      <p:bgPr>
+        <a:solidFill>
+          <a:schemeClr val="bg1"/>
+        </a:solidFill>
+        <a:effectLst/>
+      </p:bgPr>
+    </p:bg>
+    <p:spTree>
+      <p:nvGrpSpPr>
+        <p:cNvPr id="1" name=""/>
+        <p:cNvGrpSpPr/>
+        <p:nvPr/>
+      </p:nvGrpSpPr>
+      <p:grpSpPr>
+        <a:xfrm>
+          <a:off x="0" y="0"/>
+          <a:ext cx="0" cy="0"/>
+          <a:chOff x="0" y="0"/>
+          <a:chExt cx="0" cy="0"/>
+        </a:xfrm>
+      </p:grpSpPr>
+      <p:sp useBgFill="1">
+        <p:nvSpPr>
+          <p:cNvPr id="24" name="Rectangle 23">
+            <a:extLst>
+              <a:ext uri="{FF2B5EF4-FFF2-40B4-BE49-F238E27FC236}">
+                <a16:creationId xmlns:a16="http://schemas.microsoft.com/office/drawing/2014/main" id="{6EFC920F-B85A-4068-BD93-41064EDE93D3}"/>
+              </a:ext>
+              <a:ext uri="{C183D7F6-B498-43B3-948B-1728B52AA6E4}">
+                <adec:decorative xmlns:adec="http://schemas.microsoft.com/office/drawing/2017/decorative" val="1"/>
+              </a:ext>
+            </a:extLst>
+          </p:cNvPr>
+          <p:cNvSpPr>
+            <a:spLocks noGrp="1" noRot="1" noChangeAspect="1" noMove="1" noResize="1" noEditPoints="1" noAdjustHandles="1" noChangeArrowheads="1" noChangeShapeType="1" noTextEdit="1"/>
+          </p:cNvSpPr>
+          <p:nvPr>
+            <p:extLst>
+              <p:ext uri="{386F3935-93C4-4BCD-93E2-E3B085C9AB24}">
+                <p16:designElem xmlns:p16="http://schemas.microsoft.com/office/powerpoint/2015/main" val="1"/>
+              </p:ext>
+            </p:extLst>
+          </p:nvPr>
+        </p:nvSpPr>
+        <p:spPr>
+          <a:xfrm>
+            <a:off x="0" y="0"/>
+            <a:ext cx="12191999" cy="6857365"/>
+          </a:xfrm>
+          <a:prstGeom prst="rect">
+            <a:avLst/>
+          </a:prstGeom>
+          <a:ln>
+            <a:noFill/>
+          </a:ln>
+        </p:spPr>
+        <p:style>
+          <a:lnRef idx="2">
+            <a:schemeClr val="accent1">
+              <a:shade val="50000"/>
+            </a:schemeClr>
+          </a:lnRef>
+          <a:fillRef idx="1">
+            <a:schemeClr val="accent1"/>
+          </a:fillRef>
+          <a:effectRef idx="0">
+            <a:schemeClr val="accent1"/>
+          </a:effectRef>
+          <a:fontRef idx="minor">
+            <a:schemeClr val="lt1"/>
+          </a:fontRef>
+        </p:style>
+        <p:txBody>
+          <a:bodyPr rtlCol="0" anchor="ctr"/>
+          <a:lstStyle/>
+          <a:p>
+            <a:pPr algn="ctr"/>
+            <a:endParaRPr lang="en-US"/>
+          </a:p>
+        </p:txBody>
+      </p:sp>
+      <p:grpSp>
+        <p:nvGrpSpPr>
+          <p:cNvPr id="26" name="Group 25">
+            <a:extLst>
+              <a:ext uri="{FF2B5EF4-FFF2-40B4-BE49-F238E27FC236}">
+                <a16:creationId xmlns:a16="http://schemas.microsoft.com/office/drawing/2014/main" id="{1C559108-BBAE-426C-8564-051D2BA6DDC8}"/>
+              </a:ext>
+              <a:ext uri="{C183D7F6-B498-43B3-948B-1728B52AA6E4}">
+                <adec:decorative xmlns:adec="http://schemas.microsoft.com/office/drawing/2017/decorative" val="1"/>
+              </a:ext>
+            </a:extLst>
+          </p:cNvPr>
+          <p:cNvGrpSpPr>
+            <a:grpSpLocks noGrp="1" noUngrp="1" noRot="1" noChangeAspect="1" noMove="1" noResize="1"/>
+          </p:cNvGrpSpPr>
+          <p:nvPr>
+            <p:extLst>
+              <p:ext uri="{386F3935-93C4-4BCD-93E2-E3B085C9AB24}">
+                <p16:designElem xmlns:p16="http://schemas.microsoft.com/office/powerpoint/2015/main" val="1"/>
+              </p:ext>
+            </p:extLst>
+          </p:nvPr>
+        </p:nvGrpSpPr>
+        <p:grpSpPr>
+          <a:xfrm rot="5400000">
+            <a:off x="-2340441" y="2666183"/>
+            <a:ext cx="5860051" cy="527712"/>
+            <a:chOff x="6081624" y="1998368"/>
+            <a:chExt cx="5613457" cy="782175"/>
+          </a:xfrm>
+          <a:solidFill>
+            <a:schemeClr val="accent4"/>
+          </a:solidFill>
+        </p:grpSpPr>
+        <p:sp>
+          <p:nvSpPr>
+            <p:cNvPr id="27" name="Rectangle 26">
+              <a:extLst>
+                <a:ext uri="{FF2B5EF4-FFF2-40B4-BE49-F238E27FC236}">
+                  <a16:creationId xmlns:a16="http://schemas.microsoft.com/office/drawing/2014/main" id="{42BC35EE-6650-42D2-AEFB-4B7CD1AFC9BD}"/>
+                </a:ext>
+                <a:ext uri="{C183D7F6-B498-43B3-948B-1728B52AA6E4}">
+                  <adec:decorative xmlns:adec="http://schemas.microsoft.com/office/drawing/2017/decorative" val="1"/>
+                </a:ext>
+              </a:extLst>
+            </p:cNvPr>
+            <p:cNvSpPr/>
+            <p:nvPr>
+              <p:extLst>
+                <p:ext uri="{386F3935-93C4-4BCD-93E2-E3B085C9AB24}">
+                  <p16:designElem xmlns:p16="http://schemas.microsoft.com/office/powerpoint/2015/main" val="1"/>
+                </p:ext>
+              </p:extLst>
+            </p:nvPr>
+          </p:nvSpPr>
+          <p:spPr>
+            <a:xfrm rot="5400000">
+              <a:off x="11228040" y="2313027"/>
+              <a:ext cx="781700" cy="152382"/>
+            </a:xfrm>
+            <a:prstGeom prst="rect">
+              <a:avLst/>
+            </a:prstGeom>
+            <a:grpFill/>
+            <a:ln>
+              <a:noFill/>
+            </a:ln>
+          </p:spPr>
+          <p:style>
+            <a:lnRef idx="2">
+              <a:schemeClr val="accent1">
+                <a:shade val="50000"/>
+              </a:schemeClr>
+            </a:lnRef>
+            <a:fillRef idx="1">
+              <a:schemeClr val="accent1"/>
+            </a:fillRef>
+            <a:effectRef idx="0">
+              <a:schemeClr val="accent1"/>
+            </a:effectRef>
+            <a:fontRef idx="minor">
+              <a:schemeClr val="lt1"/>
+            </a:fontRef>
+          </p:style>
+          <p:txBody>
+            <a:bodyPr rtlCol="0" anchor="ctr"/>
+            <a:lstStyle/>
+            <a:p>
+              <a:pPr algn="ctr"/>
+              <a:endParaRPr lang="en-US"/>
+            </a:p>
+          </p:txBody>
+        </p:sp>
+        <p:sp>
+          <p:nvSpPr>
+            <p:cNvPr id="28" name="Rectangle 27">
+              <a:extLst>
+                <a:ext uri="{FF2B5EF4-FFF2-40B4-BE49-F238E27FC236}">
+                  <a16:creationId xmlns:a16="http://schemas.microsoft.com/office/drawing/2014/main" id="{0952C743-9049-4DFB-878B-2AB07B6E4FD1}"/>
+                </a:ext>
+                <a:ext uri="{C183D7F6-B498-43B3-948B-1728B52AA6E4}">
+                  <adec:decorative xmlns:adec="http://schemas.microsoft.com/office/drawing/2017/decorative" val="1"/>
+                </a:ext>
+              </a:extLst>
+            </p:cNvPr>
+            <p:cNvSpPr/>
+            <p:nvPr>
+              <p:extLst>
+                <p:ext uri="{386F3935-93C4-4BCD-93E2-E3B085C9AB24}">
+                  <p16:designElem xmlns:p16="http://schemas.microsoft.com/office/powerpoint/2015/main" val="1"/>
+                </p:ext>
+              </p:extLst>
+            </p:nvPr>
+          </p:nvSpPr>
+          <p:spPr>
+            <a:xfrm flipH="1" flipV="1">
+              <a:off x="6081624" y="1998844"/>
+              <a:ext cx="5372968" cy="781699"/>
+            </a:xfrm>
+            <a:prstGeom prst="rect">
+              <a:avLst/>
+            </a:prstGeom>
+            <a:grpFill/>
+            <a:ln>
+              <a:noFill/>
+            </a:ln>
+          </p:spPr>
+          <p:style>
+            <a:lnRef idx="2">
+              <a:schemeClr val="accent1">
+                <a:shade val="50000"/>
+              </a:schemeClr>
+            </a:lnRef>
+            <a:fillRef idx="1">
+              <a:schemeClr val="accent1"/>
+            </a:fillRef>
+            <a:effectRef idx="0">
+              <a:schemeClr val="accent1"/>
+            </a:effectRef>
+            <a:fontRef idx="minor">
+              <a:schemeClr val="lt1"/>
+            </a:fontRef>
+          </p:style>
+          <p:txBody>
+            <a:bodyPr rtlCol="0" anchor="ctr"/>
+            <a:lstStyle/>
+            <a:p>
+              <a:pPr algn="ctr"/>
+              <a:endParaRPr lang="en-US"/>
+            </a:p>
+          </p:txBody>
+        </p:sp>
+      </p:grpSp>
+      <p:sp>
+        <p:nvSpPr>
+          <p:cNvPr id="30" name="Rectangle 29">
+            <a:extLst>
+              <a:ext uri="{FF2B5EF4-FFF2-40B4-BE49-F238E27FC236}">
+                <a16:creationId xmlns:a16="http://schemas.microsoft.com/office/drawing/2014/main" id="{CBC4F608-B4B8-48C3-9572-C0F061B1CD99}"/>
+              </a:ext>
+              <a:ext uri="{C183D7F6-B498-43B3-948B-1728B52AA6E4}">
+                <adec:decorative xmlns:adec="http://schemas.microsoft.com/office/drawing/2017/decorative" val="1"/>
+              </a:ext>
+            </a:extLst>
+          </p:cNvPr>
+          <p:cNvSpPr>
+            <a:spLocks noGrp="1" noRot="1" noChangeAspect="1" noMove="1" noResize="1" noEditPoints="1" noAdjustHandles="1" noChangeArrowheads="1" noChangeShapeType="1" noTextEdit="1"/>
+          </p:cNvSpPr>
+          <p:nvPr>
+            <p:extLst>
+              <p:ext uri="{386F3935-93C4-4BCD-93E2-E3B085C9AB24}">
+                <p16:designElem xmlns:p16="http://schemas.microsoft.com/office/powerpoint/2015/main" val="1"/>
+              </p:ext>
+            </p:extLst>
+          </p:nvPr>
+        </p:nvSpPr>
+        <p:spPr>
+          <a:xfrm>
+            <a:off x="579528" y="922919"/>
+            <a:ext cx="11111729" cy="5461252"/>
+          </a:xfrm>
+          <a:prstGeom prst="rect">
+            <a:avLst/>
+          </a:prstGeom>
+          <a:solidFill>
+            <a:schemeClr val="bg1"/>
+          </a:solidFill>
+          <a:ln>
+            <a:noFill/>
+          </a:ln>
+          <a:effectLst>
+            <a:outerShdw blurRad="139700" dist="127000" dir="5400000" algn="t" rotWithShape="0">
+              <a:prstClr val="black">
+                <a:alpha val="15000"/>
+              </a:prstClr>
+            </a:outerShdw>
+          </a:effectLst>
+        </p:spPr>
+        <p:style>
+          <a:lnRef idx="2">
+            <a:schemeClr val="accent1">
+              <a:shade val="50000"/>
+            </a:schemeClr>
+          </a:lnRef>
+          <a:fillRef idx="1">
+            <a:schemeClr val="accent1"/>
+          </a:fillRef>
+          <a:effectRef idx="0">
+            <a:schemeClr val="accent1"/>
+          </a:effectRef>
+          <a:fontRef idx="minor">
+            <a:schemeClr val="lt1"/>
+          </a:fontRef>
+        </p:style>
+        <p:txBody>
+          <a:bodyPr rtlCol="0" anchor="ctr"/>
+          <a:lstStyle/>
+          <a:p>
+            <a:pPr algn="ctr"/>
+            <a:endParaRPr lang="en-US"/>
+          </a:p>
+        </p:txBody>
+      </p:sp>
+      <p:sp>
+        <p:nvSpPr>
+          <p:cNvPr id="2" name="Title 1">
+            <a:extLst>
+              <a:ext uri="{FF2B5EF4-FFF2-40B4-BE49-F238E27FC236}">
+                <a16:creationId xmlns:a16="http://schemas.microsoft.com/office/drawing/2014/main" id="{450D767E-8B00-1A8C-2D2C-9345E90E494A}"/>
+              </a:ext>
+            </a:extLst>
+          </p:cNvPr>
+          <p:cNvSpPr>
+            <a:spLocks noGrp="1"/>
+          </p:cNvSpPr>
+          <p:nvPr>
+            <p:ph type="title"/>
+          </p:nvPr>
+        </p:nvSpPr>
+        <p:spPr>
+          <a:xfrm>
+            <a:off x="1099425" y="1238081"/>
+            <a:ext cx="4709345" cy="962953"/>
+          </a:xfrm>
+        </p:spPr>
+        <p:txBody>
+          <a:bodyPr anchor="b">
+            <a:normAutofit/>
+          </a:bodyPr>
+          <a:lstStyle/>
+          <a:p>
+            <a:r>
+              <a:rPr lang="en-US" sz="3800"/>
+              <a:t>Temperature tracking </a:t>
+            </a:r>
+          </a:p>
+        </p:txBody>
+      </p:sp>
+      <p:sp>
+        <p:nvSpPr>
+          <p:cNvPr id="32" name="Rectangle 31">
+            <a:extLst>
+              <a:ext uri="{FF2B5EF4-FFF2-40B4-BE49-F238E27FC236}">
+                <a16:creationId xmlns:a16="http://schemas.microsoft.com/office/drawing/2014/main" id="{1382A32C-5B0C-4B1C-A074-76C6DBCC9F87}"/>
+              </a:ext>
+              <a:ext uri="{C183D7F6-B498-43B3-948B-1728B52AA6E4}">
+                <adec:decorative xmlns:adec="http://schemas.microsoft.com/office/drawing/2017/decorative" val="1"/>
+              </a:ext>
+            </a:extLst>
+          </p:cNvPr>
+          <p:cNvSpPr>
+            <a:spLocks noGrp="1" noRot="1" noChangeAspect="1" noMove="1" noResize="1" noEditPoints="1" noAdjustHandles="1" noChangeArrowheads="1" noChangeShapeType="1" noTextEdit="1"/>
+          </p:cNvSpPr>
+          <p:nvPr>
+            <p:extLst>
+              <p:ext uri="{386F3935-93C4-4BCD-93E2-E3B085C9AB24}">
+                <p16:designElem xmlns:p16="http://schemas.microsoft.com/office/powerpoint/2015/main" val="1"/>
+              </p:ext>
+            </p:extLst>
+          </p:nvPr>
+        </p:nvSpPr>
+        <p:spPr>
+          <a:xfrm flipH="1">
+            <a:off x="1139885" y="2372170"/>
+            <a:ext cx="4389120" cy="27432"/>
+          </a:xfrm>
+          <a:prstGeom prst="rect">
+            <a:avLst/>
+          </a:prstGeom>
+          <a:solidFill>
+            <a:schemeClr val="accent4"/>
+          </a:solidFill>
+          <a:ln>
+            <a:noFill/>
+          </a:ln>
+        </p:spPr>
+        <p:style>
+          <a:lnRef idx="2">
+            <a:schemeClr val="accent1">
+              <a:shade val="50000"/>
+            </a:schemeClr>
+          </a:lnRef>
+          <a:fillRef idx="1">
+            <a:schemeClr val="accent1"/>
+          </a:fillRef>
+          <a:effectRef idx="0">
+            <a:schemeClr val="accent1"/>
+          </a:effectRef>
+          <a:fontRef idx="minor">
+            <a:schemeClr val="lt1"/>
+          </a:fontRef>
+        </p:style>
+        <p:txBody>
+          <a:bodyPr rtlCol="0" anchor="ctr"/>
+          <a:lstStyle/>
+          <a:p>
+            <a:pPr algn="ctr"/>
+            <a:endParaRPr lang="en-US"/>
+          </a:p>
+        </p:txBody>
+      </p:sp>
+      <p:sp>
+        <p:nvSpPr>
+          <p:cNvPr id="3" name="Content Placeholder 2">
+            <a:extLst>
+              <a:ext uri="{FF2B5EF4-FFF2-40B4-BE49-F238E27FC236}">
+                <a16:creationId xmlns:a16="http://schemas.microsoft.com/office/drawing/2014/main" id="{E4BD9E0C-6E48-1B55-C2FF-D621445641A1}"/>
+              </a:ext>
+            </a:extLst>
+          </p:cNvPr>
+          <p:cNvSpPr>
+            <a:spLocks noGrp="1"/>
+          </p:cNvSpPr>
+          <p:nvPr>
+            <p:ph idx="1"/>
+          </p:nvPr>
+        </p:nvSpPr>
+        <p:spPr>
+          <a:xfrm>
+            <a:off x="1100736" y="2508105"/>
+            <a:ext cx="4709345" cy="3632493"/>
+          </a:xfrm>
+        </p:spPr>
+        <p:txBody>
+          <a:bodyPr anchor="ctr">
+            <a:normAutofit/>
+          </a:bodyPr>
+          <a:lstStyle/>
+          <a:p>
+            <a:r>
+              <a:rPr lang="en-US" sz="2000"/>
+              <a:t>Set Q wrt emissions and power to 0</a:t>
+            </a:r>
+          </a:p>
+          <a:p>
+            <a:r>
+              <a:rPr lang="en-US" sz="2000"/>
+              <a:t>Set Q_temp = 1e9 (This is what seems to be working)</a:t>
+            </a:r>
+          </a:p>
+          <a:p>
+            <a:r>
+              <a:rPr lang="en-US" sz="2000"/>
+              <a:t>Tracking is good when emissions not included</a:t>
+            </a:r>
+          </a:p>
+          <a:p>
+            <a:r>
+              <a:rPr lang="en-US" sz="2000"/>
+              <a:t>Worsens when Q_emissions = 0.5</a:t>
+            </a:r>
+          </a:p>
+          <a:p>
+            <a:r>
+              <a:rPr lang="en-US" sz="2000"/>
+              <a:t>Power tracking isn’t happening as weight set on it is 0</a:t>
+            </a:r>
+          </a:p>
+          <a:p>
+            <a:endParaRPr lang="en-US" sz="2000"/>
+          </a:p>
+        </p:txBody>
+      </p:sp>
+      <p:pic>
+        <p:nvPicPr>
+          <p:cNvPr id="4" name="Picture 3">
+            <a:extLst>
+              <a:ext uri="{FF2B5EF4-FFF2-40B4-BE49-F238E27FC236}">
+                <a16:creationId xmlns:a16="http://schemas.microsoft.com/office/drawing/2014/main" id="{8B627F5C-6A5E-0055-1AA5-FFA5DA7E51AB}"/>
+              </a:ext>
+            </a:extLst>
+          </p:cNvPr>
+          <p:cNvPicPr>
+            <a:picLocks noChangeAspect="1"/>
+          </p:cNvPicPr>
+          <p:nvPr/>
+        </p:nvPicPr>
+        <p:blipFill rotWithShape="1">
+          <a:blip r:embed="rId2"/>
+          <a:srcRect t="1273" r="2" b="2"/>
+          <a:stretch/>
+        </p:blipFill>
+        <p:spPr>
+          <a:xfrm>
+            <a:off x="6538366" y="1383738"/>
+            <a:ext cx="4929098" cy="4756870"/>
+          </a:xfrm>
+          <a:prstGeom prst="rect">
+            <a:avLst/>
+          </a:prstGeom>
+        </p:spPr>
+      </p:pic>
+    </p:spTree>
+    <p:extLst>
+      <p:ext uri="{BB962C8B-B14F-4D97-AF65-F5344CB8AC3E}">
+        <p14:creationId xmlns:p14="http://schemas.microsoft.com/office/powerpoint/2010/main" val="2101356148"/>
       </p:ext>
     </p:extLst>
   </p:cSld>
@@ -4129,4 +7428,299 @@
     </a:ext>
   </a:extLst>
 </a:theme>
+</file>
+
+<file path=ppt/theme/theme2.xml><?xml version="1.0" encoding="utf-8"?>
+<a:theme xmlns:a="http://schemas.openxmlformats.org/drawingml/2006/main" name="Office Theme">
+  <a:themeElements>
+    <a:clrScheme name="Office">
+      <a:dk1>
+        <a:sysClr val="windowText" lastClr="000000"/>
+      </a:dk1>
+      <a:lt1>
+        <a:sysClr val="window" lastClr="FFFFFF"/>
+      </a:lt1>
+      <a:dk2>
+        <a:srgbClr val="44546A"/>
+      </a:dk2>
+      <a:lt2>
+        <a:srgbClr val="E7E6E6"/>
+      </a:lt2>
+      <a:accent1>
+        <a:srgbClr val="4472C4"/>
+      </a:accent1>
+      <a:accent2>
+        <a:srgbClr val="ED7D31"/>
+      </a:accent2>
+      <a:accent3>
+        <a:srgbClr val="A5A5A5"/>
+      </a:accent3>
+      <a:accent4>
+        <a:srgbClr val="FFC000"/>
+      </a:accent4>
+      <a:accent5>
+        <a:srgbClr val="5B9BD5"/>
+      </a:accent5>
+      <a:accent6>
+        <a:srgbClr val="70AD47"/>
+      </a:accent6>
+      <a:hlink>
+        <a:srgbClr val="0563C1"/>
+      </a:hlink>
+      <a:folHlink>
+        <a:srgbClr val="954F72"/>
+      </a:folHlink>
+    </a:clrScheme>
+    <a:fontScheme name="Office">
+      <a:majorFont>
+        <a:latin typeface="Calibri Light" panose="020F0302020204030204"/>
+        <a:ea typeface=""/>
+        <a:cs typeface=""/>
+        <a:font script="Jpan" typeface="游ゴシック Light"/>
+        <a:font script="Hang" typeface="맑은 고딕"/>
+        <a:font script="Hans" typeface="等线 Light"/>
+        <a:font script="Hant" typeface="新細明體"/>
+        <a:font script="Arab" typeface="Times New Roman"/>
+        <a:font script="Hebr" typeface="Times New Roman"/>
+        <a:font script="Thai" typeface="Angsana New"/>
+        <a:font script="Ethi" typeface="Nyala"/>
+        <a:font script="Beng" typeface="Vrinda"/>
+        <a:font script="Gujr" typeface="Shruti"/>
+        <a:font script="Khmr" typeface="MoolBoran"/>
+        <a:font script="Knda" typeface="Tunga"/>
+        <a:font script="Guru" typeface="Raavi"/>
+        <a:font script="Cans" typeface="Euphemia"/>
+        <a:font script="Cher" typeface="Plantagenet Cherokee"/>
+        <a:font script="Yiii" typeface="Microsoft Yi Baiti"/>
+        <a:font script="Tibt" typeface="Microsoft Himalaya"/>
+        <a:font script="Thaa" typeface="MV Boli"/>
+        <a:font script="Deva" typeface="Mangal"/>
+        <a:font script="Telu" typeface="Gautami"/>
+        <a:font script="Taml" typeface="Latha"/>
+        <a:font script="Syrc" typeface="Estrangelo Edessa"/>
+        <a:font script="Orya" typeface="Kalinga"/>
+        <a:font script="Mlym" typeface="Kartika"/>
+        <a:font script="Laoo" typeface="DokChampa"/>
+        <a:font script="Sinh" typeface="Iskoola Pota"/>
+        <a:font script="Mong" typeface="Mongolian Baiti"/>
+        <a:font script="Viet" typeface="Times New Roman"/>
+        <a:font script="Uigh" typeface="Microsoft Uighur"/>
+        <a:font script="Geor" typeface="Sylfaen"/>
+        <a:font script="Armn" typeface="Arial"/>
+        <a:font script="Bugi" typeface="Leelawadee UI"/>
+        <a:font script="Bopo" typeface="Microsoft JhengHei"/>
+        <a:font script="Java" typeface="Javanese Text"/>
+        <a:font script="Lisu" typeface="Segoe UI"/>
+        <a:font script="Mymr" typeface="Myanmar Text"/>
+        <a:font script="Nkoo" typeface="Ebrima"/>
+        <a:font script="Olck" typeface="Nirmala UI"/>
+        <a:font script="Osma" typeface="Ebrima"/>
+        <a:font script="Phag" typeface="Phagspa"/>
+        <a:font script="Syrn" typeface="Estrangelo Edessa"/>
+        <a:font script="Syrj" typeface="Estrangelo Edessa"/>
+        <a:font script="Syre" typeface="Estrangelo Edessa"/>
+        <a:font script="Sora" typeface="Nirmala UI"/>
+        <a:font script="Tale" typeface="Microsoft Tai Le"/>
+        <a:font script="Talu" typeface="Microsoft New Tai Lue"/>
+        <a:font script="Tfng" typeface="Ebrima"/>
+      </a:majorFont>
+      <a:minorFont>
+        <a:latin typeface="Calibri" panose="020F0502020204030204"/>
+        <a:ea typeface=""/>
+        <a:cs typeface=""/>
+        <a:font script="Jpan" typeface="游ゴシック"/>
+        <a:font script="Hang" typeface="맑은 고딕"/>
+        <a:font script="Hans" typeface="等线"/>
+        <a:font script="Hant" typeface="新細明體"/>
+        <a:font script="Arab" typeface="Arial"/>
+        <a:font script="Hebr" typeface="Arial"/>
+        <a:font script="Thai" typeface="Cordia New"/>
+        <a:font script="Ethi" typeface="Nyala"/>
+        <a:font script="Beng" typeface="Vrinda"/>
+        <a:font script="Gujr" typeface="Shruti"/>
+        <a:font script="Khmr" typeface="DaunPenh"/>
+        <a:font script="Knda" typeface="Tunga"/>
+        <a:font script="Guru" typeface="Raavi"/>
+        <a:font script="Cans" typeface="Euphemia"/>
+        <a:font script="Cher" typeface="Plantagenet Cherokee"/>
+        <a:font script="Yiii" typeface="Microsoft Yi Baiti"/>
+        <a:font script="Tibt" typeface="Microsoft Himalaya"/>
+        <a:font script="Thaa" typeface="MV Boli"/>
+        <a:font script="Deva" typeface="Mangal"/>
+        <a:font script="Telu" typeface="Gautami"/>
+        <a:font script="Taml" typeface="Latha"/>
+        <a:font script="Syrc" typeface="Estrangelo Edessa"/>
+        <a:font script="Orya" typeface="Kalinga"/>
+        <a:font script="Mlym" typeface="Kartika"/>
+        <a:font script="Laoo" typeface="DokChampa"/>
+        <a:font script="Sinh" typeface="Iskoola Pota"/>
+        <a:font script="Mong" typeface="Mongolian Baiti"/>
+        <a:font script="Viet" typeface="Arial"/>
+        <a:font script="Uigh" typeface="Microsoft Uighur"/>
+        <a:font script="Geor" typeface="Sylfaen"/>
+        <a:font script="Armn" typeface="Arial"/>
+        <a:font script="Bugi" typeface="Leelawadee UI"/>
+        <a:font script="Bopo" typeface="Microsoft JhengHei"/>
+        <a:font script="Java" typeface="Javanese Text"/>
+        <a:font script="Lisu" typeface="Segoe UI"/>
+        <a:font script="Mymr" typeface="Myanmar Text"/>
+        <a:font script="Nkoo" typeface="Ebrima"/>
+        <a:font script="Olck" typeface="Nirmala UI"/>
+        <a:font script="Osma" typeface="Ebrima"/>
+        <a:font script="Phag" typeface="Phagspa"/>
+        <a:font script="Syrn" typeface="Estrangelo Edessa"/>
+        <a:font script="Syrj" typeface="Estrangelo Edessa"/>
+        <a:font script="Syre" typeface="Estrangelo Edessa"/>
+        <a:font script="Sora" typeface="Nirmala UI"/>
+        <a:font script="Tale" typeface="Microsoft Tai Le"/>
+        <a:font script="Talu" typeface="Microsoft New Tai Lue"/>
+        <a:font script="Tfng" typeface="Ebrima"/>
+      </a:minorFont>
+    </a:fontScheme>
+    <a:fmtScheme name="Office">
+      <a:fillStyleLst>
+        <a:solidFill>
+          <a:schemeClr val="phClr"/>
+        </a:solidFill>
+        <a:gradFill rotWithShape="1">
+          <a:gsLst>
+            <a:gs pos="0">
+              <a:schemeClr val="phClr">
+                <a:lumMod val="110000"/>
+                <a:satMod val="105000"/>
+                <a:tint val="67000"/>
+              </a:schemeClr>
+            </a:gs>
+            <a:gs pos="50000">
+              <a:schemeClr val="phClr">
+                <a:lumMod val="105000"/>
+                <a:satMod val="103000"/>
+                <a:tint val="73000"/>
+              </a:schemeClr>
+            </a:gs>
+            <a:gs pos="100000">
+              <a:schemeClr val="phClr">
+                <a:lumMod val="105000"/>
+                <a:satMod val="109000"/>
+                <a:tint val="81000"/>
+              </a:schemeClr>
+            </a:gs>
+          </a:gsLst>
+          <a:lin ang="5400000" scaled="0"/>
+        </a:gradFill>
+        <a:gradFill rotWithShape="1">
+          <a:gsLst>
+            <a:gs pos="0">
+              <a:schemeClr val="phClr">
+                <a:satMod val="103000"/>
+                <a:lumMod val="102000"/>
+                <a:tint val="94000"/>
+              </a:schemeClr>
+            </a:gs>
+            <a:gs pos="50000">
+              <a:schemeClr val="phClr">
+                <a:satMod val="110000"/>
+                <a:lumMod val="100000"/>
+                <a:shade val="100000"/>
+              </a:schemeClr>
+            </a:gs>
+            <a:gs pos="100000">
+              <a:schemeClr val="phClr">
+                <a:lumMod val="99000"/>
+                <a:satMod val="120000"/>
+                <a:shade val="78000"/>
+              </a:schemeClr>
+            </a:gs>
+          </a:gsLst>
+          <a:lin ang="5400000" scaled="0"/>
+        </a:gradFill>
+      </a:fillStyleLst>
+      <a:lnStyleLst>
+        <a:ln w="6350" cap="flat" cmpd="sng" algn="ctr">
+          <a:solidFill>
+            <a:schemeClr val="phClr"/>
+          </a:solidFill>
+          <a:prstDash val="solid"/>
+          <a:miter lim="800000"/>
+        </a:ln>
+        <a:ln w="12700" cap="flat" cmpd="sng" algn="ctr">
+          <a:solidFill>
+            <a:schemeClr val="phClr"/>
+          </a:solidFill>
+          <a:prstDash val="solid"/>
+          <a:miter lim="800000"/>
+        </a:ln>
+        <a:ln w="19050" cap="flat" cmpd="sng" algn="ctr">
+          <a:solidFill>
+            <a:schemeClr val="phClr"/>
+          </a:solidFill>
+          <a:prstDash val="solid"/>
+          <a:miter lim="800000"/>
+        </a:ln>
+      </a:lnStyleLst>
+      <a:effectStyleLst>
+        <a:effectStyle>
+          <a:effectLst/>
+        </a:effectStyle>
+        <a:effectStyle>
+          <a:effectLst/>
+        </a:effectStyle>
+        <a:effectStyle>
+          <a:effectLst>
+            <a:outerShdw blurRad="57150" dist="19050" dir="5400000" algn="ctr" rotWithShape="0">
+              <a:srgbClr val="000000">
+                <a:alpha val="63000"/>
+              </a:srgbClr>
+            </a:outerShdw>
+          </a:effectLst>
+        </a:effectStyle>
+      </a:effectStyleLst>
+      <a:bgFillStyleLst>
+        <a:solidFill>
+          <a:schemeClr val="phClr"/>
+        </a:solidFill>
+        <a:solidFill>
+          <a:schemeClr val="phClr">
+            <a:tint val="95000"/>
+            <a:satMod val="170000"/>
+          </a:schemeClr>
+        </a:solidFill>
+        <a:gradFill rotWithShape="1">
+          <a:gsLst>
+            <a:gs pos="0">
+              <a:schemeClr val="phClr">
+                <a:tint val="93000"/>
+                <a:satMod val="150000"/>
+                <a:shade val="98000"/>
+                <a:lumMod val="102000"/>
+              </a:schemeClr>
+            </a:gs>
+            <a:gs pos="50000">
+              <a:schemeClr val="phClr">
+                <a:tint val="98000"/>
+                <a:satMod val="130000"/>
+                <a:shade val="90000"/>
+                <a:lumMod val="103000"/>
+              </a:schemeClr>
+            </a:gs>
+            <a:gs pos="100000">
+              <a:schemeClr val="phClr">
+                <a:shade val="63000"/>
+                <a:satMod val="120000"/>
+              </a:schemeClr>
+            </a:gs>
+          </a:gsLst>
+          <a:lin ang="5400000" scaled="0"/>
+        </a:gradFill>
+      </a:bgFillStyleLst>
+    </a:fmtScheme>
+  </a:themeElements>
+  <a:objectDefaults/>
+  <a:extraClrSchemeLst/>
+  <a:extLst>
+    <a:ext uri="{05A4C25C-085E-4340-85A3-A5531E510DB2}">
+      <thm15:themeFamily xmlns:thm15="http://schemas.microsoft.com/office/thememl/2012/main" name="Office Theme" id="{62F939B6-93AF-4DB8-9C6B-D6C7DFDC589F}" vid="{4A3C46E8-61CC-4603-A589-7422A47A8E4A}"/>
+    </a:ext>
+  </a:extLst>
+</a:theme>
 </file>